--- a/KDD-2024/Slides/part5_interval_based.pptx
+++ b/KDD-2024/Slides/part5_interval_based.pptx
@@ -26399,7 +26399,7 @@
             <a:r>
               <a:rPr lang="en-GB" sz="2000" b="1" dirty="0">
                 <a:solidFill>
-                  <a:srgbClr val="500064"/>
+                  <a:schemeClr val="tx1"/>
                 </a:solidFill>
               </a:rPr>
               <a:t>Power spectrum</a:t>
@@ -26438,7 +26438,7 @@
             <a:r>
               <a:rPr lang="en-GB" sz="2000" b="1" dirty="0">
                 <a:solidFill>
-                  <a:srgbClr val="500064"/>
+                  <a:schemeClr val="tx1"/>
                 </a:solidFill>
               </a:rPr>
               <a:t>First order differences</a:t>
@@ -26477,7 +26477,7 @@
             <a:r>
               <a:rPr lang="en-GB" sz="2000" b="1" dirty="0">
                 <a:solidFill>
-                  <a:srgbClr val="500064"/>
+                  <a:schemeClr val="tx1"/>
                 </a:solidFill>
               </a:rPr>
               <a:t>Base series</a:t>
@@ -32638,14 +32638,13 @@
           </p:cNvPr>
           <p:cNvCxnSpPr>
             <a:cxnSpLocks/>
-            <a:stCxn id="5" idx="2"/>
           </p:cNvCxnSpPr>
           <p:nvPr/>
         </p:nvCxnSpPr>
         <p:spPr>
-          <a:xfrm>
-            <a:off x="5740281" y="3558073"/>
-            <a:ext cx="42634" cy="1325578"/>
+          <a:xfrm flipH="1">
+            <a:off x="5782915" y="3592579"/>
+            <a:ext cx="313085" cy="1291072"/>
           </a:xfrm>
           <a:prstGeom prst="straightConnector1">
             <a:avLst/>
@@ -32683,14 +32682,13 @@
           </p:cNvPr>
           <p:cNvCxnSpPr>
             <a:cxnSpLocks/>
-            <a:stCxn id="5" idx="2"/>
           </p:cNvCxnSpPr>
           <p:nvPr/>
         </p:nvCxnSpPr>
         <p:spPr>
           <a:xfrm>
-            <a:off x="5740281" y="3558073"/>
-            <a:ext cx="919123" cy="1325578"/>
+            <a:off x="6096000" y="3592579"/>
+            <a:ext cx="563404" cy="1291072"/>
           </a:xfrm>
           <a:prstGeom prst="straightConnector1">
             <a:avLst/>
@@ -32728,14 +32726,13 @@
           </p:cNvPr>
           <p:cNvCxnSpPr>
             <a:cxnSpLocks/>
-            <a:stCxn id="5" idx="2"/>
           </p:cNvCxnSpPr>
           <p:nvPr/>
         </p:nvCxnSpPr>
         <p:spPr>
           <a:xfrm flipH="1">
-            <a:off x="4914430" y="3558073"/>
-            <a:ext cx="825851" cy="1325578"/>
+            <a:off x="4914430" y="3592579"/>
+            <a:ext cx="1181570" cy="1291072"/>
           </a:xfrm>
           <a:prstGeom prst="straightConnector1">
             <a:avLst/>
@@ -32773,14 +32770,13 @@
           </p:cNvPr>
           <p:cNvCxnSpPr>
             <a:cxnSpLocks/>
-            <a:stCxn id="7" idx="2"/>
           </p:cNvCxnSpPr>
           <p:nvPr/>
         </p:nvCxnSpPr>
         <p:spPr>
           <a:xfrm>
-            <a:off x="7863284" y="3558073"/>
-            <a:ext cx="284758" cy="1325578"/>
+            <a:off x="7533409" y="3592579"/>
+            <a:ext cx="614633" cy="1291072"/>
           </a:xfrm>
           <a:prstGeom prst="straightConnector1">
             <a:avLst/>
@@ -32818,14 +32814,13 @@
           </p:cNvPr>
           <p:cNvCxnSpPr>
             <a:cxnSpLocks/>
-            <a:stCxn id="7" idx="2"/>
           </p:cNvCxnSpPr>
           <p:nvPr/>
         </p:nvCxnSpPr>
         <p:spPr>
           <a:xfrm>
-            <a:off x="7863284" y="3558073"/>
-            <a:ext cx="1100510" cy="1325578"/>
+            <a:off x="7533409" y="3581952"/>
+            <a:ext cx="1430385" cy="1301699"/>
           </a:xfrm>
           <a:prstGeom prst="straightConnector1">
             <a:avLst/>
@@ -32863,14 +32858,13 @@
           </p:cNvPr>
           <p:cNvCxnSpPr>
             <a:cxnSpLocks/>
-            <a:stCxn id="7" idx="2"/>
           </p:cNvCxnSpPr>
           <p:nvPr/>
         </p:nvCxnSpPr>
         <p:spPr>
           <a:xfrm flipH="1">
-            <a:off x="7322192" y="3558073"/>
-            <a:ext cx="541092" cy="1325578"/>
+            <a:off x="7322192" y="3581952"/>
+            <a:ext cx="211217" cy="1301699"/>
           </a:xfrm>
           <a:prstGeom prst="straightConnector1">
             <a:avLst/>
@@ -32908,14 +32902,13 @@
           </p:cNvPr>
           <p:cNvCxnSpPr>
             <a:cxnSpLocks/>
-            <a:stCxn id="6" idx="2"/>
           </p:cNvCxnSpPr>
           <p:nvPr/>
         </p:nvCxnSpPr>
         <p:spPr>
-          <a:xfrm flipH="1">
-            <a:off x="3439685" y="3592579"/>
-            <a:ext cx="194058" cy="1291072"/>
+          <a:xfrm>
+            <a:off x="2919845" y="3592579"/>
+            <a:ext cx="519840" cy="1291072"/>
           </a:xfrm>
           <a:prstGeom prst="straightConnector1">
             <a:avLst/>
@@ -32953,14 +32946,13 @@
           </p:cNvPr>
           <p:cNvCxnSpPr>
             <a:cxnSpLocks/>
-            <a:stCxn id="6" idx="2"/>
           </p:cNvCxnSpPr>
           <p:nvPr/>
         </p:nvCxnSpPr>
         <p:spPr>
           <a:xfrm>
-            <a:off x="3633743" y="3592579"/>
-            <a:ext cx="488968" cy="1291072"/>
+            <a:off x="2919845" y="3592579"/>
+            <a:ext cx="1202866" cy="1291072"/>
           </a:xfrm>
           <a:prstGeom prst="straightConnector1">
             <a:avLst/>
@@ -32998,14 +32990,13 @@
           </p:cNvPr>
           <p:cNvCxnSpPr>
             <a:cxnSpLocks/>
-            <a:stCxn id="6" idx="2"/>
           </p:cNvCxnSpPr>
           <p:nvPr/>
         </p:nvCxnSpPr>
         <p:spPr>
           <a:xfrm flipH="1">
             <a:off x="2688452" y="3592579"/>
-            <a:ext cx="945291" cy="1291072"/>
+            <a:ext cx="231393" cy="1291072"/>
           </a:xfrm>
           <a:prstGeom prst="straightConnector1">
             <a:avLst/>

--- a/KDD-2024/Slides/part5_interval_based.pptx
+++ b/KDD-2024/Slides/part5_interval_based.pptx
@@ -5,7 +5,7 @@
     <p:sldMasterId id="2147483659" r:id="rId1"/>
   </p:sldMasterIdLst>
   <p:notesMasterIdLst>
-    <p:notesMasterId r:id="rId18"/>
+    <p:notesMasterId r:id="rId19"/>
   </p:notesMasterIdLst>
   <p:sldIdLst>
     <p:sldId id="256" r:id="rId2"/>
@@ -22,8 +22,9 @@
     <p:sldId id="462" r:id="rId13"/>
     <p:sldId id="467" r:id="rId14"/>
     <p:sldId id="466" r:id="rId15"/>
-    <p:sldId id="452" r:id="rId16"/>
-    <p:sldId id="265" r:id="rId17"/>
+    <p:sldId id="470" r:id="rId16"/>
+    <p:sldId id="452" r:id="rId17"/>
+    <p:sldId id="265" r:id="rId18"/>
   </p:sldIdLst>
   <p:sldSz cx="12192000" cy="6858000"/>
   <p:notesSz cx="6858000" cy="1114425"/>
@@ -26670,6 +26671,114 @@
       </p:grpSpPr>
       <p:sp>
         <p:nvSpPr>
+          <p:cNvPr id="11" name="Freeform: Shape 10">
+            <a:extLst>
+              <a:ext uri="{FF2B5EF4-FFF2-40B4-BE49-F238E27FC236}">
+                <a16:creationId xmlns:a16="http://schemas.microsoft.com/office/drawing/2014/main" id="{BB6DF4EE-8293-B373-3150-CD3C985DD37D}"/>
+              </a:ext>
+            </a:extLst>
+          </p:cNvPr>
+          <p:cNvSpPr/>
+          <p:nvPr/>
+        </p:nvSpPr>
+        <p:spPr>
+          <a:xfrm>
+            <a:off x="7315200" y="1831239"/>
+            <a:ext cx="3865418" cy="988026"/>
+          </a:xfrm>
+          <a:custGeom>
+            <a:avLst/>
+            <a:gdLst>
+              <a:gd name="connsiteX0" fmla="*/ 0 w 3865418"/>
+              <a:gd name="connsiteY0" fmla="*/ 208698 h 998407"/>
+              <a:gd name="connsiteX1" fmla="*/ 1194954 w 3865418"/>
+              <a:gd name="connsiteY1" fmla="*/ 811371 h 998407"/>
+              <a:gd name="connsiteX2" fmla="*/ 2441863 w 3865418"/>
+              <a:gd name="connsiteY2" fmla="*/ 880 h 998407"/>
+              <a:gd name="connsiteX3" fmla="*/ 3865418 w 3865418"/>
+              <a:gd name="connsiteY3" fmla="*/ 998407 h 998407"/>
+              <a:gd name="connsiteX0" fmla="*/ 0 w 3865418"/>
+              <a:gd name="connsiteY0" fmla="*/ 198317 h 988026"/>
+              <a:gd name="connsiteX1" fmla="*/ 1194954 w 3865418"/>
+              <a:gd name="connsiteY1" fmla="*/ 800990 h 988026"/>
+              <a:gd name="connsiteX2" fmla="*/ 2524990 w 3865418"/>
+              <a:gd name="connsiteY2" fmla="*/ 890 h 988026"/>
+              <a:gd name="connsiteX3" fmla="*/ 3865418 w 3865418"/>
+              <a:gd name="connsiteY3" fmla="*/ 988026 h 988026"/>
+            </a:gdLst>
+            <a:ahLst/>
+            <a:cxnLst>
+              <a:cxn ang="0">
+                <a:pos x="connsiteX0" y="connsiteY0"/>
+              </a:cxn>
+              <a:cxn ang="0">
+                <a:pos x="connsiteX1" y="connsiteY1"/>
+              </a:cxn>
+              <a:cxn ang="0">
+                <a:pos x="connsiteX2" y="connsiteY2"/>
+              </a:cxn>
+              <a:cxn ang="0">
+                <a:pos x="connsiteX3" y="connsiteY3"/>
+              </a:cxn>
+            </a:cxnLst>
+            <a:rect l="l" t="t" r="r" b="b"/>
+            <a:pathLst>
+              <a:path w="3865418" h="988026">
+                <a:moveTo>
+                  <a:pt x="0" y="198317"/>
+                </a:moveTo>
+                <a:cubicBezTo>
+                  <a:pt x="393988" y="516971"/>
+                  <a:pt x="774122" y="833895"/>
+                  <a:pt x="1194954" y="800990"/>
+                </a:cubicBezTo>
+                <a:cubicBezTo>
+                  <a:pt x="1615786" y="768085"/>
+                  <a:pt x="2079913" y="-30283"/>
+                  <a:pt x="2524990" y="890"/>
+                </a:cubicBezTo>
+                <a:cubicBezTo>
+                  <a:pt x="2970067" y="32063"/>
+                  <a:pt x="3624695" y="833894"/>
+                  <a:pt x="3865418" y="988026"/>
+                </a:cubicBezTo>
+              </a:path>
+            </a:pathLst>
+          </a:custGeom>
+          <a:noFill/>
+          <a:ln w="57150">
+            <a:solidFill>
+              <a:srgbClr val="500064"/>
+            </a:solidFill>
+          </a:ln>
+        </p:spPr>
+        <p:style>
+          <a:lnRef idx="2">
+            <a:schemeClr val="accent1">
+              <a:shade val="15000"/>
+            </a:schemeClr>
+          </a:lnRef>
+          <a:fillRef idx="1">
+            <a:schemeClr val="accent1"/>
+          </a:fillRef>
+          <a:effectRef idx="0">
+            <a:schemeClr val="accent1"/>
+          </a:effectRef>
+          <a:fontRef idx="minor">
+            <a:schemeClr val="lt1"/>
+          </a:fontRef>
+        </p:style>
+        <p:txBody>
+          <a:bodyPr rtlCol="0" anchor="ctr"/>
+          <a:lstStyle/>
+          <a:p>
+            <a:pPr algn="ctr"/>
+            <a:endParaRPr lang="en-GB"/>
+          </a:p>
+        </p:txBody>
+      </p:sp>
+      <p:sp>
+        <p:nvSpPr>
           <p:cNvPr id="2" name="Text Placeholder 1">
             <a:extLst>
               <a:ext uri="{FF2B5EF4-FFF2-40B4-BE49-F238E27FC236}">
@@ -26703,6 +26812,18 @@
             </a:r>
           </a:p>
           <a:p>
+            <a:pPr marL="114300" indent="0">
+              <a:buNone/>
+            </a:pPr>
+            <a:endParaRPr lang="en-GB" sz="2000" dirty="0"/>
+          </a:p>
+          <a:p>
+            <a:r>
+              <a:rPr lang="en-GB" sz="2000" dirty="0"/>
+              <a:t>Pipeline classifier from extracted intervals</a:t>
+            </a:r>
+          </a:p>
+          <a:p>
             <a:endParaRPr lang="en-GB" sz="2000" dirty="0"/>
           </a:p>
           <a:p>
@@ -26710,10 +26831,33 @@
           </a:p>
           <a:p>
             <a:r>
-              <a:rPr lang="en-GB" sz="2000" dirty="0" err="1"/>
-              <a:t>todo</a:t>
+              <a:rPr lang="en-GB" sz="2000" dirty="0"/>
+              <a:t>Extracts intervals using a supervised process</a:t>
             </a:r>
+          </a:p>
+          <a:p>
             <a:endParaRPr lang="en-GB" sz="2000" dirty="0"/>
+          </a:p>
+          <a:p>
+            <a:endParaRPr lang="en-GB" sz="2000" dirty="0"/>
+          </a:p>
+          <a:p>
+            <a:r>
+              <a:rPr lang="en-GB" sz="2000" dirty="0"/>
+              <a:t>Extracts simple summary statistics</a:t>
+            </a:r>
+          </a:p>
+          <a:p>
+            <a:endParaRPr lang="en-GB" sz="2000" dirty="0"/>
+          </a:p>
+          <a:p>
+            <a:endParaRPr lang="en-GB" sz="2000" dirty="0"/>
+          </a:p>
+          <a:p>
+            <a:r>
+              <a:rPr lang="en-GB" sz="2000" dirty="0"/>
+              <a:t>Uses a periodogram, first order differences and autoregressive series representation</a:t>
+            </a:r>
           </a:p>
         </p:txBody>
       </p:sp>
@@ -26740,7 +26884,7 @@
           <a:p>
             <a:r>
               <a:rPr lang="en-GB" sz="2800" dirty="0"/>
-              <a:t>Random Supervised Time Series Forest (RSTSF)</a:t>
+              <a:t>Random Supervised Time Series Forest (R-STSF)</a:t>
             </a:r>
           </a:p>
         </p:txBody>
@@ -27053,6 +27197,2457 @@
           </a:p>
         </p:txBody>
       </p:sp>
+      <p:cxnSp>
+        <p:nvCxnSpPr>
+          <p:cNvPr id="7" name="Straight Connector 6">
+            <a:extLst>
+              <a:ext uri="{FF2B5EF4-FFF2-40B4-BE49-F238E27FC236}">
+                <a16:creationId xmlns:a16="http://schemas.microsoft.com/office/drawing/2014/main" id="{6B015C73-D7BC-5EB3-9B8C-0D96D9164E8C}"/>
+              </a:ext>
+            </a:extLst>
+          </p:cNvPr>
+          <p:cNvCxnSpPr>
+            <a:cxnSpLocks/>
+          </p:cNvCxnSpPr>
+          <p:nvPr/>
+        </p:nvCxnSpPr>
+        <p:spPr>
+          <a:xfrm>
+            <a:off x="9258301" y="1359815"/>
+            <a:ext cx="0" cy="1552253"/>
+          </a:xfrm>
+          <a:prstGeom prst="line">
+            <a:avLst/>
+          </a:prstGeom>
+          <a:ln w="57150">
+            <a:prstDash val="sysDash"/>
+          </a:ln>
+        </p:spPr>
+        <p:style>
+          <a:lnRef idx="1">
+            <a:schemeClr val="accent1"/>
+          </a:lnRef>
+          <a:fillRef idx="0">
+            <a:schemeClr val="accent1"/>
+          </a:fillRef>
+          <a:effectRef idx="0">
+            <a:schemeClr val="accent1"/>
+          </a:effectRef>
+          <a:fontRef idx="minor">
+            <a:schemeClr val="tx1"/>
+          </a:fontRef>
+        </p:style>
+      </p:cxnSp>
+      <p:sp>
+        <p:nvSpPr>
+          <p:cNvPr id="13" name="Freeform: Shape 12">
+            <a:extLst>
+              <a:ext uri="{FF2B5EF4-FFF2-40B4-BE49-F238E27FC236}">
+                <a16:creationId xmlns:a16="http://schemas.microsoft.com/office/drawing/2014/main" id="{1D1BBFE2-D002-45E9-035E-3FB0E361FFB9}"/>
+              </a:ext>
+            </a:extLst>
+          </p:cNvPr>
+          <p:cNvSpPr/>
+          <p:nvPr/>
+        </p:nvSpPr>
+        <p:spPr>
+          <a:xfrm>
+            <a:off x="7315200" y="3233440"/>
+            <a:ext cx="3865418" cy="988026"/>
+          </a:xfrm>
+          <a:custGeom>
+            <a:avLst/>
+            <a:gdLst>
+              <a:gd name="connsiteX0" fmla="*/ 0 w 3865418"/>
+              <a:gd name="connsiteY0" fmla="*/ 208698 h 998407"/>
+              <a:gd name="connsiteX1" fmla="*/ 1194954 w 3865418"/>
+              <a:gd name="connsiteY1" fmla="*/ 811371 h 998407"/>
+              <a:gd name="connsiteX2" fmla="*/ 2441863 w 3865418"/>
+              <a:gd name="connsiteY2" fmla="*/ 880 h 998407"/>
+              <a:gd name="connsiteX3" fmla="*/ 3865418 w 3865418"/>
+              <a:gd name="connsiteY3" fmla="*/ 998407 h 998407"/>
+              <a:gd name="connsiteX0" fmla="*/ 0 w 3865418"/>
+              <a:gd name="connsiteY0" fmla="*/ 198317 h 988026"/>
+              <a:gd name="connsiteX1" fmla="*/ 1194954 w 3865418"/>
+              <a:gd name="connsiteY1" fmla="*/ 800990 h 988026"/>
+              <a:gd name="connsiteX2" fmla="*/ 2524990 w 3865418"/>
+              <a:gd name="connsiteY2" fmla="*/ 890 h 988026"/>
+              <a:gd name="connsiteX3" fmla="*/ 3865418 w 3865418"/>
+              <a:gd name="connsiteY3" fmla="*/ 988026 h 988026"/>
+            </a:gdLst>
+            <a:ahLst/>
+            <a:cxnLst>
+              <a:cxn ang="0">
+                <a:pos x="connsiteX0" y="connsiteY0"/>
+              </a:cxn>
+              <a:cxn ang="0">
+                <a:pos x="connsiteX1" y="connsiteY1"/>
+              </a:cxn>
+              <a:cxn ang="0">
+                <a:pos x="connsiteX2" y="connsiteY2"/>
+              </a:cxn>
+              <a:cxn ang="0">
+                <a:pos x="connsiteX3" y="connsiteY3"/>
+              </a:cxn>
+            </a:cxnLst>
+            <a:rect l="l" t="t" r="r" b="b"/>
+            <a:pathLst>
+              <a:path w="3865418" h="988026">
+                <a:moveTo>
+                  <a:pt x="0" y="198317"/>
+                </a:moveTo>
+                <a:cubicBezTo>
+                  <a:pt x="393988" y="516971"/>
+                  <a:pt x="774122" y="833895"/>
+                  <a:pt x="1194954" y="800990"/>
+                </a:cubicBezTo>
+                <a:cubicBezTo>
+                  <a:pt x="1615786" y="768085"/>
+                  <a:pt x="2079913" y="-30283"/>
+                  <a:pt x="2524990" y="890"/>
+                </a:cubicBezTo>
+                <a:cubicBezTo>
+                  <a:pt x="2970067" y="32063"/>
+                  <a:pt x="3624695" y="833894"/>
+                  <a:pt x="3865418" y="988026"/>
+                </a:cubicBezTo>
+              </a:path>
+            </a:pathLst>
+          </a:custGeom>
+          <a:noFill/>
+          <a:ln w="57150">
+            <a:solidFill>
+              <a:srgbClr val="500064"/>
+            </a:solidFill>
+          </a:ln>
+        </p:spPr>
+        <p:style>
+          <a:lnRef idx="2">
+            <a:schemeClr val="accent1">
+              <a:shade val="15000"/>
+            </a:schemeClr>
+          </a:lnRef>
+          <a:fillRef idx="1">
+            <a:schemeClr val="accent1"/>
+          </a:fillRef>
+          <a:effectRef idx="0">
+            <a:schemeClr val="accent1"/>
+          </a:effectRef>
+          <a:fontRef idx="minor">
+            <a:schemeClr val="lt1"/>
+          </a:fontRef>
+        </p:style>
+        <p:txBody>
+          <a:bodyPr rtlCol="0" anchor="ctr"/>
+          <a:lstStyle/>
+          <a:p>
+            <a:pPr algn="ctr"/>
+            <a:endParaRPr lang="en-GB"/>
+          </a:p>
+        </p:txBody>
+      </p:sp>
+      <p:sp>
+        <p:nvSpPr>
+          <p:cNvPr id="14" name="Freeform: Shape 13">
+            <a:extLst>
+              <a:ext uri="{FF2B5EF4-FFF2-40B4-BE49-F238E27FC236}">
+                <a16:creationId xmlns:a16="http://schemas.microsoft.com/office/drawing/2014/main" id="{94FC2901-0805-75F8-C52D-7B48651FE480}"/>
+              </a:ext>
+            </a:extLst>
+          </p:cNvPr>
+          <p:cNvSpPr/>
+          <p:nvPr/>
+        </p:nvSpPr>
+        <p:spPr>
+          <a:xfrm>
+            <a:off x="7315200" y="4575666"/>
+            <a:ext cx="3865418" cy="988026"/>
+          </a:xfrm>
+          <a:custGeom>
+            <a:avLst/>
+            <a:gdLst>
+              <a:gd name="connsiteX0" fmla="*/ 0 w 3865418"/>
+              <a:gd name="connsiteY0" fmla="*/ 208698 h 998407"/>
+              <a:gd name="connsiteX1" fmla="*/ 1194954 w 3865418"/>
+              <a:gd name="connsiteY1" fmla="*/ 811371 h 998407"/>
+              <a:gd name="connsiteX2" fmla="*/ 2441863 w 3865418"/>
+              <a:gd name="connsiteY2" fmla="*/ 880 h 998407"/>
+              <a:gd name="connsiteX3" fmla="*/ 3865418 w 3865418"/>
+              <a:gd name="connsiteY3" fmla="*/ 998407 h 998407"/>
+              <a:gd name="connsiteX0" fmla="*/ 0 w 3865418"/>
+              <a:gd name="connsiteY0" fmla="*/ 198317 h 988026"/>
+              <a:gd name="connsiteX1" fmla="*/ 1194954 w 3865418"/>
+              <a:gd name="connsiteY1" fmla="*/ 800990 h 988026"/>
+              <a:gd name="connsiteX2" fmla="*/ 2524990 w 3865418"/>
+              <a:gd name="connsiteY2" fmla="*/ 890 h 988026"/>
+              <a:gd name="connsiteX3" fmla="*/ 3865418 w 3865418"/>
+              <a:gd name="connsiteY3" fmla="*/ 988026 h 988026"/>
+            </a:gdLst>
+            <a:ahLst/>
+            <a:cxnLst>
+              <a:cxn ang="0">
+                <a:pos x="connsiteX0" y="connsiteY0"/>
+              </a:cxn>
+              <a:cxn ang="0">
+                <a:pos x="connsiteX1" y="connsiteY1"/>
+              </a:cxn>
+              <a:cxn ang="0">
+                <a:pos x="connsiteX2" y="connsiteY2"/>
+              </a:cxn>
+              <a:cxn ang="0">
+                <a:pos x="connsiteX3" y="connsiteY3"/>
+              </a:cxn>
+            </a:cxnLst>
+            <a:rect l="l" t="t" r="r" b="b"/>
+            <a:pathLst>
+              <a:path w="3865418" h="988026">
+                <a:moveTo>
+                  <a:pt x="0" y="198317"/>
+                </a:moveTo>
+                <a:cubicBezTo>
+                  <a:pt x="393988" y="516971"/>
+                  <a:pt x="774122" y="833895"/>
+                  <a:pt x="1194954" y="800990"/>
+                </a:cubicBezTo>
+                <a:cubicBezTo>
+                  <a:pt x="1615786" y="768085"/>
+                  <a:pt x="2079913" y="-30283"/>
+                  <a:pt x="2524990" y="890"/>
+                </a:cubicBezTo>
+                <a:cubicBezTo>
+                  <a:pt x="2970067" y="32063"/>
+                  <a:pt x="3624695" y="833894"/>
+                  <a:pt x="3865418" y="988026"/>
+                </a:cubicBezTo>
+              </a:path>
+            </a:pathLst>
+          </a:custGeom>
+          <a:noFill/>
+          <a:ln w="57150">
+            <a:solidFill>
+              <a:srgbClr val="500064"/>
+            </a:solidFill>
+          </a:ln>
+        </p:spPr>
+        <p:style>
+          <a:lnRef idx="2">
+            <a:schemeClr val="accent1">
+              <a:shade val="15000"/>
+            </a:schemeClr>
+          </a:lnRef>
+          <a:fillRef idx="1">
+            <a:schemeClr val="accent1"/>
+          </a:fillRef>
+          <a:effectRef idx="0">
+            <a:schemeClr val="accent1"/>
+          </a:effectRef>
+          <a:fontRef idx="minor">
+            <a:schemeClr val="lt1"/>
+          </a:fontRef>
+        </p:style>
+        <p:txBody>
+          <a:bodyPr rtlCol="0" anchor="ctr"/>
+          <a:lstStyle/>
+          <a:p>
+            <a:pPr algn="ctr"/>
+            <a:endParaRPr lang="en-GB"/>
+          </a:p>
+        </p:txBody>
+      </p:sp>
+      <p:cxnSp>
+        <p:nvCxnSpPr>
+          <p:cNvPr id="15" name="Straight Connector 14">
+            <a:extLst>
+              <a:ext uri="{FF2B5EF4-FFF2-40B4-BE49-F238E27FC236}">
+                <a16:creationId xmlns:a16="http://schemas.microsoft.com/office/drawing/2014/main" id="{A5170181-6F51-12C7-17C6-064D731CE4A6}"/>
+              </a:ext>
+            </a:extLst>
+          </p:cNvPr>
+          <p:cNvCxnSpPr>
+            <a:cxnSpLocks/>
+          </p:cNvCxnSpPr>
+          <p:nvPr/>
+        </p:nvCxnSpPr>
+        <p:spPr>
+          <a:xfrm>
+            <a:off x="10241974" y="2652873"/>
+            <a:ext cx="0" cy="1552253"/>
+          </a:xfrm>
+          <a:prstGeom prst="line">
+            <a:avLst/>
+          </a:prstGeom>
+          <a:ln w="57150">
+            <a:prstDash val="sysDash"/>
+          </a:ln>
+        </p:spPr>
+        <p:style>
+          <a:lnRef idx="1">
+            <a:schemeClr val="accent1"/>
+          </a:lnRef>
+          <a:fillRef idx="0">
+            <a:schemeClr val="accent1"/>
+          </a:fillRef>
+          <a:effectRef idx="0">
+            <a:schemeClr val="accent1"/>
+          </a:effectRef>
+          <a:fontRef idx="minor">
+            <a:schemeClr val="tx1"/>
+          </a:fontRef>
+        </p:style>
+      </p:cxnSp>
+      <p:sp>
+        <p:nvSpPr>
+          <p:cNvPr id="17" name="Rectangle 16">
+            <a:extLst>
+              <a:ext uri="{FF2B5EF4-FFF2-40B4-BE49-F238E27FC236}">
+                <a16:creationId xmlns:a16="http://schemas.microsoft.com/office/drawing/2014/main" id="{D25A20B8-E80C-7640-3EC0-9C5BEE9BFC1E}"/>
+              </a:ext>
+            </a:extLst>
+          </p:cNvPr>
+          <p:cNvSpPr/>
+          <p:nvPr/>
+        </p:nvSpPr>
+        <p:spPr>
+          <a:xfrm>
+            <a:off x="7190509" y="3233440"/>
+            <a:ext cx="2067790" cy="1151524"/>
+          </a:xfrm>
+          <a:prstGeom prst="rect">
+            <a:avLst/>
+          </a:prstGeom>
+          <a:solidFill>
+            <a:schemeClr val="bg1"/>
+          </a:solidFill>
+          <a:ln>
+            <a:noFill/>
+          </a:ln>
+        </p:spPr>
+        <p:style>
+          <a:lnRef idx="2">
+            <a:schemeClr val="accent1">
+              <a:shade val="15000"/>
+            </a:schemeClr>
+          </a:lnRef>
+          <a:fillRef idx="1">
+            <a:schemeClr val="accent1"/>
+          </a:fillRef>
+          <a:effectRef idx="0">
+            <a:schemeClr val="accent1"/>
+          </a:effectRef>
+          <a:fontRef idx="minor">
+            <a:schemeClr val="lt1"/>
+          </a:fontRef>
+        </p:style>
+        <p:txBody>
+          <a:bodyPr rtlCol="0" anchor="ctr"/>
+          <a:lstStyle/>
+          <a:p>
+            <a:pPr algn="ctr"/>
+            <a:endParaRPr lang="en-GB"/>
+          </a:p>
+        </p:txBody>
+      </p:sp>
+      <p:sp>
+        <p:nvSpPr>
+          <p:cNvPr id="18" name="Rectangle 17">
+            <a:extLst>
+              <a:ext uri="{FF2B5EF4-FFF2-40B4-BE49-F238E27FC236}">
+                <a16:creationId xmlns:a16="http://schemas.microsoft.com/office/drawing/2014/main" id="{B3113726-8EB2-DC50-61DC-CEB97A5DC955}"/>
+              </a:ext>
+            </a:extLst>
+          </p:cNvPr>
+          <p:cNvSpPr/>
+          <p:nvPr/>
+        </p:nvSpPr>
+        <p:spPr>
+          <a:xfrm>
+            <a:off x="7180119" y="4412168"/>
+            <a:ext cx="2067790" cy="1151524"/>
+          </a:xfrm>
+          <a:prstGeom prst="rect">
+            <a:avLst/>
+          </a:prstGeom>
+          <a:solidFill>
+            <a:schemeClr val="bg1"/>
+          </a:solidFill>
+          <a:ln>
+            <a:noFill/>
+          </a:ln>
+        </p:spPr>
+        <p:style>
+          <a:lnRef idx="2">
+            <a:schemeClr val="accent1">
+              <a:shade val="15000"/>
+            </a:schemeClr>
+          </a:lnRef>
+          <a:fillRef idx="1">
+            <a:schemeClr val="accent1"/>
+          </a:fillRef>
+          <a:effectRef idx="0">
+            <a:schemeClr val="accent1"/>
+          </a:effectRef>
+          <a:fontRef idx="minor">
+            <a:schemeClr val="lt1"/>
+          </a:fontRef>
+        </p:style>
+        <p:txBody>
+          <a:bodyPr rtlCol="0" anchor="ctr"/>
+          <a:lstStyle/>
+          <a:p>
+            <a:pPr algn="ctr"/>
+            <a:endParaRPr lang="en-GB"/>
+          </a:p>
+        </p:txBody>
+      </p:sp>
+      <p:sp>
+        <p:nvSpPr>
+          <p:cNvPr id="19" name="Rectangle 18">
+            <a:extLst>
+              <a:ext uri="{FF2B5EF4-FFF2-40B4-BE49-F238E27FC236}">
+                <a16:creationId xmlns:a16="http://schemas.microsoft.com/office/drawing/2014/main" id="{719EC0FA-BEB3-CFFC-1298-F67BE32DB739}"/>
+              </a:ext>
+            </a:extLst>
+          </p:cNvPr>
+          <p:cNvSpPr/>
+          <p:nvPr/>
+        </p:nvSpPr>
+        <p:spPr>
+          <a:xfrm>
+            <a:off x="10241974" y="4425672"/>
+            <a:ext cx="1686790" cy="1151524"/>
+          </a:xfrm>
+          <a:prstGeom prst="rect">
+            <a:avLst/>
+          </a:prstGeom>
+          <a:solidFill>
+            <a:schemeClr val="bg1"/>
+          </a:solidFill>
+          <a:ln>
+            <a:noFill/>
+          </a:ln>
+        </p:spPr>
+        <p:style>
+          <a:lnRef idx="2">
+            <a:schemeClr val="accent1">
+              <a:shade val="15000"/>
+            </a:schemeClr>
+          </a:lnRef>
+          <a:fillRef idx="1">
+            <a:schemeClr val="accent1"/>
+          </a:fillRef>
+          <a:effectRef idx="0">
+            <a:schemeClr val="accent1"/>
+          </a:effectRef>
+          <a:fontRef idx="minor">
+            <a:schemeClr val="lt1"/>
+          </a:fontRef>
+        </p:style>
+        <p:txBody>
+          <a:bodyPr rtlCol="0" anchor="ctr"/>
+          <a:lstStyle/>
+          <a:p>
+            <a:pPr algn="ctr"/>
+            <a:endParaRPr lang="en-GB"/>
+          </a:p>
+        </p:txBody>
+      </p:sp>
+      <p:cxnSp>
+        <p:nvCxnSpPr>
+          <p:cNvPr id="22" name="Straight Connector 21">
+            <a:extLst>
+              <a:ext uri="{FF2B5EF4-FFF2-40B4-BE49-F238E27FC236}">
+                <a16:creationId xmlns:a16="http://schemas.microsoft.com/office/drawing/2014/main" id="{F37AD84B-D823-FD54-C802-4040CE23CDAA}"/>
+              </a:ext>
+            </a:extLst>
+          </p:cNvPr>
+          <p:cNvCxnSpPr/>
+          <p:nvPr/>
+        </p:nvCxnSpPr>
+        <p:spPr>
+          <a:xfrm>
+            <a:off x="7834745" y="3429000"/>
+            <a:ext cx="415637" cy="332509"/>
+          </a:xfrm>
+          <a:prstGeom prst="line">
+            <a:avLst/>
+          </a:prstGeom>
+          <a:ln w="28575"/>
+        </p:spPr>
+        <p:style>
+          <a:lnRef idx="1">
+            <a:schemeClr val="dk1"/>
+          </a:lnRef>
+          <a:fillRef idx="0">
+            <a:schemeClr val="dk1"/>
+          </a:fillRef>
+          <a:effectRef idx="0">
+            <a:schemeClr val="dk1"/>
+          </a:effectRef>
+          <a:fontRef idx="minor">
+            <a:schemeClr val="tx1"/>
+          </a:fontRef>
+        </p:style>
+      </p:cxnSp>
+      <p:cxnSp>
+        <p:nvCxnSpPr>
+          <p:cNvPr id="23" name="Straight Connector 22">
+            <a:extLst>
+              <a:ext uri="{FF2B5EF4-FFF2-40B4-BE49-F238E27FC236}">
+                <a16:creationId xmlns:a16="http://schemas.microsoft.com/office/drawing/2014/main" id="{980B9C4A-0A17-00A6-38B3-664F80CE8319}"/>
+              </a:ext>
+            </a:extLst>
+          </p:cNvPr>
+          <p:cNvCxnSpPr>
+            <a:cxnSpLocks/>
+          </p:cNvCxnSpPr>
+          <p:nvPr/>
+        </p:nvCxnSpPr>
+        <p:spPr>
+          <a:xfrm rot="16200000">
+            <a:off x="7820890" y="3435129"/>
+            <a:ext cx="415637" cy="332509"/>
+          </a:xfrm>
+          <a:prstGeom prst="line">
+            <a:avLst/>
+          </a:prstGeom>
+          <a:ln w="28575"/>
+        </p:spPr>
+        <p:style>
+          <a:lnRef idx="1">
+            <a:schemeClr val="dk1"/>
+          </a:lnRef>
+          <a:fillRef idx="0">
+            <a:schemeClr val="dk1"/>
+          </a:fillRef>
+          <a:effectRef idx="0">
+            <a:schemeClr val="dk1"/>
+          </a:effectRef>
+          <a:fontRef idx="minor">
+            <a:schemeClr val="tx1"/>
+          </a:fontRef>
+        </p:style>
+      </p:cxnSp>
+      <p:cxnSp>
+        <p:nvCxnSpPr>
+          <p:cNvPr id="24" name="Straight Connector 23">
+            <a:extLst>
+              <a:ext uri="{FF2B5EF4-FFF2-40B4-BE49-F238E27FC236}">
+                <a16:creationId xmlns:a16="http://schemas.microsoft.com/office/drawing/2014/main" id="{38423106-2105-B3CD-0B79-BD815A08A2ED}"/>
+              </a:ext>
+            </a:extLst>
+          </p:cNvPr>
+          <p:cNvCxnSpPr/>
+          <p:nvPr/>
+        </p:nvCxnSpPr>
+        <p:spPr>
+          <a:xfrm>
+            <a:off x="7926532" y="4752458"/>
+            <a:ext cx="415637" cy="332509"/>
+          </a:xfrm>
+          <a:prstGeom prst="line">
+            <a:avLst/>
+          </a:prstGeom>
+          <a:ln w="28575"/>
+        </p:spPr>
+        <p:style>
+          <a:lnRef idx="1">
+            <a:schemeClr val="dk1"/>
+          </a:lnRef>
+          <a:fillRef idx="0">
+            <a:schemeClr val="dk1"/>
+          </a:fillRef>
+          <a:effectRef idx="0">
+            <a:schemeClr val="dk1"/>
+          </a:effectRef>
+          <a:fontRef idx="minor">
+            <a:schemeClr val="tx1"/>
+          </a:fontRef>
+        </p:style>
+      </p:cxnSp>
+      <p:cxnSp>
+        <p:nvCxnSpPr>
+          <p:cNvPr id="25" name="Straight Connector 24">
+            <a:extLst>
+              <a:ext uri="{FF2B5EF4-FFF2-40B4-BE49-F238E27FC236}">
+                <a16:creationId xmlns:a16="http://schemas.microsoft.com/office/drawing/2014/main" id="{02884467-990C-30C9-B7F3-A5B37E3159BF}"/>
+              </a:ext>
+            </a:extLst>
+          </p:cNvPr>
+          <p:cNvCxnSpPr>
+            <a:cxnSpLocks/>
+          </p:cNvCxnSpPr>
+          <p:nvPr/>
+        </p:nvCxnSpPr>
+        <p:spPr>
+          <a:xfrm rot="16200000">
+            <a:off x="7912677" y="4758587"/>
+            <a:ext cx="415637" cy="332509"/>
+          </a:xfrm>
+          <a:prstGeom prst="line">
+            <a:avLst/>
+          </a:prstGeom>
+          <a:ln w="28575"/>
+        </p:spPr>
+        <p:style>
+          <a:lnRef idx="1">
+            <a:schemeClr val="dk1"/>
+          </a:lnRef>
+          <a:fillRef idx="0">
+            <a:schemeClr val="dk1"/>
+          </a:fillRef>
+          <a:effectRef idx="0">
+            <a:schemeClr val="dk1"/>
+          </a:effectRef>
+          <a:fontRef idx="minor">
+            <a:schemeClr val="tx1"/>
+          </a:fontRef>
+        </p:style>
+      </p:cxnSp>
+      <p:cxnSp>
+        <p:nvCxnSpPr>
+          <p:cNvPr id="26" name="Straight Connector 25">
+            <a:extLst>
+              <a:ext uri="{FF2B5EF4-FFF2-40B4-BE49-F238E27FC236}">
+                <a16:creationId xmlns:a16="http://schemas.microsoft.com/office/drawing/2014/main" id="{E90D5C43-E3BC-CCD4-8A8D-6D7128B156CD}"/>
+              </a:ext>
+            </a:extLst>
+          </p:cNvPr>
+          <p:cNvCxnSpPr/>
+          <p:nvPr/>
+        </p:nvCxnSpPr>
+        <p:spPr>
+          <a:xfrm>
+            <a:off x="10591799" y="4800151"/>
+            <a:ext cx="415637" cy="332509"/>
+          </a:xfrm>
+          <a:prstGeom prst="line">
+            <a:avLst/>
+          </a:prstGeom>
+          <a:ln w="28575"/>
+        </p:spPr>
+        <p:style>
+          <a:lnRef idx="1">
+            <a:schemeClr val="dk1"/>
+          </a:lnRef>
+          <a:fillRef idx="0">
+            <a:schemeClr val="dk1"/>
+          </a:fillRef>
+          <a:effectRef idx="0">
+            <a:schemeClr val="dk1"/>
+          </a:effectRef>
+          <a:fontRef idx="minor">
+            <a:schemeClr val="tx1"/>
+          </a:fontRef>
+        </p:style>
+      </p:cxnSp>
+      <p:cxnSp>
+        <p:nvCxnSpPr>
+          <p:cNvPr id="27" name="Straight Connector 26">
+            <a:extLst>
+              <a:ext uri="{FF2B5EF4-FFF2-40B4-BE49-F238E27FC236}">
+                <a16:creationId xmlns:a16="http://schemas.microsoft.com/office/drawing/2014/main" id="{5E432C44-C7F0-7D3F-F565-46D778B1C02C}"/>
+              </a:ext>
+            </a:extLst>
+          </p:cNvPr>
+          <p:cNvCxnSpPr>
+            <a:cxnSpLocks/>
+          </p:cNvCxnSpPr>
+          <p:nvPr/>
+        </p:nvCxnSpPr>
+        <p:spPr>
+          <a:xfrm rot="16200000">
+            <a:off x="10577944" y="4806280"/>
+            <a:ext cx="415637" cy="332509"/>
+          </a:xfrm>
+          <a:prstGeom prst="line">
+            <a:avLst/>
+          </a:prstGeom>
+          <a:ln w="28575"/>
+        </p:spPr>
+        <p:style>
+          <a:lnRef idx="1">
+            <a:schemeClr val="dk1"/>
+          </a:lnRef>
+          <a:fillRef idx="0">
+            <a:schemeClr val="dk1"/>
+          </a:fillRef>
+          <a:effectRef idx="0">
+            <a:schemeClr val="dk1"/>
+          </a:effectRef>
+          <a:fontRef idx="minor">
+            <a:schemeClr val="tx1"/>
+          </a:fontRef>
+        </p:style>
+      </p:cxnSp>
+      <p:cxnSp>
+        <p:nvCxnSpPr>
+          <p:cNvPr id="28" name="Straight Connector 27">
+            <a:extLst>
+              <a:ext uri="{FF2B5EF4-FFF2-40B4-BE49-F238E27FC236}">
+                <a16:creationId xmlns:a16="http://schemas.microsoft.com/office/drawing/2014/main" id="{2EED7678-17CF-1EBE-D4FB-A5EFF49F404E}"/>
+              </a:ext>
+            </a:extLst>
+          </p:cNvPr>
+          <p:cNvCxnSpPr>
+            <a:cxnSpLocks/>
+          </p:cNvCxnSpPr>
+          <p:nvPr/>
+        </p:nvCxnSpPr>
+        <p:spPr>
+          <a:xfrm>
+            <a:off x="9718964" y="4024943"/>
+            <a:ext cx="0" cy="1552253"/>
+          </a:xfrm>
+          <a:prstGeom prst="line">
+            <a:avLst/>
+          </a:prstGeom>
+          <a:ln w="57150">
+            <a:prstDash val="sysDash"/>
+          </a:ln>
+        </p:spPr>
+        <p:style>
+          <a:lnRef idx="1">
+            <a:schemeClr val="accent1"/>
+          </a:lnRef>
+          <a:fillRef idx="0">
+            <a:schemeClr val="accent1"/>
+          </a:fillRef>
+          <a:effectRef idx="0">
+            <a:schemeClr val="accent1"/>
+          </a:effectRef>
+          <a:fontRef idx="minor">
+            <a:schemeClr val="tx1"/>
+          </a:fontRef>
+        </p:style>
+      </p:cxnSp>
+      <p:sp>
+        <p:nvSpPr>
+          <p:cNvPr id="29" name="Text Placeholder 1">
+            <a:extLst>
+              <a:ext uri="{FF2B5EF4-FFF2-40B4-BE49-F238E27FC236}">
+                <a16:creationId xmlns:a16="http://schemas.microsoft.com/office/drawing/2014/main" id="{F183C26B-6F67-B99E-D711-2DF41B420CAB}"/>
+              </a:ext>
+            </a:extLst>
+          </p:cNvPr>
+          <p:cNvSpPr txBox="1">
+            <a:spLocks/>
+          </p:cNvSpPr>
+          <p:nvPr/>
+        </p:nvSpPr>
+        <p:spPr>
+          <a:xfrm>
+            <a:off x="9426289" y="1294308"/>
+            <a:ext cx="741236" cy="545916"/>
+          </a:xfrm>
+          <a:prstGeom prst="rect">
+            <a:avLst/>
+          </a:prstGeom>
+        </p:spPr>
+        <p:txBody>
+          <a:bodyPr spcFirstLastPara="1" wrap="square" lIns="91425" tIns="91425" rIns="91425" bIns="91425" anchor="t" anchorCtr="0"/>
+          <a:lstStyle>
+            <a:defPPr marR="0" lvl="0" algn="l" rtl="0">
+              <a:lnSpc>
+                <a:spcPct val="100000"/>
+              </a:lnSpc>
+              <a:spcBef>
+                <a:spcPts val="0"/>
+              </a:spcBef>
+              <a:spcAft>
+                <a:spcPts val="0"/>
+              </a:spcAft>
+            </a:defPPr>
+            <a:lvl1pPr marL="457200" marR="0" lvl="0" indent="-342900" algn="l" rtl="0">
+              <a:lnSpc>
+                <a:spcPct val="100000"/>
+              </a:lnSpc>
+              <a:spcBef>
+                <a:spcPts val="0"/>
+              </a:spcBef>
+              <a:spcAft>
+                <a:spcPts val="0"/>
+              </a:spcAft>
+              <a:buClr>
+                <a:srgbClr val="500064"/>
+              </a:buClr>
+              <a:buSzPts val="1800"/>
+              <a:buFont typeface="Arial"/>
+              <a:buChar char="●"/>
+              <a:defRPr sz="1800" b="0" i="0" u="none" strike="noStrike" cap="none">
+                <a:solidFill>
+                  <a:schemeClr val="tx1"/>
+                </a:solidFill>
+                <a:latin typeface="Aptos" panose="020B0004020202020204" pitchFamily="34" charset="0"/>
+                <a:ea typeface="Arial"/>
+                <a:cs typeface="Arial"/>
+                <a:sym typeface="Arial"/>
+              </a:defRPr>
+            </a:lvl1pPr>
+            <a:lvl2pPr marL="914400" marR="0" lvl="1" indent="-317500" algn="l" rtl="0">
+              <a:lnSpc>
+                <a:spcPct val="100000"/>
+              </a:lnSpc>
+              <a:spcBef>
+                <a:spcPts val="1600"/>
+              </a:spcBef>
+              <a:spcAft>
+                <a:spcPts val="0"/>
+              </a:spcAft>
+              <a:buClr>
+                <a:srgbClr val="000000"/>
+              </a:buClr>
+              <a:buSzPts val="1400"/>
+              <a:buFont typeface="Arial"/>
+              <a:buChar char="○"/>
+              <a:defRPr sz="1400" b="0" i="0" u="none" strike="noStrike" cap="none">
+                <a:solidFill>
+                  <a:srgbClr val="000000"/>
+                </a:solidFill>
+                <a:latin typeface="Arial"/>
+                <a:ea typeface="Arial"/>
+                <a:cs typeface="Arial"/>
+                <a:sym typeface="Arial"/>
+              </a:defRPr>
+            </a:lvl2pPr>
+            <a:lvl3pPr marL="1371600" marR="0" lvl="2" indent="-317500" algn="l" rtl="0">
+              <a:lnSpc>
+                <a:spcPct val="100000"/>
+              </a:lnSpc>
+              <a:spcBef>
+                <a:spcPts val="1600"/>
+              </a:spcBef>
+              <a:spcAft>
+                <a:spcPts val="0"/>
+              </a:spcAft>
+              <a:buClr>
+                <a:srgbClr val="000000"/>
+              </a:buClr>
+              <a:buSzPts val="1400"/>
+              <a:buFont typeface="Arial"/>
+              <a:buChar char="■"/>
+              <a:defRPr sz="1400" b="0" i="0" u="none" strike="noStrike" cap="none">
+                <a:solidFill>
+                  <a:srgbClr val="000000"/>
+                </a:solidFill>
+                <a:latin typeface="Arial"/>
+                <a:ea typeface="Arial"/>
+                <a:cs typeface="Arial"/>
+                <a:sym typeface="Arial"/>
+              </a:defRPr>
+            </a:lvl3pPr>
+            <a:lvl4pPr marL="1828800" marR="0" lvl="3" indent="-317500" algn="l" rtl="0">
+              <a:lnSpc>
+                <a:spcPct val="100000"/>
+              </a:lnSpc>
+              <a:spcBef>
+                <a:spcPts val="1600"/>
+              </a:spcBef>
+              <a:spcAft>
+                <a:spcPts val="0"/>
+              </a:spcAft>
+              <a:buClr>
+                <a:srgbClr val="000000"/>
+              </a:buClr>
+              <a:buSzPts val="1400"/>
+              <a:buFont typeface="Arial"/>
+              <a:buChar char="●"/>
+              <a:defRPr sz="1400" b="0" i="0" u="none" strike="noStrike" cap="none">
+                <a:solidFill>
+                  <a:srgbClr val="000000"/>
+                </a:solidFill>
+                <a:latin typeface="Arial"/>
+                <a:ea typeface="Arial"/>
+                <a:cs typeface="Arial"/>
+                <a:sym typeface="Arial"/>
+              </a:defRPr>
+            </a:lvl4pPr>
+            <a:lvl5pPr marL="2286000" marR="0" lvl="4" indent="-317500" algn="l" rtl="0">
+              <a:lnSpc>
+                <a:spcPct val="100000"/>
+              </a:lnSpc>
+              <a:spcBef>
+                <a:spcPts val="1600"/>
+              </a:spcBef>
+              <a:spcAft>
+                <a:spcPts val="0"/>
+              </a:spcAft>
+              <a:buClr>
+                <a:srgbClr val="000000"/>
+              </a:buClr>
+              <a:buSzPts val="1400"/>
+              <a:buFont typeface="Arial"/>
+              <a:buChar char="○"/>
+              <a:defRPr sz="1400" b="0" i="0" u="none" strike="noStrike" cap="none">
+                <a:solidFill>
+                  <a:srgbClr val="000000"/>
+                </a:solidFill>
+                <a:latin typeface="Arial"/>
+                <a:ea typeface="Arial"/>
+                <a:cs typeface="Arial"/>
+                <a:sym typeface="Arial"/>
+              </a:defRPr>
+            </a:lvl5pPr>
+            <a:lvl6pPr marL="2743200" marR="0" lvl="5" indent="-317500" algn="l" rtl="0">
+              <a:lnSpc>
+                <a:spcPct val="100000"/>
+              </a:lnSpc>
+              <a:spcBef>
+                <a:spcPts val="1600"/>
+              </a:spcBef>
+              <a:spcAft>
+                <a:spcPts val="0"/>
+              </a:spcAft>
+              <a:buClr>
+                <a:srgbClr val="000000"/>
+              </a:buClr>
+              <a:buSzPts val="1400"/>
+              <a:buFont typeface="Arial"/>
+              <a:buChar char="■"/>
+              <a:defRPr sz="1400" b="0" i="0" u="none" strike="noStrike" cap="none">
+                <a:solidFill>
+                  <a:srgbClr val="000000"/>
+                </a:solidFill>
+                <a:latin typeface="Arial"/>
+                <a:ea typeface="Arial"/>
+                <a:cs typeface="Arial"/>
+                <a:sym typeface="Arial"/>
+              </a:defRPr>
+            </a:lvl6pPr>
+            <a:lvl7pPr marL="3200400" marR="0" lvl="6" indent="-317500" algn="l" rtl="0">
+              <a:lnSpc>
+                <a:spcPct val="100000"/>
+              </a:lnSpc>
+              <a:spcBef>
+                <a:spcPts val="1600"/>
+              </a:spcBef>
+              <a:spcAft>
+                <a:spcPts val="0"/>
+              </a:spcAft>
+              <a:buClr>
+                <a:srgbClr val="000000"/>
+              </a:buClr>
+              <a:buSzPts val="1400"/>
+              <a:buFont typeface="Arial"/>
+              <a:buChar char="●"/>
+              <a:defRPr sz="1400" b="0" i="0" u="none" strike="noStrike" cap="none">
+                <a:solidFill>
+                  <a:srgbClr val="000000"/>
+                </a:solidFill>
+                <a:latin typeface="Arial"/>
+                <a:ea typeface="Arial"/>
+                <a:cs typeface="Arial"/>
+                <a:sym typeface="Arial"/>
+              </a:defRPr>
+            </a:lvl7pPr>
+            <a:lvl8pPr marL="3657600" marR="0" lvl="7" indent="-317500" algn="l" rtl="0">
+              <a:lnSpc>
+                <a:spcPct val="100000"/>
+              </a:lnSpc>
+              <a:spcBef>
+                <a:spcPts val="1600"/>
+              </a:spcBef>
+              <a:spcAft>
+                <a:spcPts val="0"/>
+              </a:spcAft>
+              <a:buClr>
+                <a:srgbClr val="000000"/>
+              </a:buClr>
+              <a:buSzPts val="1400"/>
+              <a:buFont typeface="Arial"/>
+              <a:buChar char="○"/>
+              <a:defRPr sz="1400" b="0" i="0" u="none" strike="noStrike" cap="none">
+                <a:solidFill>
+                  <a:srgbClr val="000000"/>
+                </a:solidFill>
+                <a:latin typeface="Arial"/>
+                <a:ea typeface="Arial"/>
+                <a:cs typeface="Arial"/>
+                <a:sym typeface="Arial"/>
+              </a:defRPr>
+            </a:lvl8pPr>
+            <a:lvl9pPr marL="4114800" marR="0" lvl="8" indent="-317500" algn="l" rtl="0">
+              <a:lnSpc>
+                <a:spcPct val="100000"/>
+              </a:lnSpc>
+              <a:spcBef>
+                <a:spcPts val="1600"/>
+              </a:spcBef>
+              <a:spcAft>
+                <a:spcPts val="1600"/>
+              </a:spcAft>
+              <a:buClr>
+                <a:srgbClr val="000000"/>
+              </a:buClr>
+              <a:buSzPts val="1400"/>
+              <a:buFont typeface="Arial"/>
+              <a:buChar char="■"/>
+              <a:defRPr sz="1400" b="0" i="0" u="none" strike="noStrike" cap="none">
+                <a:solidFill>
+                  <a:srgbClr val="000000"/>
+                </a:solidFill>
+                <a:latin typeface="Arial"/>
+                <a:ea typeface="Arial"/>
+                <a:cs typeface="Arial"/>
+                <a:sym typeface="Arial"/>
+              </a:defRPr>
+            </a:lvl9pPr>
+          </a:lstStyle>
+          <a:p>
+            <a:pPr marL="114300" indent="0">
+              <a:buFont typeface="Arial"/>
+              <a:buNone/>
+            </a:pPr>
+            <a:r>
+              <a:rPr lang="en-GB" sz="2000" dirty="0">
+                <a:solidFill>
+                  <a:srgbClr val="00B050"/>
+                </a:solidFill>
+              </a:rPr>
+              <a:t>0.7</a:t>
+            </a:r>
+          </a:p>
+        </p:txBody>
+      </p:sp>
+      <p:sp>
+        <p:nvSpPr>
+          <p:cNvPr id="30" name="Text Placeholder 1">
+            <a:extLst>
+              <a:ext uri="{FF2B5EF4-FFF2-40B4-BE49-F238E27FC236}">
+                <a16:creationId xmlns:a16="http://schemas.microsoft.com/office/drawing/2014/main" id="{A3551AF8-2F58-2B2E-3CCC-1E938185989C}"/>
+              </a:ext>
+            </a:extLst>
+          </p:cNvPr>
+          <p:cNvSpPr txBox="1">
+            <a:spLocks/>
+          </p:cNvSpPr>
+          <p:nvPr/>
+        </p:nvSpPr>
+        <p:spPr>
+          <a:xfrm>
+            <a:off x="8274629" y="1305467"/>
+            <a:ext cx="833003" cy="545916"/>
+          </a:xfrm>
+          <a:prstGeom prst="rect">
+            <a:avLst/>
+          </a:prstGeom>
+        </p:spPr>
+        <p:txBody>
+          <a:bodyPr spcFirstLastPara="1" wrap="square" lIns="91425" tIns="91425" rIns="91425" bIns="91425" anchor="t" anchorCtr="0"/>
+          <a:lstStyle>
+            <a:defPPr marR="0" lvl="0" algn="l" rtl="0">
+              <a:lnSpc>
+                <a:spcPct val="100000"/>
+              </a:lnSpc>
+              <a:spcBef>
+                <a:spcPts val="0"/>
+              </a:spcBef>
+              <a:spcAft>
+                <a:spcPts val="0"/>
+              </a:spcAft>
+            </a:defPPr>
+            <a:lvl1pPr marL="457200" marR="0" lvl="0" indent="-342900" algn="l" rtl="0">
+              <a:lnSpc>
+                <a:spcPct val="100000"/>
+              </a:lnSpc>
+              <a:spcBef>
+                <a:spcPts val="0"/>
+              </a:spcBef>
+              <a:spcAft>
+                <a:spcPts val="0"/>
+              </a:spcAft>
+              <a:buClr>
+                <a:srgbClr val="500064"/>
+              </a:buClr>
+              <a:buSzPts val="1800"/>
+              <a:buFont typeface="Arial"/>
+              <a:buChar char="●"/>
+              <a:defRPr sz="1800" b="0" i="0" u="none" strike="noStrike" cap="none">
+                <a:solidFill>
+                  <a:schemeClr val="tx1"/>
+                </a:solidFill>
+                <a:latin typeface="Aptos" panose="020B0004020202020204" pitchFamily="34" charset="0"/>
+                <a:ea typeface="Arial"/>
+                <a:cs typeface="Arial"/>
+                <a:sym typeface="Arial"/>
+              </a:defRPr>
+            </a:lvl1pPr>
+            <a:lvl2pPr marL="914400" marR="0" lvl="1" indent="-317500" algn="l" rtl="0">
+              <a:lnSpc>
+                <a:spcPct val="100000"/>
+              </a:lnSpc>
+              <a:spcBef>
+                <a:spcPts val="1600"/>
+              </a:spcBef>
+              <a:spcAft>
+                <a:spcPts val="0"/>
+              </a:spcAft>
+              <a:buClr>
+                <a:srgbClr val="000000"/>
+              </a:buClr>
+              <a:buSzPts val="1400"/>
+              <a:buFont typeface="Arial"/>
+              <a:buChar char="○"/>
+              <a:defRPr sz="1400" b="0" i="0" u="none" strike="noStrike" cap="none">
+                <a:solidFill>
+                  <a:srgbClr val="000000"/>
+                </a:solidFill>
+                <a:latin typeface="Arial"/>
+                <a:ea typeface="Arial"/>
+                <a:cs typeface="Arial"/>
+                <a:sym typeface="Arial"/>
+              </a:defRPr>
+            </a:lvl2pPr>
+            <a:lvl3pPr marL="1371600" marR="0" lvl="2" indent="-317500" algn="l" rtl="0">
+              <a:lnSpc>
+                <a:spcPct val="100000"/>
+              </a:lnSpc>
+              <a:spcBef>
+                <a:spcPts val="1600"/>
+              </a:spcBef>
+              <a:spcAft>
+                <a:spcPts val="0"/>
+              </a:spcAft>
+              <a:buClr>
+                <a:srgbClr val="000000"/>
+              </a:buClr>
+              <a:buSzPts val="1400"/>
+              <a:buFont typeface="Arial"/>
+              <a:buChar char="■"/>
+              <a:defRPr sz="1400" b="0" i="0" u="none" strike="noStrike" cap="none">
+                <a:solidFill>
+                  <a:srgbClr val="000000"/>
+                </a:solidFill>
+                <a:latin typeface="Arial"/>
+                <a:ea typeface="Arial"/>
+                <a:cs typeface="Arial"/>
+                <a:sym typeface="Arial"/>
+              </a:defRPr>
+            </a:lvl3pPr>
+            <a:lvl4pPr marL="1828800" marR="0" lvl="3" indent="-317500" algn="l" rtl="0">
+              <a:lnSpc>
+                <a:spcPct val="100000"/>
+              </a:lnSpc>
+              <a:spcBef>
+                <a:spcPts val="1600"/>
+              </a:spcBef>
+              <a:spcAft>
+                <a:spcPts val="0"/>
+              </a:spcAft>
+              <a:buClr>
+                <a:srgbClr val="000000"/>
+              </a:buClr>
+              <a:buSzPts val="1400"/>
+              <a:buFont typeface="Arial"/>
+              <a:buChar char="●"/>
+              <a:defRPr sz="1400" b="0" i="0" u="none" strike="noStrike" cap="none">
+                <a:solidFill>
+                  <a:srgbClr val="000000"/>
+                </a:solidFill>
+                <a:latin typeface="Arial"/>
+                <a:ea typeface="Arial"/>
+                <a:cs typeface="Arial"/>
+                <a:sym typeface="Arial"/>
+              </a:defRPr>
+            </a:lvl4pPr>
+            <a:lvl5pPr marL="2286000" marR="0" lvl="4" indent="-317500" algn="l" rtl="0">
+              <a:lnSpc>
+                <a:spcPct val="100000"/>
+              </a:lnSpc>
+              <a:spcBef>
+                <a:spcPts val="1600"/>
+              </a:spcBef>
+              <a:spcAft>
+                <a:spcPts val="0"/>
+              </a:spcAft>
+              <a:buClr>
+                <a:srgbClr val="000000"/>
+              </a:buClr>
+              <a:buSzPts val="1400"/>
+              <a:buFont typeface="Arial"/>
+              <a:buChar char="○"/>
+              <a:defRPr sz="1400" b="0" i="0" u="none" strike="noStrike" cap="none">
+                <a:solidFill>
+                  <a:srgbClr val="000000"/>
+                </a:solidFill>
+                <a:latin typeface="Arial"/>
+                <a:ea typeface="Arial"/>
+                <a:cs typeface="Arial"/>
+                <a:sym typeface="Arial"/>
+              </a:defRPr>
+            </a:lvl5pPr>
+            <a:lvl6pPr marL="2743200" marR="0" lvl="5" indent="-317500" algn="l" rtl="0">
+              <a:lnSpc>
+                <a:spcPct val="100000"/>
+              </a:lnSpc>
+              <a:spcBef>
+                <a:spcPts val="1600"/>
+              </a:spcBef>
+              <a:spcAft>
+                <a:spcPts val="0"/>
+              </a:spcAft>
+              <a:buClr>
+                <a:srgbClr val="000000"/>
+              </a:buClr>
+              <a:buSzPts val="1400"/>
+              <a:buFont typeface="Arial"/>
+              <a:buChar char="■"/>
+              <a:defRPr sz="1400" b="0" i="0" u="none" strike="noStrike" cap="none">
+                <a:solidFill>
+                  <a:srgbClr val="000000"/>
+                </a:solidFill>
+                <a:latin typeface="Arial"/>
+                <a:ea typeface="Arial"/>
+                <a:cs typeface="Arial"/>
+                <a:sym typeface="Arial"/>
+              </a:defRPr>
+            </a:lvl6pPr>
+            <a:lvl7pPr marL="3200400" marR="0" lvl="6" indent="-317500" algn="l" rtl="0">
+              <a:lnSpc>
+                <a:spcPct val="100000"/>
+              </a:lnSpc>
+              <a:spcBef>
+                <a:spcPts val="1600"/>
+              </a:spcBef>
+              <a:spcAft>
+                <a:spcPts val="0"/>
+              </a:spcAft>
+              <a:buClr>
+                <a:srgbClr val="000000"/>
+              </a:buClr>
+              <a:buSzPts val="1400"/>
+              <a:buFont typeface="Arial"/>
+              <a:buChar char="●"/>
+              <a:defRPr sz="1400" b="0" i="0" u="none" strike="noStrike" cap="none">
+                <a:solidFill>
+                  <a:srgbClr val="000000"/>
+                </a:solidFill>
+                <a:latin typeface="Arial"/>
+                <a:ea typeface="Arial"/>
+                <a:cs typeface="Arial"/>
+                <a:sym typeface="Arial"/>
+              </a:defRPr>
+            </a:lvl7pPr>
+            <a:lvl8pPr marL="3657600" marR="0" lvl="7" indent="-317500" algn="l" rtl="0">
+              <a:lnSpc>
+                <a:spcPct val="100000"/>
+              </a:lnSpc>
+              <a:spcBef>
+                <a:spcPts val="1600"/>
+              </a:spcBef>
+              <a:spcAft>
+                <a:spcPts val="0"/>
+              </a:spcAft>
+              <a:buClr>
+                <a:srgbClr val="000000"/>
+              </a:buClr>
+              <a:buSzPts val="1400"/>
+              <a:buFont typeface="Arial"/>
+              <a:buChar char="○"/>
+              <a:defRPr sz="1400" b="0" i="0" u="none" strike="noStrike" cap="none">
+                <a:solidFill>
+                  <a:srgbClr val="000000"/>
+                </a:solidFill>
+                <a:latin typeface="Arial"/>
+                <a:ea typeface="Arial"/>
+                <a:cs typeface="Arial"/>
+                <a:sym typeface="Arial"/>
+              </a:defRPr>
+            </a:lvl8pPr>
+            <a:lvl9pPr marL="4114800" marR="0" lvl="8" indent="-317500" algn="l" rtl="0">
+              <a:lnSpc>
+                <a:spcPct val="100000"/>
+              </a:lnSpc>
+              <a:spcBef>
+                <a:spcPts val="1600"/>
+              </a:spcBef>
+              <a:spcAft>
+                <a:spcPts val="1600"/>
+              </a:spcAft>
+              <a:buClr>
+                <a:srgbClr val="000000"/>
+              </a:buClr>
+              <a:buSzPts val="1400"/>
+              <a:buFont typeface="Arial"/>
+              <a:buChar char="■"/>
+              <a:defRPr sz="1400" b="0" i="0" u="none" strike="noStrike" cap="none">
+                <a:solidFill>
+                  <a:srgbClr val="000000"/>
+                </a:solidFill>
+                <a:latin typeface="Arial"/>
+                <a:ea typeface="Arial"/>
+                <a:cs typeface="Arial"/>
+                <a:sym typeface="Arial"/>
+              </a:defRPr>
+            </a:lvl9pPr>
+          </a:lstStyle>
+          <a:p>
+            <a:pPr marL="114300" indent="0">
+              <a:buFont typeface="Arial"/>
+              <a:buNone/>
+            </a:pPr>
+            <a:r>
+              <a:rPr lang="en-GB" sz="2000" dirty="0">
+                <a:solidFill>
+                  <a:srgbClr val="FF0000"/>
+                </a:solidFill>
+              </a:rPr>
+              <a:t>0.55</a:t>
+            </a:r>
+          </a:p>
+        </p:txBody>
+      </p:sp>
+      <p:sp>
+        <p:nvSpPr>
+          <p:cNvPr id="32" name="Text Placeholder 1">
+            <a:extLst>
+              <a:ext uri="{FF2B5EF4-FFF2-40B4-BE49-F238E27FC236}">
+                <a16:creationId xmlns:a16="http://schemas.microsoft.com/office/drawing/2014/main" id="{B926F0F0-2D6D-9CB2-BF18-EE4EE2716396}"/>
+              </a:ext>
+            </a:extLst>
+          </p:cNvPr>
+          <p:cNvSpPr txBox="1">
+            <a:spLocks/>
+          </p:cNvSpPr>
+          <p:nvPr/>
+        </p:nvSpPr>
+        <p:spPr>
+          <a:xfrm>
+            <a:off x="9408968" y="2737009"/>
+            <a:ext cx="833003" cy="545916"/>
+          </a:xfrm>
+          <a:prstGeom prst="rect">
+            <a:avLst/>
+          </a:prstGeom>
+        </p:spPr>
+        <p:txBody>
+          <a:bodyPr spcFirstLastPara="1" wrap="square" lIns="91425" tIns="91425" rIns="91425" bIns="91425" anchor="t" anchorCtr="0"/>
+          <a:lstStyle>
+            <a:defPPr marR="0" lvl="0" algn="l" rtl="0">
+              <a:lnSpc>
+                <a:spcPct val="100000"/>
+              </a:lnSpc>
+              <a:spcBef>
+                <a:spcPts val="0"/>
+              </a:spcBef>
+              <a:spcAft>
+                <a:spcPts val="0"/>
+              </a:spcAft>
+            </a:defPPr>
+            <a:lvl1pPr marL="457200" marR="0" lvl="0" indent="-342900" algn="l" rtl="0">
+              <a:lnSpc>
+                <a:spcPct val="100000"/>
+              </a:lnSpc>
+              <a:spcBef>
+                <a:spcPts val="0"/>
+              </a:spcBef>
+              <a:spcAft>
+                <a:spcPts val="0"/>
+              </a:spcAft>
+              <a:buClr>
+                <a:srgbClr val="500064"/>
+              </a:buClr>
+              <a:buSzPts val="1800"/>
+              <a:buFont typeface="Arial"/>
+              <a:buChar char="●"/>
+              <a:defRPr sz="1800" b="0" i="0" u="none" strike="noStrike" cap="none">
+                <a:solidFill>
+                  <a:schemeClr val="tx1"/>
+                </a:solidFill>
+                <a:latin typeface="Aptos" panose="020B0004020202020204" pitchFamily="34" charset="0"/>
+                <a:ea typeface="Arial"/>
+                <a:cs typeface="Arial"/>
+                <a:sym typeface="Arial"/>
+              </a:defRPr>
+            </a:lvl1pPr>
+            <a:lvl2pPr marL="914400" marR="0" lvl="1" indent="-317500" algn="l" rtl="0">
+              <a:lnSpc>
+                <a:spcPct val="100000"/>
+              </a:lnSpc>
+              <a:spcBef>
+                <a:spcPts val="1600"/>
+              </a:spcBef>
+              <a:spcAft>
+                <a:spcPts val="0"/>
+              </a:spcAft>
+              <a:buClr>
+                <a:srgbClr val="000000"/>
+              </a:buClr>
+              <a:buSzPts val="1400"/>
+              <a:buFont typeface="Arial"/>
+              <a:buChar char="○"/>
+              <a:defRPr sz="1400" b="0" i="0" u="none" strike="noStrike" cap="none">
+                <a:solidFill>
+                  <a:srgbClr val="000000"/>
+                </a:solidFill>
+                <a:latin typeface="Arial"/>
+                <a:ea typeface="Arial"/>
+                <a:cs typeface="Arial"/>
+                <a:sym typeface="Arial"/>
+              </a:defRPr>
+            </a:lvl2pPr>
+            <a:lvl3pPr marL="1371600" marR="0" lvl="2" indent="-317500" algn="l" rtl="0">
+              <a:lnSpc>
+                <a:spcPct val="100000"/>
+              </a:lnSpc>
+              <a:spcBef>
+                <a:spcPts val="1600"/>
+              </a:spcBef>
+              <a:spcAft>
+                <a:spcPts val="0"/>
+              </a:spcAft>
+              <a:buClr>
+                <a:srgbClr val="000000"/>
+              </a:buClr>
+              <a:buSzPts val="1400"/>
+              <a:buFont typeface="Arial"/>
+              <a:buChar char="■"/>
+              <a:defRPr sz="1400" b="0" i="0" u="none" strike="noStrike" cap="none">
+                <a:solidFill>
+                  <a:srgbClr val="000000"/>
+                </a:solidFill>
+                <a:latin typeface="Arial"/>
+                <a:ea typeface="Arial"/>
+                <a:cs typeface="Arial"/>
+                <a:sym typeface="Arial"/>
+              </a:defRPr>
+            </a:lvl3pPr>
+            <a:lvl4pPr marL="1828800" marR="0" lvl="3" indent="-317500" algn="l" rtl="0">
+              <a:lnSpc>
+                <a:spcPct val="100000"/>
+              </a:lnSpc>
+              <a:spcBef>
+                <a:spcPts val="1600"/>
+              </a:spcBef>
+              <a:spcAft>
+                <a:spcPts val="0"/>
+              </a:spcAft>
+              <a:buClr>
+                <a:srgbClr val="000000"/>
+              </a:buClr>
+              <a:buSzPts val="1400"/>
+              <a:buFont typeface="Arial"/>
+              <a:buChar char="●"/>
+              <a:defRPr sz="1400" b="0" i="0" u="none" strike="noStrike" cap="none">
+                <a:solidFill>
+                  <a:srgbClr val="000000"/>
+                </a:solidFill>
+                <a:latin typeface="Arial"/>
+                <a:ea typeface="Arial"/>
+                <a:cs typeface="Arial"/>
+                <a:sym typeface="Arial"/>
+              </a:defRPr>
+            </a:lvl4pPr>
+            <a:lvl5pPr marL="2286000" marR="0" lvl="4" indent="-317500" algn="l" rtl="0">
+              <a:lnSpc>
+                <a:spcPct val="100000"/>
+              </a:lnSpc>
+              <a:spcBef>
+                <a:spcPts val="1600"/>
+              </a:spcBef>
+              <a:spcAft>
+                <a:spcPts val="0"/>
+              </a:spcAft>
+              <a:buClr>
+                <a:srgbClr val="000000"/>
+              </a:buClr>
+              <a:buSzPts val="1400"/>
+              <a:buFont typeface="Arial"/>
+              <a:buChar char="○"/>
+              <a:defRPr sz="1400" b="0" i="0" u="none" strike="noStrike" cap="none">
+                <a:solidFill>
+                  <a:srgbClr val="000000"/>
+                </a:solidFill>
+                <a:latin typeface="Arial"/>
+                <a:ea typeface="Arial"/>
+                <a:cs typeface="Arial"/>
+                <a:sym typeface="Arial"/>
+              </a:defRPr>
+            </a:lvl5pPr>
+            <a:lvl6pPr marL="2743200" marR="0" lvl="5" indent="-317500" algn="l" rtl="0">
+              <a:lnSpc>
+                <a:spcPct val="100000"/>
+              </a:lnSpc>
+              <a:spcBef>
+                <a:spcPts val="1600"/>
+              </a:spcBef>
+              <a:spcAft>
+                <a:spcPts val="0"/>
+              </a:spcAft>
+              <a:buClr>
+                <a:srgbClr val="000000"/>
+              </a:buClr>
+              <a:buSzPts val="1400"/>
+              <a:buFont typeface="Arial"/>
+              <a:buChar char="■"/>
+              <a:defRPr sz="1400" b="0" i="0" u="none" strike="noStrike" cap="none">
+                <a:solidFill>
+                  <a:srgbClr val="000000"/>
+                </a:solidFill>
+                <a:latin typeface="Arial"/>
+                <a:ea typeface="Arial"/>
+                <a:cs typeface="Arial"/>
+                <a:sym typeface="Arial"/>
+              </a:defRPr>
+            </a:lvl6pPr>
+            <a:lvl7pPr marL="3200400" marR="0" lvl="6" indent="-317500" algn="l" rtl="0">
+              <a:lnSpc>
+                <a:spcPct val="100000"/>
+              </a:lnSpc>
+              <a:spcBef>
+                <a:spcPts val="1600"/>
+              </a:spcBef>
+              <a:spcAft>
+                <a:spcPts val="0"/>
+              </a:spcAft>
+              <a:buClr>
+                <a:srgbClr val="000000"/>
+              </a:buClr>
+              <a:buSzPts val="1400"/>
+              <a:buFont typeface="Arial"/>
+              <a:buChar char="●"/>
+              <a:defRPr sz="1400" b="0" i="0" u="none" strike="noStrike" cap="none">
+                <a:solidFill>
+                  <a:srgbClr val="000000"/>
+                </a:solidFill>
+                <a:latin typeface="Arial"/>
+                <a:ea typeface="Arial"/>
+                <a:cs typeface="Arial"/>
+                <a:sym typeface="Arial"/>
+              </a:defRPr>
+            </a:lvl7pPr>
+            <a:lvl8pPr marL="3657600" marR="0" lvl="7" indent="-317500" algn="l" rtl="0">
+              <a:lnSpc>
+                <a:spcPct val="100000"/>
+              </a:lnSpc>
+              <a:spcBef>
+                <a:spcPts val="1600"/>
+              </a:spcBef>
+              <a:spcAft>
+                <a:spcPts val="0"/>
+              </a:spcAft>
+              <a:buClr>
+                <a:srgbClr val="000000"/>
+              </a:buClr>
+              <a:buSzPts val="1400"/>
+              <a:buFont typeface="Arial"/>
+              <a:buChar char="○"/>
+              <a:defRPr sz="1400" b="0" i="0" u="none" strike="noStrike" cap="none">
+                <a:solidFill>
+                  <a:srgbClr val="000000"/>
+                </a:solidFill>
+                <a:latin typeface="Arial"/>
+                <a:ea typeface="Arial"/>
+                <a:cs typeface="Arial"/>
+                <a:sym typeface="Arial"/>
+              </a:defRPr>
+            </a:lvl8pPr>
+            <a:lvl9pPr marL="4114800" marR="0" lvl="8" indent="-317500" algn="l" rtl="0">
+              <a:lnSpc>
+                <a:spcPct val="100000"/>
+              </a:lnSpc>
+              <a:spcBef>
+                <a:spcPts val="1600"/>
+              </a:spcBef>
+              <a:spcAft>
+                <a:spcPts val="1600"/>
+              </a:spcAft>
+              <a:buClr>
+                <a:srgbClr val="000000"/>
+              </a:buClr>
+              <a:buSzPts val="1400"/>
+              <a:buFont typeface="Arial"/>
+              <a:buChar char="■"/>
+              <a:defRPr sz="1400" b="0" i="0" u="none" strike="noStrike" cap="none">
+                <a:solidFill>
+                  <a:srgbClr val="000000"/>
+                </a:solidFill>
+                <a:latin typeface="Arial"/>
+                <a:ea typeface="Arial"/>
+                <a:cs typeface="Arial"/>
+                <a:sym typeface="Arial"/>
+              </a:defRPr>
+            </a:lvl9pPr>
+          </a:lstStyle>
+          <a:p>
+            <a:pPr marL="114300" indent="0">
+              <a:buFont typeface="Arial"/>
+              <a:buNone/>
+            </a:pPr>
+            <a:r>
+              <a:rPr lang="en-GB" sz="2000" dirty="0">
+                <a:solidFill>
+                  <a:srgbClr val="00B050"/>
+                </a:solidFill>
+              </a:rPr>
+              <a:t>0.9</a:t>
+            </a:r>
+          </a:p>
+        </p:txBody>
+      </p:sp>
+      <p:sp>
+        <p:nvSpPr>
+          <p:cNvPr id="33" name="Text Placeholder 1">
+            <a:extLst>
+              <a:ext uri="{FF2B5EF4-FFF2-40B4-BE49-F238E27FC236}">
+                <a16:creationId xmlns:a16="http://schemas.microsoft.com/office/drawing/2014/main" id="{3ECB0B98-3165-1655-6D13-BF84CF59CD02}"/>
+              </a:ext>
+            </a:extLst>
+          </p:cNvPr>
+          <p:cNvSpPr txBox="1">
+            <a:spLocks/>
+          </p:cNvSpPr>
+          <p:nvPr/>
+        </p:nvSpPr>
+        <p:spPr>
+          <a:xfrm>
+            <a:off x="10287867" y="2741988"/>
+            <a:ext cx="833003" cy="545916"/>
+          </a:xfrm>
+          <a:prstGeom prst="rect">
+            <a:avLst/>
+          </a:prstGeom>
+        </p:spPr>
+        <p:txBody>
+          <a:bodyPr spcFirstLastPara="1" wrap="square" lIns="91425" tIns="91425" rIns="91425" bIns="91425" anchor="t" anchorCtr="0"/>
+          <a:lstStyle>
+            <a:defPPr marR="0" lvl="0" algn="l" rtl="0">
+              <a:lnSpc>
+                <a:spcPct val="100000"/>
+              </a:lnSpc>
+              <a:spcBef>
+                <a:spcPts val="0"/>
+              </a:spcBef>
+              <a:spcAft>
+                <a:spcPts val="0"/>
+              </a:spcAft>
+            </a:defPPr>
+            <a:lvl1pPr marL="457200" marR="0" lvl="0" indent="-342900" algn="l" rtl="0">
+              <a:lnSpc>
+                <a:spcPct val="100000"/>
+              </a:lnSpc>
+              <a:spcBef>
+                <a:spcPts val="0"/>
+              </a:spcBef>
+              <a:spcAft>
+                <a:spcPts val="0"/>
+              </a:spcAft>
+              <a:buClr>
+                <a:srgbClr val="500064"/>
+              </a:buClr>
+              <a:buSzPts val="1800"/>
+              <a:buFont typeface="Arial"/>
+              <a:buChar char="●"/>
+              <a:defRPr sz="1800" b="0" i="0" u="none" strike="noStrike" cap="none">
+                <a:solidFill>
+                  <a:schemeClr val="tx1"/>
+                </a:solidFill>
+                <a:latin typeface="Aptos" panose="020B0004020202020204" pitchFamily="34" charset="0"/>
+                <a:ea typeface="Arial"/>
+                <a:cs typeface="Arial"/>
+                <a:sym typeface="Arial"/>
+              </a:defRPr>
+            </a:lvl1pPr>
+            <a:lvl2pPr marL="914400" marR="0" lvl="1" indent="-317500" algn="l" rtl="0">
+              <a:lnSpc>
+                <a:spcPct val="100000"/>
+              </a:lnSpc>
+              <a:spcBef>
+                <a:spcPts val="1600"/>
+              </a:spcBef>
+              <a:spcAft>
+                <a:spcPts val="0"/>
+              </a:spcAft>
+              <a:buClr>
+                <a:srgbClr val="000000"/>
+              </a:buClr>
+              <a:buSzPts val="1400"/>
+              <a:buFont typeface="Arial"/>
+              <a:buChar char="○"/>
+              <a:defRPr sz="1400" b="0" i="0" u="none" strike="noStrike" cap="none">
+                <a:solidFill>
+                  <a:srgbClr val="000000"/>
+                </a:solidFill>
+                <a:latin typeface="Arial"/>
+                <a:ea typeface="Arial"/>
+                <a:cs typeface="Arial"/>
+                <a:sym typeface="Arial"/>
+              </a:defRPr>
+            </a:lvl2pPr>
+            <a:lvl3pPr marL="1371600" marR="0" lvl="2" indent="-317500" algn="l" rtl="0">
+              <a:lnSpc>
+                <a:spcPct val="100000"/>
+              </a:lnSpc>
+              <a:spcBef>
+                <a:spcPts val="1600"/>
+              </a:spcBef>
+              <a:spcAft>
+                <a:spcPts val="0"/>
+              </a:spcAft>
+              <a:buClr>
+                <a:srgbClr val="000000"/>
+              </a:buClr>
+              <a:buSzPts val="1400"/>
+              <a:buFont typeface="Arial"/>
+              <a:buChar char="■"/>
+              <a:defRPr sz="1400" b="0" i="0" u="none" strike="noStrike" cap="none">
+                <a:solidFill>
+                  <a:srgbClr val="000000"/>
+                </a:solidFill>
+                <a:latin typeface="Arial"/>
+                <a:ea typeface="Arial"/>
+                <a:cs typeface="Arial"/>
+                <a:sym typeface="Arial"/>
+              </a:defRPr>
+            </a:lvl3pPr>
+            <a:lvl4pPr marL="1828800" marR="0" lvl="3" indent="-317500" algn="l" rtl="0">
+              <a:lnSpc>
+                <a:spcPct val="100000"/>
+              </a:lnSpc>
+              <a:spcBef>
+                <a:spcPts val="1600"/>
+              </a:spcBef>
+              <a:spcAft>
+                <a:spcPts val="0"/>
+              </a:spcAft>
+              <a:buClr>
+                <a:srgbClr val="000000"/>
+              </a:buClr>
+              <a:buSzPts val="1400"/>
+              <a:buFont typeface="Arial"/>
+              <a:buChar char="●"/>
+              <a:defRPr sz="1400" b="0" i="0" u="none" strike="noStrike" cap="none">
+                <a:solidFill>
+                  <a:srgbClr val="000000"/>
+                </a:solidFill>
+                <a:latin typeface="Arial"/>
+                <a:ea typeface="Arial"/>
+                <a:cs typeface="Arial"/>
+                <a:sym typeface="Arial"/>
+              </a:defRPr>
+            </a:lvl4pPr>
+            <a:lvl5pPr marL="2286000" marR="0" lvl="4" indent="-317500" algn="l" rtl="0">
+              <a:lnSpc>
+                <a:spcPct val="100000"/>
+              </a:lnSpc>
+              <a:spcBef>
+                <a:spcPts val="1600"/>
+              </a:spcBef>
+              <a:spcAft>
+                <a:spcPts val="0"/>
+              </a:spcAft>
+              <a:buClr>
+                <a:srgbClr val="000000"/>
+              </a:buClr>
+              <a:buSzPts val="1400"/>
+              <a:buFont typeface="Arial"/>
+              <a:buChar char="○"/>
+              <a:defRPr sz="1400" b="0" i="0" u="none" strike="noStrike" cap="none">
+                <a:solidFill>
+                  <a:srgbClr val="000000"/>
+                </a:solidFill>
+                <a:latin typeface="Arial"/>
+                <a:ea typeface="Arial"/>
+                <a:cs typeface="Arial"/>
+                <a:sym typeface="Arial"/>
+              </a:defRPr>
+            </a:lvl5pPr>
+            <a:lvl6pPr marL="2743200" marR="0" lvl="5" indent="-317500" algn="l" rtl="0">
+              <a:lnSpc>
+                <a:spcPct val="100000"/>
+              </a:lnSpc>
+              <a:spcBef>
+                <a:spcPts val="1600"/>
+              </a:spcBef>
+              <a:spcAft>
+                <a:spcPts val="0"/>
+              </a:spcAft>
+              <a:buClr>
+                <a:srgbClr val="000000"/>
+              </a:buClr>
+              <a:buSzPts val="1400"/>
+              <a:buFont typeface="Arial"/>
+              <a:buChar char="■"/>
+              <a:defRPr sz="1400" b="0" i="0" u="none" strike="noStrike" cap="none">
+                <a:solidFill>
+                  <a:srgbClr val="000000"/>
+                </a:solidFill>
+                <a:latin typeface="Arial"/>
+                <a:ea typeface="Arial"/>
+                <a:cs typeface="Arial"/>
+                <a:sym typeface="Arial"/>
+              </a:defRPr>
+            </a:lvl6pPr>
+            <a:lvl7pPr marL="3200400" marR="0" lvl="6" indent="-317500" algn="l" rtl="0">
+              <a:lnSpc>
+                <a:spcPct val="100000"/>
+              </a:lnSpc>
+              <a:spcBef>
+                <a:spcPts val="1600"/>
+              </a:spcBef>
+              <a:spcAft>
+                <a:spcPts val="0"/>
+              </a:spcAft>
+              <a:buClr>
+                <a:srgbClr val="000000"/>
+              </a:buClr>
+              <a:buSzPts val="1400"/>
+              <a:buFont typeface="Arial"/>
+              <a:buChar char="●"/>
+              <a:defRPr sz="1400" b="0" i="0" u="none" strike="noStrike" cap="none">
+                <a:solidFill>
+                  <a:srgbClr val="000000"/>
+                </a:solidFill>
+                <a:latin typeface="Arial"/>
+                <a:ea typeface="Arial"/>
+                <a:cs typeface="Arial"/>
+                <a:sym typeface="Arial"/>
+              </a:defRPr>
+            </a:lvl7pPr>
+            <a:lvl8pPr marL="3657600" marR="0" lvl="7" indent="-317500" algn="l" rtl="0">
+              <a:lnSpc>
+                <a:spcPct val="100000"/>
+              </a:lnSpc>
+              <a:spcBef>
+                <a:spcPts val="1600"/>
+              </a:spcBef>
+              <a:spcAft>
+                <a:spcPts val="0"/>
+              </a:spcAft>
+              <a:buClr>
+                <a:srgbClr val="000000"/>
+              </a:buClr>
+              <a:buSzPts val="1400"/>
+              <a:buFont typeface="Arial"/>
+              <a:buChar char="○"/>
+              <a:defRPr sz="1400" b="0" i="0" u="none" strike="noStrike" cap="none">
+                <a:solidFill>
+                  <a:srgbClr val="000000"/>
+                </a:solidFill>
+                <a:latin typeface="Arial"/>
+                <a:ea typeface="Arial"/>
+                <a:cs typeface="Arial"/>
+                <a:sym typeface="Arial"/>
+              </a:defRPr>
+            </a:lvl8pPr>
+            <a:lvl9pPr marL="4114800" marR="0" lvl="8" indent="-317500" algn="l" rtl="0">
+              <a:lnSpc>
+                <a:spcPct val="100000"/>
+              </a:lnSpc>
+              <a:spcBef>
+                <a:spcPts val="1600"/>
+              </a:spcBef>
+              <a:spcAft>
+                <a:spcPts val="1600"/>
+              </a:spcAft>
+              <a:buClr>
+                <a:srgbClr val="000000"/>
+              </a:buClr>
+              <a:buSzPts val="1400"/>
+              <a:buFont typeface="Arial"/>
+              <a:buChar char="■"/>
+              <a:defRPr sz="1400" b="0" i="0" u="none" strike="noStrike" cap="none">
+                <a:solidFill>
+                  <a:srgbClr val="000000"/>
+                </a:solidFill>
+                <a:latin typeface="Arial"/>
+                <a:ea typeface="Arial"/>
+                <a:cs typeface="Arial"/>
+                <a:sym typeface="Arial"/>
+              </a:defRPr>
+            </a:lvl9pPr>
+          </a:lstStyle>
+          <a:p>
+            <a:pPr marL="114300" indent="0">
+              <a:buFont typeface="Arial"/>
+              <a:buNone/>
+            </a:pPr>
+            <a:r>
+              <a:rPr lang="en-GB" sz="2000" dirty="0">
+                <a:solidFill>
+                  <a:srgbClr val="FF0000"/>
+                </a:solidFill>
+              </a:rPr>
+              <a:t>0.6</a:t>
+            </a:r>
+          </a:p>
+        </p:txBody>
+      </p:sp>
+      <p:sp>
+        <p:nvSpPr>
+          <p:cNvPr id="34" name="Text Placeholder 1">
+            <a:extLst>
+              <a:ext uri="{FF2B5EF4-FFF2-40B4-BE49-F238E27FC236}">
+                <a16:creationId xmlns:a16="http://schemas.microsoft.com/office/drawing/2014/main" id="{21BDDFA2-0951-3867-D144-31B64980614D}"/>
+              </a:ext>
+            </a:extLst>
+          </p:cNvPr>
+          <p:cNvSpPr txBox="1">
+            <a:spLocks/>
+          </p:cNvSpPr>
+          <p:nvPr/>
+        </p:nvSpPr>
+        <p:spPr>
+          <a:xfrm>
+            <a:off x="9730222" y="4881555"/>
+            <a:ext cx="833003" cy="545916"/>
+          </a:xfrm>
+          <a:prstGeom prst="rect">
+            <a:avLst/>
+          </a:prstGeom>
+        </p:spPr>
+        <p:txBody>
+          <a:bodyPr spcFirstLastPara="1" wrap="square" lIns="91425" tIns="91425" rIns="91425" bIns="91425" anchor="t" anchorCtr="0"/>
+          <a:lstStyle>
+            <a:defPPr marR="0" lvl="0" algn="l" rtl="0">
+              <a:lnSpc>
+                <a:spcPct val="100000"/>
+              </a:lnSpc>
+              <a:spcBef>
+                <a:spcPts val="0"/>
+              </a:spcBef>
+              <a:spcAft>
+                <a:spcPts val="0"/>
+              </a:spcAft>
+            </a:defPPr>
+            <a:lvl1pPr marL="457200" marR="0" lvl="0" indent="-342900" algn="l" rtl="0">
+              <a:lnSpc>
+                <a:spcPct val="100000"/>
+              </a:lnSpc>
+              <a:spcBef>
+                <a:spcPts val="0"/>
+              </a:spcBef>
+              <a:spcAft>
+                <a:spcPts val="0"/>
+              </a:spcAft>
+              <a:buClr>
+                <a:srgbClr val="500064"/>
+              </a:buClr>
+              <a:buSzPts val="1800"/>
+              <a:buFont typeface="Arial"/>
+              <a:buChar char="●"/>
+              <a:defRPr sz="1800" b="0" i="0" u="none" strike="noStrike" cap="none">
+                <a:solidFill>
+                  <a:schemeClr val="tx1"/>
+                </a:solidFill>
+                <a:latin typeface="Aptos" panose="020B0004020202020204" pitchFamily="34" charset="0"/>
+                <a:ea typeface="Arial"/>
+                <a:cs typeface="Arial"/>
+                <a:sym typeface="Arial"/>
+              </a:defRPr>
+            </a:lvl1pPr>
+            <a:lvl2pPr marL="914400" marR="0" lvl="1" indent="-317500" algn="l" rtl="0">
+              <a:lnSpc>
+                <a:spcPct val="100000"/>
+              </a:lnSpc>
+              <a:spcBef>
+                <a:spcPts val="1600"/>
+              </a:spcBef>
+              <a:spcAft>
+                <a:spcPts val="0"/>
+              </a:spcAft>
+              <a:buClr>
+                <a:srgbClr val="000000"/>
+              </a:buClr>
+              <a:buSzPts val="1400"/>
+              <a:buFont typeface="Arial"/>
+              <a:buChar char="○"/>
+              <a:defRPr sz="1400" b="0" i="0" u="none" strike="noStrike" cap="none">
+                <a:solidFill>
+                  <a:srgbClr val="000000"/>
+                </a:solidFill>
+                <a:latin typeface="Arial"/>
+                <a:ea typeface="Arial"/>
+                <a:cs typeface="Arial"/>
+                <a:sym typeface="Arial"/>
+              </a:defRPr>
+            </a:lvl2pPr>
+            <a:lvl3pPr marL="1371600" marR="0" lvl="2" indent="-317500" algn="l" rtl="0">
+              <a:lnSpc>
+                <a:spcPct val="100000"/>
+              </a:lnSpc>
+              <a:spcBef>
+                <a:spcPts val="1600"/>
+              </a:spcBef>
+              <a:spcAft>
+                <a:spcPts val="0"/>
+              </a:spcAft>
+              <a:buClr>
+                <a:srgbClr val="000000"/>
+              </a:buClr>
+              <a:buSzPts val="1400"/>
+              <a:buFont typeface="Arial"/>
+              <a:buChar char="■"/>
+              <a:defRPr sz="1400" b="0" i="0" u="none" strike="noStrike" cap="none">
+                <a:solidFill>
+                  <a:srgbClr val="000000"/>
+                </a:solidFill>
+                <a:latin typeface="Arial"/>
+                <a:ea typeface="Arial"/>
+                <a:cs typeface="Arial"/>
+                <a:sym typeface="Arial"/>
+              </a:defRPr>
+            </a:lvl3pPr>
+            <a:lvl4pPr marL="1828800" marR="0" lvl="3" indent="-317500" algn="l" rtl="0">
+              <a:lnSpc>
+                <a:spcPct val="100000"/>
+              </a:lnSpc>
+              <a:spcBef>
+                <a:spcPts val="1600"/>
+              </a:spcBef>
+              <a:spcAft>
+                <a:spcPts val="0"/>
+              </a:spcAft>
+              <a:buClr>
+                <a:srgbClr val="000000"/>
+              </a:buClr>
+              <a:buSzPts val="1400"/>
+              <a:buFont typeface="Arial"/>
+              <a:buChar char="●"/>
+              <a:defRPr sz="1400" b="0" i="0" u="none" strike="noStrike" cap="none">
+                <a:solidFill>
+                  <a:srgbClr val="000000"/>
+                </a:solidFill>
+                <a:latin typeface="Arial"/>
+                <a:ea typeface="Arial"/>
+                <a:cs typeface="Arial"/>
+                <a:sym typeface="Arial"/>
+              </a:defRPr>
+            </a:lvl4pPr>
+            <a:lvl5pPr marL="2286000" marR="0" lvl="4" indent="-317500" algn="l" rtl="0">
+              <a:lnSpc>
+                <a:spcPct val="100000"/>
+              </a:lnSpc>
+              <a:spcBef>
+                <a:spcPts val="1600"/>
+              </a:spcBef>
+              <a:spcAft>
+                <a:spcPts val="0"/>
+              </a:spcAft>
+              <a:buClr>
+                <a:srgbClr val="000000"/>
+              </a:buClr>
+              <a:buSzPts val="1400"/>
+              <a:buFont typeface="Arial"/>
+              <a:buChar char="○"/>
+              <a:defRPr sz="1400" b="0" i="0" u="none" strike="noStrike" cap="none">
+                <a:solidFill>
+                  <a:srgbClr val="000000"/>
+                </a:solidFill>
+                <a:latin typeface="Arial"/>
+                <a:ea typeface="Arial"/>
+                <a:cs typeface="Arial"/>
+                <a:sym typeface="Arial"/>
+              </a:defRPr>
+            </a:lvl5pPr>
+            <a:lvl6pPr marL="2743200" marR="0" lvl="5" indent="-317500" algn="l" rtl="0">
+              <a:lnSpc>
+                <a:spcPct val="100000"/>
+              </a:lnSpc>
+              <a:spcBef>
+                <a:spcPts val="1600"/>
+              </a:spcBef>
+              <a:spcAft>
+                <a:spcPts val="0"/>
+              </a:spcAft>
+              <a:buClr>
+                <a:srgbClr val="000000"/>
+              </a:buClr>
+              <a:buSzPts val="1400"/>
+              <a:buFont typeface="Arial"/>
+              <a:buChar char="■"/>
+              <a:defRPr sz="1400" b="0" i="0" u="none" strike="noStrike" cap="none">
+                <a:solidFill>
+                  <a:srgbClr val="000000"/>
+                </a:solidFill>
+                <a:latin typeface="Arial"/>
+                <a:ea typeface="Arial"/>
+                <a:cs typeface="Arial"/>
+                <a:sym typeface="Arial"/>
+              </a:defRPr>
+            </a:lvl6pPr>
+            <a:lvl7pPr marL="3200400" marR="0" lvl="6" indent="-317500" algn="l" rtl="0">
+              <a:lnSpc>
+                <a:spcPct val="100000"/>
+              </a:lnSpc>
+              <a:spcBef>
+                <a:spcPts val="1600"/>
+              </a:spcBef>
+              <a:spcAft>
+                <a:spcPts val="0"/>
+              </a:spcAft>
+              <a:buClr>
+                <a:srgbClr val="000000"/>
+              </a:buClr>
+              <a:buSzPts val="1400"/>
+              <a:buFont typeface="Arial"/>
+              <a:buChar char="●"/>
+              <a:defRPr sz="1400" b="0" i="0" u="none" strike="noStrike" cap="none">
+                <a:solidFill>
+                  <a:srgbClr val="000000"/>
+                </a:solidFill>
+                <a:latin typeface="Arial"/>
+                <a:ea typeface="Arial"/>
+                <a:cs typeface="Arial"/>
+                <a:sym typeface="Arial"/>
+              </a:defRPr>
+            </a:lvl7pPr>
+            <a:lvl8pPr marL="3657600" marR="0" lvl="7" indent="-317500" algn="l" rtl="0">
+              <a:lnSpc>
+                <a:spcPct val="100000"/>
+              </a:lnSpc>
+              <a:spcBef>
+                <a:spcPts val="1600"/>
+              </a:spcBef>
+              <a:spcAft>
+                <a:spcPts val="0"/>
+              </a:spcAft>
+              <a:buClr>
+                <a:srgbClr val="000000"/>
+              </a:buClr>
+              <a:buSzPts val="1400"/>
+              <a:buFont typeface="Arial"/>
+              <a:buChar char="○"/>
+              <a:defRPr sz="1400" b="0" i="0" u="none" strike="noStrike" cap="none">
+                <a:solidFill>
+                  <a:srgbClr val="000000"/>
+                </a:solidFill>
+                <a:latin typeface="Arial"/>
+                <a:ea typeface="Arial"/>
+                <a:cs typeface="Arial"/>
+                <a:sym typeface="Arial"/>
+              </a:defRPr>
+            </a:lvl8pPr>
+            <a:lvl9pPr marL="4114800" marR="0" lvl="8" indent="-317500" algn="l" rtl="0">
+              <a:lnSpc>
+                <a:spcPct val="100000"/>
+              </a:lnSpc>
+              <a:spcBef>
+                <a:spcPts val="1600"/>
+              </a:spcBef>
+              <a:spcAft>
+                <a:spcPts val="1600"/>
+              </a:spcAft>
+              <a:buClr>
+                <a:srgbClr val="000000"/>
+              </a:buClr>
+              <a:buSzPts val="1400"/>
+              <a:buFont typeface="Arial"/>
+              <a:buChar char="■"/>
+              <a:defRPr sz="1400" b="0" i="0" u="none" strike="noStrike" cap="none">
+                <a:solidFill>
+                  <a:srgbClr val="000000"/>
+                </a:solidFill>
+                <a:latin typeface="Arial"/>
+                <a:ea typeface="Arial"/>
+                <a:cs typeface="Arial"/>
+                <a:sym typeface="Arial"/>
+              </a:defRPr>
+            </a:lvl9pPr>
+          </a:lstStyle>
+          <a:p>
+            <a:pPr marL="114300" indent="0">
+              <a:buFont typeface="Arial"/>
+              <a:buNone/>
+            </a:pPr>
+            <a:r>
+              <a:rPr lang="en-GB" sz="2000" dirty="0">
+                <a:solidFill>
+                  <a:srgbClr val="00B050"/>
+                </a:solidFill>
+              </a:rPr>
+              <a:t>0.8</a:t>
+            </a:r>
+          </a:p>
+        </p:txBody>
+      </p:sp>
+      <p:sp>
+        <p:nvSpPr>
+          <p:cNvPr id="35" name="Text Placeholder 1">
+            <a:extLst>
+              <a:ext uri="{FF2B5EF4-FFF2-40B4-BE49-F238E27FC236}">
+                <a16:creationId xmlns:a16="http://schemas.microsoft.com/office/drawing/2014/main" id="{3A12EAFD-57A3-CF3C-F87E-0FE9A5CF920C}"/>
+              </a:ext>
+            </a:extLst>
+          </p:cNvPr>
+          <p:cNvSpPr txBox="1">
+            <a:spLocks/>
+          </p:cNvSpPr>
+          <p:nvPr/>
+        </p:nvSpPr>
+        <p:spPr>
+          <a:xfrm>
+            <a:off x="8945708" y="4875902"/>
+            <a:ext cx="833003" cy="545916"/>
+          </a:xfrm>
+          <a:prstGeom prst="rect">
+            <a:avLst/>
+          </a:prstGeom>
+        </p:spPr>
+        <p:txBody>
+          <a:bodyPr spcFirstLastPara="1" wrap="square" lIns="91425" tIns="91425" rIns="91425" bIns="91425" anchor="t" anchorCtr="0"/>
+          <a:lstStyle>
+            <a:defPPr marR="0" lvl="0" algn="l" rtl="0">
+              <a:lnSpc>
+                <a:spcPct val="100000"/>
+              </a:lnSpc>
+              <a:spcBef>
+                <a:spcPts val="0"/>
+              </a:spcBef>
+              <a:spcAft>
+                <a:spcPts val="0"/>
+              </a:spcAft>
+            </a:defPPr>
+            <a:lvl1pPr marL="457200" marR="0" lvl="0" indent="-342900" algn="l" rtl="0">
+              <a:lnSpc>
+                <a:spcPct val="100000"/>
+              </a:lnSpc>
+              <a:spcBef>
+                <a:spcPts val="0"/>
+              </a:spcBef>
+              <a:spcAft>
+                <a:spcPts val="0"/>
+              </a:spcAft>
+              <a:buClr>
+                <a:srgbClr val="500064"/>
+              </a:buClr>
+              <a:buSzPts val="1800"/>
+              <a:buFont typeface="Arial"/>
+              <a:buChar char="●"/>
+              <a:defRPr sz="1800" b="0" i="0" u="none" strike="noStrike" cap="none">
+                <a:solidFill>
+                  <a:schemeClr val="tx1"/>
+                </a:solidFill>
+                <a:latin typeface="Aptos" panose="020B0004020202020204" pitchFamily="34" charset="0"/>
+                <a:ea typeface="Arial"/>
+                <a:cs typeface="Arial"/>
+                <a:sym typeface="Arial"/>
+              </a:defRPr>
+            </a:lvl1pPr>
+            <a:lvl2pPr marL="914400" marR="0" lvl="1" indent="-317500" algn="l" rtl="0">
+              <a:lnSpc>
+                <a:spcPct val="100000"/>
+              </a:lnSpc>
+              <a:spcBef>
+                <a:spcPts val="1600"/>
+              </a:spcBef>
+              <a:spcAft>
+                <a:spcPts val="0"/>
+              </a:spcAft>
+              <a:buClr>
+                <a:srgbClr val="000000"/>
+              </a:buClr>
+              <a:buSzPts val="1400"/>
+              <a:buFont typeface="Arial"/>
+              <a:buChar char="○"/>
+              <a:defRPr sz="1400" b="0" i="0" u="none" strike="noStrike" cap="none">
+                <a:solidFill>
+                  <a:srgbClr val="000000"/>
+                </a:solidFill>
+                <a:latin typeface="Arial"/>
+                <a:ea typeface="Arial"/>
+                <a:cs typeface="Arial"/>
+                <a:sym typeface="Arial"/>
+              </a:defRPr>
+            </a:lvl2pPr>
+            <a:lvl3pPr marL="1371600" marR="0" lvl="2" indent="-317500" algn="l" rtl="0">
+              <a:lnSpc>
+                <a:spcPct val="100000"/>
+              </a:lnSpc>
+              <a:spcBef>
+                <a:spcPts val="1600"/>
+              </a:spcBef>
+              <a:spcAft>
+                <a:spcPts val="0"/>
+              </a:spcAft>
+              <a:buClr>
+                <a:srgbClr val="000000"/>
+              </a:buClr>
+              <a:buSzPts val="1400"/>
+              <a:buFont typeface="Arial"/>
+              <a:buChar char="■"/>
+              <a:defRPr sz="1400" b="0" i="0" u="none" strike="noStrike" cap="none">
+                <a:solidFill>
+                  <a:srgbClr val="000000"/>
+                </a:solidFill>
+                <a:latin typeface="Arial"/>
+                <a:ea typeface="Arial"/>
+                <a:cs typeface="Arial"/>
+                <a:sym typeface="Arial"/>
+              </a:defRPr>
+            </a:lvl3pPr>
+            <a:lvl4pPr marL="1828800" marR="0" lvl="3" indent="-317500" algn="l" rtl="0">
+              <a:lnSpc>
+                <a:spcPct val="100000"/>
+              </a:lnSpc>
+              <a:spcBef>
+                <a:spcPts val="1600"/>
+              </a:spcBef>
+              <a:spcAft>
+                <a:spcPts val="0"/>
+              </a:spcAft>
+              <a:buClr>
+                <a:srgbClr val="000000"/>
+              </a:buClr>
+              <a:buSzPts val="1400"/>
+              <a:buFont typeface="Arial"/>
+              <a:buChar char="●"/>
+              <a:defRPr sz="1400" b="0" i="0" u="none" strike="noStrike" cap="none">
+                <a:solidFill>
+                  <a:srgbClr val="000000"/>
+                </a:solidFill>
+                <a:latin typeface="Arial"/>
+                <a:ea typeface="Arial"/>
+                <a:cs typeface="Arial"/>
+                <a:sym typeface="Arial"/>
+              </a:defRPr>
+            </a:lvl4pPr>
+            <a:lvl5pPr marL="2286000" marR="0" lvl="4" indent="-317500" algn="l" rtl="0">
+              <a:lnSpc>
+                <a:spcPct val="100000"/>
+              </a:lnSpc>
+              <a:spcBef>
+                <a:spcPts val="1600"/>
+              </a:spcBef>
+              <a:spcAft>
+                <a:spcPts val="0"/>
+              </a:spcAft>
+              <a:buClr>
+                <a:srgbClr val="000000"/>
+              </a:buClr>
+              <a:buSzPts val="1400"/>
+              <a:buFont typeface="Arial"/>
+              <a:buChar char="○"/>
+              <a:defRPr sz="1400" b="0" i="0" u="none" strike="noStrike" cap="none">
+                <a:solidFill>
+                  <a:srgbClr val="000000"/>
+                </a:solidFill>
+                <a:latin typeface="Arial"/>
+                <a:ea typeface="Arial"/>
+                <a:cs typeface="Arial"/>
+                <a:sym typeface="Arial"/>
+              </a:defRPr>
+            </a:lvl5pPr>
+            <a:lvl6pPr marL="2743200" marR="0" lvl="5" indent="-317500" algn="l" rtl="0">
+              <a:lnSpc>
+                <a:spcPct val="100000"/>
+              </a:lnSpc>
+              <a:spcBef>
+                <a:spcPts val="1600"/>
+              </a:spcBef>
+              <a:spcAft>
+                <a:spcPts val="0"/>
+              </a:spcAft>
+              <a:buClr>
+                <a:srgbClr val="000000"/>
+              </a:buClr>
+              <a:buSzPts val="1400"/>
+              <a:buFont typeface="Arial"/>
+              <a:buChar char="■"/>
+              <a:defRPr sz="1400" b="0" i="0" u="none" strike="noStrike" cap="none">
+                <a:solidFill>
+                  <a:srgbClr val="000000"/>
+                </a:solidFill>
+                <a:latin typeface="Arial"/>
+                <a:ea typeface="Arial"/>
+                <a:cs typeface="Arial"/>
+                <a:sym typeface="Arial"/>
+              </a:defRPr>
+            </a:lvl6pPr>
+            <a:lvl7pPr marL="3200400" marR="0" lvl="6" indent="-317500" algn="l" rtl="0">
+              <a:lnSpc>
+                <a:spcPct val="100000"/>
+              </a:lnSpc>
+              <a:spcBef>
+                <a:spcPts val="1600"/>
+              </a:spcBef>
+              <a:spcAft>
+                <a:spcPts val="0"/>
+              </a:spcAft>
+              <a:buClr>
+                <a:srgbClr val="000000"/>
+              </a:buClr>
+              <a:buSzPts val="1400"/>
+              <a:buFont typeface="Arial"/>
+              <a:buChar char="●"/>
+              <a:defRPr sz="1400" b="0" i="0" u="none" strike="noStrike" cap="none">
+                <a:solidFill>
+                  <a:srgbClr val="000000"/>
+                </a:solidFill>
+                <a:latin typeface="Arial"/>
+                <a:ea typeface="Arial"/>
+                <a:cs typeface="Arial"/>
+                <a:sym typeface="Arial"/>
+              </a:defRPr>
+            </a:lvl7pPr>
+            <a:lvl8pPr marL="3657600" marR="0" lvl="7" indent="-317500" algn="l" rtl="0">
+              <a:lnSpc>
+                <a:spcPct val="100000"/>
+              </a:lnSpc>
+              <a:spcBef>
+                <a:spcPts val="1600"/>
+              </a:spcBef>
+              <a:spcAft>
+                <a:spcPts val="0"/>
+              </a:spcAft>
+              <a:buClr>
+                <a:srgbClr val="000000"/>
+              </a:buClr>
+              <a:buSzPts val="1400"/>
+              <a:buFont typeface="Arial"/>
+              <a:buChar char="○"/>
+              <a:defRPr sz="1400" b="0" i="0" u="none" strike="noStrike" cap="none">
+                <a:solidFill>
+                  <a:srgbClr val="000000"/>
+                </a:solidFill>
+                <a:latin typeface="Arial"/>
+                <a:ea typeface="Arial"/>
+                <a:cs typeface="Arial"/>
+                <a:sym typeface="Arial"/>
+              </a:defRPr>
+            </a:lvl8pPr>
+            <a:lvl9pPr marL="4114800" marR="0" lvl="8" indent="-317500" algn="l" rtl="0">
+              <a:lnSpc>
+                <a:spcPct val="100000"/>
+              </a:lnSpc>
+              <a:spcBef>
+                <a:spcPts val="1600"/>
+              </a:spcBef>
+              <a:spcAft>
+                <a:spcPts val="1600"/>
+              </a:spcAft>
+              <a:buClr>
+                <a:srgbClr val="000000"/>
+              </a:buClr>
+              <a:buSzPts val="1400"/>
+              <a:buFont typeface="Arial"/>
+              <a:buChar char="■"/>
+              <a:defRPr sz="1400" b="0" i="0" u="none" strike="noStrike" cap="none">
+                <a:solidFill>
+                  <a:srgbClr val="000000"/>
+                </a:solidFill>
+                <a:latin typeface="Arial"/>
+                <a:ea typeface="Arial"/>
+                <a:cs typeface="Arial"/>
+                <a:sym typeface="Arial"/>
+              </a:defRPr>
+            </a:lvl9pPr>
+          </a:lstStyle>
+          <a:p>
+            <a:pPr marL="114300" indent="0">
+              <a:buFont typeface="Arial"/>
+              <a:buNone/>
+            </a:pPr>
+            <a:r>
+              <a:rPr lang="en-GB" sz="2000" dirty="0">
+                <a:solidFill>
+                  <a:srgbClr val="FF0000"/>
+                </a:solidFill>
+              </a:rPr>
+              <a:t>0.6</a:t>
+            </a:r>
+          </a:p>
+        </p:txBody>
+      </p:sp>
     </p:spTree>
     <p:extLst>
       <p:ext uri="{BB962C8B-B14F-4D97-AF65-F5344CB8AC3E}">
@@ -27118,6 +29713,18 @@
             </a:r>
           </a:p>
           <a:p>
+            <a:pPr marL="114300" indent="0">
+              <a:buNone/>
+            </a:pPr>
+            <a:endParaRPr lang="en-GB" sz="2000" dirty="0"/>
+          </a:p>
+          <a:p>
+            <a:r>
+              <a:rPr lang="en-GB" sz="2000" dirty="0"/>
+              <a:t>Pipeline classifier from extracted intervals</a:t>
+            </a:r>
+          </a:p>
+          <a:p>
             <a:endParaRPr lang="en-GB" sz="2000" dirty="0"/>
           </a:p>
           <a:p>
@@ -27125,10 +29732,33 @@
           </a:p>
           <a:p>
             <a:r>
-              <a:rPr lang="en-GB" sz="2000" dirty="0" err="1"/>
-              <a:t>todo</a:t>
+              <a:rPr lang="en-GB" sz="2000" dirty="0"/>
+              <a:t>Extracts fixed dyadic intervals</a:t>
             </a:r>
+          </a:p>
+          <a:p>
             <a:endParaRPr lang="en-GB" sz="2000" dirty="0"/>
+          </a:p>
+          <a:p>
+            <a:endParaRPr lang="en-GB" sz="2000" dirty="0"/>
+          </a:p>
+          <a:p>
+            <a:r>
+              <a:rPr lang="en-GB" sz="2000" dirty="0"/>
+              <a:t>Uses the quantiles of intervals as features</a:t>
+            </a:r>
+          </a:p>
+          <a:p>
+            <a:endParaRPr lang="en-GB" sz="2000" dirty="0"/>
+          </a:p>
+          <a:p>
+            <a:endParaRPr lang="en-GB" sz="2000" dirty="0"/>
+          </a:p>
+          <a:p>
+            <a:r>
+              <a:rPr lang="en-GB" sz="2000" dirty="0"/>
+              <a:t>Extracts from multiple series representations like previous approaches.</a:t>
+            </a:r>
           </a:p>
         </p:txBody>
       </p:sp>
@@ -27452,6 +30082,36 @@
           </a:p>
         </p:txBody>
       </p:sp>
+      <p:pic>
+        <p:nvPicPr>
+          <p:cNvPr id="4" name="Picture 3" descr="A graph of different types of lines&#10;&#10;Description automatically generated with medium confidence">
+            <a:extLst>
+              <a:ext uri="{FF2B5EF4-FFF2-40B4-BE49-F238E27FC236}">
+                <a16:creationId xmlns:a16="http://schemas.microsoft.com/office/drawing/2014/main" id="{CE34E4B3-EA33-2F75-572A-56DD958F7B36}"/>
+              </a:ext>
+            </a:extLst>
+          </p:cNvPr>
+          <p:cNvPicPr>
+            <a:picLocks noChangeAspect="1"/>
+          </p:cNvPicPr>
+          <p:nvPr/>
+        </p:nvPicPr>
+        <p:blipFill>
+          <a:blip r:embed="rId2"/>
+          <a:stretch>
+            <a:fillRect/>
+          </a:stretch>
+        </p:blipFill>
+        <p:spPr>
+          <a:xfrm>
+            <a:off x="6774873" y="1359815"/>
+            <a:ext cx="4520711" cy="4314848"/>
+          </a:xfrm>
+          <a:prstGeom prst="rect">
+            <a:avLst/>
+          </a:prstGeom>
+        </p:spPr>
+      </p:pic>
     </p:spTree>
     <p:extLst>
       <p:ext uri="{BB962C8B-B14F-4D97-AF65-F5344CB8AC3E}">
@@ -27487,6 +30147,443 @@
           <p:cNvPr id="2" name="Text Placeholder 1">
             <a:extLst>
               <a:ext uri="{FF2B5EF4-FFF2-40B4-BE49-F238E27FC236}">
+                <a16:creationId xmlns:a16="http://schemas.microsoft.com/office/drawing/2014/main" id="{C9BA3AFA-6366-CD5C-7D19-A952A685FE70}"/>
+              </a:ext>
+            </a:extLst>
+          </p:cNvPr>
+          <p:cNvSpPr>
+            <a:spLocks noGrp="1"/>
+          </p:cNvSpPr>
+          <p:nvPr>
+            <p:ph type="body" idx="1"/>
+          </p:nvPr>
+        </p:nvSpPr>
+        <p:spPr>
+          <a:xfrm>
+            <a:off x="6711032" y="1953549"/>
+            <a:ext cx="4313723" cy="1662487"/>
+          </a:xfrm>
+        </p:spPr>
+        <p:txBody>
+          <a:bodyPr/>
+          <a:lstStyle/>
+          <a:p>
+            <a:pPr marL="114300" indent="0">
+              <a:buNone/>
+            </a:pPr>
+            <a:r>
+              <a:rPr lang="en-GB" dirty="0"/>
+              <a:t>Intervals are shifted by half their length for greater coverage of the series</a:t>
+            </a:r>
+          </a:p>
+        </p:txBody>
+      </p:sp>
+      <p:sp>
+        <p:nvSpPr>
+          <p:cNvPr id="3" name="Title 2">
+            <a:extLst>
+              <a:ext uri="{FF2B5EF4-FFF2-40B4-BE49-F238E27FC236}">
+                <a16:creationId xmlns:a16="http://schemas.microsoft.com/office/drawing/2014/main" id="{7421F8CF-3B53-F04E-08A3-4E8F9EB276D5}"/>
+              </a:ext>
+            </a:extLst>
+          </p:cNvPr>
+          <p:cNvSpPr>
+            <a:spLocks noGrp="1"/>
+          </p:cNvSpPr>
+          <p:nvPr>
+            <p:ph type="title"/>
+          </p:nvPr>
+        </p:nvSpPr>
+        <p:spPr/>
+        <p:txBody>
+          <a:bodyPr/>
+          <a:lstStyle/>
+          <a:p>
+            <a:r>
+              <a:rPr lang="en-GB" dirty="0"/>
+              <a:t>QUANT Features</a:t>
+            </a:r>
+          </a:p>
+        </p:txBody>
+      </p:sp>
+      <p:pic>
+        <p:nvPicPr>
+          <p:cNvPr id="5" name="Picture 4">
+            <a:extLst>
+              <a:ext uri="{FF2B5EF4-FFF2-40B4-BE49-F238E27FC236}">
+                <a16:creationId xmlns:a16="http://schemas.microsoft.com/office/drawing/2014/main" id="{3A116FD6-D189-003B-B7AE-44B31F7AC300}"/>
+              </a:ext>
+            </a:extLst>
+          </p:cNvPr>
+          <p:cNvPicPr>
+            <a:picLocks noChangeAspect="1"/>
+          </p:cNvPicPr>
+          <p:nvPr/>
+        </p:nvPicPr>
+        <p:blipFill>
+          <a:blip r:embed="rId2"/>
+          <a:stretch>
+            <a:fillRect/>
+          </a:stretch>
+        </p:blipFill>
+        <p:spPr>
+          <a:xfrm>
+            <a:off x="307397" y="1240299"/>
+            <a:ext cx="6143625" cy="2990850"/>
+          </a:xfrm>
+          <a:prstGeom prst="rect">
+            <a:avLst/>
+          </a:prstGeom>
+        </p:spPr>
+      </p:pic>
+      <p:pic>
+        <p:nvPicPr>
+          <p:cNvPr id="7" name="Picture 6">
+            <a:extLst>
+              <a:ext uri="{FF2B5EF4-FFF2-40B4-BE49-F238E27FC236}">
+                <a16:creationId xmlns:a16="http://schemas.microsoft.com/office/drawing/2014/main" id="{A0A825BD-5F24-780E-B4DA-03E15E84835C}"/>
+              </a:ext>
+            </a:extLst>
+          </p:cNvPr>
+          <p:cNvPicPr>
+            <a:picLocks noChangeAspect="1"/>
+          </p:cNvPicPr>
+          <p:nvPr/>
+        </p:nvPicPr>
+        <p:blipFill>
+          <a:blip r:embed="rId3"/>
+          <a:stretch>
+            <a:fillRect/>
+          </a:stretch>
+        </p:blipFill>
+        <p:spPr>
+          <a:xfrm>
+            <a:off x="5248707" y="4231149"/>
+            <a:ext cx="6381750" cy="2133600"/>
+          </a:xfrm>
+          <a:prstGeom prst="rect">
+            <a:avLst/>
+          </a:prstGeom>
+        </p:spPr>
+      </p:pic>
+      <p:sp>
+        <p:nvSpPr>
+          <p:cNvPr id="8" name="Text Placeholder 1">
+            <a:extLst>
+              <a:ext uri="{FF2B5EF4-FFF2-40B4-BE49-F238E27FC236}">
+                <a16:creationId xmlns:a16="http://schemas.microsoft.com/office/drawing/2014/main" id="{33226A0D-47E3-74E6-2720-A117A28126B9}"/>
+              </a:ext>
+            </a:extLst>
+          </p:cNvPr>
+          <p:cNvSpPr txBox="1">
+            <a:spLocks/>
+          </p:cNvSpPr>
+          <p:nvPr/>
+        </p:nvSpPr>
+        <p:spPr>
+          <a:xfrm>
+            <a:off x="842618" y="4875157"/>
+            <a:ext cx="3870868" cy="4555200"/>
+          </a:xfrm>
+          <a:prstGeom prst="rect">
+            <a:avLst/>
+          </a:prstGeom>
+        </p:spPr>
+        <p:txBody>
+          <a:bodyPr spcFirstLastPara="1" wrap="square" lIns="91425" tIns="91425" rIns="91425" bIns="91425" anchor="t" anchorCtr="0"/>
+          <a:lstStyle>
+            <a:defPPr marR="0" lvl="0" algn="l" rtl="0">
+              <a:lnSpc>
+                <a:spcPct val="100000"/>
+              </a:lnSpc>
+              <a:spcBef>
+                <a:spcPts val="0"/>
+              </a:spcBef>
+              <a:spcAft>
+                <a:spcPts val="0"/>
+              </a:spcAft>
+            </a:defPPr>
+            <a:lvl1pPr marL="457200" marR="0" lvl="0" indent="-342900" algn="l" rtl="0">
+              <a:lnSpc>
+                <a:spcPct val="100000"/>
+              </a:lnSpc>
+              <a:spcBef>
+                <a:spcPts val="0"/>
+              </a:spcBef>
+              <a:spcAft>
+                <a:spcPts val="0"/>
+              </a:spcAft>
+              <a:buClr>
+                <a:srgbClr val="500064"/>
+              </a:buClr>
+              <a:buSzPts val="1800"/>
+              <a:buFont typeface="Arial"/>
+              <a:buChar char="●"/>
+              <a:defRPr sz="1800" b="0" i="0" u="none" strike="noStrike" cap="none">
+                <a:solidFill>
+                  <a:schemeClr val="tx1"/>
+                </a:solidFill>
+                <a:latin typeface="Aptos" panose="020B0004020202020204" pitchFamily="34" charset="0"/>
+                <a:ea typeface="Arial"/>
+                <a:cs typeface="Arial"/>
+                <a:sym typeface="Arial"/>
+              </a:defRPr>
+            </a:lvl1pPr>
+            <a:lvl2pPr marL="914400" marR="0" lvl="1" indent="-317500" algn="l" rtl="0">
+              <a:lnSpc>
+                <a:spcPct val="100000"/>
+              </a:lnSpc>
+              <a:spcBef>
+                <a:spcPts val="1600"/>
+              </a:spcBef>
+              <a:spcAft>
+                <a:spcPts val="0"/>
+              </a:spcAft>
+              <a:buClr>
+                <a:srgbClr val="000000"/>
+              </a:buClr>
+              <a:buSzPts val="1400"/>
+              <a:buFont typeface="Arial"/>
+              <a:buChar char="○"/>
+              <a:defRPr sz="1400" b="0" i="0" u="none" strike="noStrike" cap="none">
+                <a:solidFill>
+                  <a:srgbClr val="000000"/>
+                </a:solidFill>
+                <a:latin typeface="Arial"/>
+                <a:ea typeface="Arial"/>
+                <a:cs typeface="Arial"/>
+                <a:sym typeface="Arial"/>
+              </a:defRPr>
+            </a:lvl2pPr>
+            <a:lvl3pPr marL="1371600" marR="0" lvl="2" indent="-317500" algn="l" rtl="0">
+              <a:lnSpc>
+                <a:spcPct val="100000"/>
+              </a:lnSpc>
+              <a:spcBef>
+                <a:spcPts val="1600"/>
+              </a:spcBef>
+              <a:spcAft>
+                <a:spcPts val="0"/>
+              </a:spcAft>
+              <a:buClr>
+                <a:srgbClr val="000000"/>
+              </a:buClr>
+              <a:buSzPts val="1400"/>
+              <a:buFont typeface="Arial"/>
+              <a:buChar char="■"/>
+              <a:defRPr sz="1400" b="0" i="0" u="none" strike="noStrike" cap="none">
+                <a:solidFill>
+                  <a:srgbClr val="000000"/>
+                </a:solidFill>
+                <a:latin typeface="Arial"/>
+                <a:ea typeface="Arial"/>
+                <a:cs typeface="Arial"/>
+                <a:sym typeface="Arial"/>
+              </a:defRPr>
+            </a:lvl3pPr>
+            <a:lvl4pPr marL="1828800" marR="0" lvl="3" indent="-317500" algn="l" rtl="0">
+              <a:lnSpc>
+                <a:spcPct val="100000"/>
+              </a:lnSpc>
+              <a:spcBef>
+                <a:spcPts val="1600"/>
+              </a:spcBef>
+              <a:spcAft>
+                <a:spcPts val="0"/>
+              </a:spcAft>
+              <a:buClr>
+                <a:srgbClr val="000000"/>
+              </a:buClr>
+              <a:buSzPts val="1400"/>
+              <a:buFont typeface="Arial"/>
+              <a:buChar char="●"/>
+              <a:defRPr sz="1400" b="0" i="0" u="none" strike="noStrike" cap="none">
+                <a:solidFill>
+                  <a:srgbClr val="000000"/>
+                </a:solidFill>
+                <a:latin typeface="Arial"/>
+                <a:ea typeface="Arial"/>
+                <a:cs typeface="Arial"/>
+                <a:sym typeface="Arial"/>
+              </a:defRPr>
+            </a:lvl4pPr>
+            <a:lvl5pPr marL="2286000" marR="0" lvl="4" indent="-317500" algn="l" rtl="0">
+              <a:lnSpc>
+                <a:spcPct val="100000"/>
+              </a:lnSpc>
+              <a:spcBef>
+                <a:spcPts val="1600"/>
+              </a:spcBef>
+              <a:spcAft>
+                <a:spcPts val="0"/>
+              </a:spcAft>
+              <a:buClr>
+                <a:srgbClr val="000000"/>
+              </a:buClr>
+              <a:buSzPts val="1400"/>
+              <a:buFont typeface="Arial"/>
+              <a:buChar char="○"/>
+              <a:defRPr sz="1400" b="0" i="0" u="none" strike="noStrike" cap="none">
+                <a:solidFill>
+                  <a:srgbClr val="000000"/>
+                </a:solidFill>
+                <a:latin typeface="Arial"/>
+                <a:ea typeface="Arial"/>
+                <a:cs typeface="Arial"/>
+                <a:sym typeface="Arial"/>
+              </a:defRPr>
+            </a:lvl5pPr>
+            <a:lvl6pPr marL="2743200" marR="0" lvl="5" indent="-317500" algn="l" rtl="0">
+              <a:lnSpc>
+                <a:spcPct val="100000"/>
+              </a:lnSpc>
+              <a:spcBef>
+                <a:spcPts val="1600"/>
+              </a:spcBef>
+              <a:spcAft>
+                <a:spcPts val="0"/>
+              </a:spcAft>
+              <a:buClr>
+                <a:srgbClr val="000000"/>
+              </a:buClr>
+              <a:buSzPts val="1400"/>
+              <a:buFont typeface="Arial"/>
+              <a:buChar char="■"/>
+              <a:defRPr sz="1400" b="0" i="0" u="none" strike="noStrike" cap="none">
+                <a:solidFill>
+                  <a:srgbClr val="000000"/>
+                </a:solidFill>
+                <a:latin typeface="Arial"/>
+                <a:ea typeface="Arial"/>
+                <a:cs typeface="Arial"/>
+                <a:sym typeface="Arial"/>
+              </a:defRPr>
+            </a:lvl6pPr>
+            <a:lvl7pPr marL="3200400" marR="0" lvl="6" indent="-317500" algn="l" rtl="0">
+              <a:lnSpc>
+                <a:spcPct val="100000"/>
+              </a:lnSpc>
+              <a:spcBef>
+                <a:spcPts val="1600"/>
+              </a:spcBef>
+              <a:spcAft>
+                <a:spcPts val="0"/>
+              </a:spcAft>
+              <a:buClr>
+                <a:srgbClr val="000000"/>
+              </a:buClr>
+              <a:buSzPts val="1400"/>
+              <a:buFont typeface="Arial"/>
+              <a:buChar char="●"/>
+              <a:defRPr sz="1400" b="0" i="0" u="none" strike="noStrike" cap="none">
+                <a:solidFill>
+                  <a:srgbClr val="000000"/>
+                </a:solidFill>
+                <a:latin typeface="Arial"/>
+                <a:ea typeface="Arial"/>
+                <a:cs typeface="Arial"/>
+                <a:sym typeface="Arial"/>
+              </a:defRPr>
+            </a:lvl7pPr>
+            <a:lvl8pPr marL="3657600" marR="0" lvl="7" indent="-317500" algn="l" rtl="0">
+              <a:lnSpc>
+                <a:spcPct val="100000"/>
+              </a:lnSpc>
+              <a:spcBef>
+                <a:spcPts val="1600"/>
+              </a:spcBef>
+              <a:spcAft>
+                <a:spcPts val="0"/>
+              </a:spcAft>
+              <a:buClr>
+                <a:srgbClr val="000000"/>
+              </a:buClr>
+              <a:buSzPts val="1400"/>
+              <a:buFont typeface="Arial"/>
+              <a:buChar char="○"/>
+              <a:defRPr sz="1400" b="0" i="0" u="none" strike="noStrike" cap="none">
+                <a:solidFill>
+                  <a:srgbClr val="000000"/>
+                </a:solidFill>
+                <a:latin typeface="Arial"/>
+                <a:ea typeface="Arial"/>
+                <a:cs typeface="Arial"/>
+                <a:sym typeface="Arial"/>
+              </a:defRPr>
+            </a:lvl8pPr>
+            <a:lvl9pPr marL="4114800" marR="0" lvl="8" indent="-317500" algn="l" rtl="0">
+              <a:lnSpc>
+                <a:spcPct val="100000"/>
+              </a:lnSpc>
+              <a:spcBef>
+                <a:spcPts val="1600"/>
+              </a:spcBef>
+              <a:spcAft>
+                <a:spcPts val="1600"/>
+              </a:spcAft>
+              <a:buClr>
+                <a:srgbClr val="000000"/>
+              </a:buClr>
+              <a:buSzPts val="1400"/>
+              <a:buFont typeface="Arial"/>
+              <a:buChar char="■"/>
+              <a:defRPr sz="1400" b="0" i="0" u="none" strike="noStrike" cap="none">
+                <a:solidFill>
+                  <a:srgbClr val="000000"/>
+                </a:solidFill>
+                <a:latin typeface="Arial"/>
+                <a:ea typeface="Arial"/>
+                <a:cs typeface="Arial"/>
+                <a:sym typeface="Arial"/>
+              </a:defRPr>
+            </a:lvl9pPr>
+          </a:lstStyle>
+          <a:p>
+            <a:pPr marL="114300" indent="0" algn="r">
+              <a:buNone/>
+            </a:pPr>
+            <a:r>
+              <a:rPr lang="en-GB" dirty="0"/>
+              <a:t>Extracts mean normalised quantiles as well as absolute values. </a:t>
+            </a:r>
+          </a:p>
+        </p:txBody>
+      </p:sp>
+    </p:spTree>
+    <p:extLst>
+      <p:ext uri="{BB962C8B-B14F-4D97-AF65-F5344CB8AC3E}">
+        <p14:creationId xmlns:p14="http://schemas.microsoft.com/office/powerpoint/2010/main" val="4025672061"/>
+      </p:ext>
+    </p:extLst>
+  </p:cSld>
+  <p:clrMapOvr>
+    <a:masterClrMapping/>
+  </p:clrMapOvr>
+</p:sld>
+</file>
+
+<file path=ppt/slides/slide16.xml><?xml version="1.0" encoding="utf-8"?>
+<p:sld xmlns:a="http://schemas.openxmlformats.org/drawingml/2006/main" xmlns:r="http://schemas.openxmlformats.org/officeDocument/2006/relationships" xmlns:p="http://schemas.openxmlformats.org/presentationml/2006/main">
+  <p:cSld>
+    <p:spTree>
+      <p:nvGrpSpPr>
+        <p:cNvPr id="1" name=""/>
+        <p:cNvGrpSpPr/>
+        <p:nvPr/>
+      </p:nvGrpSpPr>
+      <p:grpSpPr>
+        <a:xfrm>
+          <a:off x="0" y="0"/>
+          <a:ext cx="0" cy="0"/>
+          <a:chOff x="0" y="0"/>
+          <a:chExt cx="0" cy="0"/>
+        </a:xfrm>
+      </p:grpSpPr>
+      <p:sp>
+        <p:nvSpPr>
+          <p:cNvPr id="2" name="Text Placeholder 1">
+            <a:extLst>
+              <a:ext uri="{FF2B5EF4-FFF2-40B4-BE49-F238E27FC236}">
                 <a16:creationId xmlns:a16="http://schemas.microsoft.com/office/drawing/2014/main" id="{5C1E7C59-15C1-0A42-3DD1-19BCD51C0B05}"/>
               </a:ext>
             </a:extLst>
@@ -27498,14 +30595,22 @@
             <p:ph type="body" idx="1"/>
           </p:nvPr>
         </p:nvSpPr>
-        <p:spPr/>
+        <p:spPr>
+          <a:xfrm>
+            <a:off x="415600" y="1401551"/>
+            <a:ext cx="6110470" cy="4555200"/>
+          </a:xfrm>
+        </p:spPr>
         <p:txBody>
           <a:bodyPr/>
           <a:lstStyle/>
           <a:p>
+            <a:pPr marL="114300" indent="0">
+              <a:buNone/>
+            </a:pPr>
             <a:r>
-              <a:rPr lang="en-GB" dirty="0"/>
-              <a:t>CD</a:t>
+              <a:rPr lang="en-GB" sz="2000" dirty="0"/>
+              <a:t>Interval approaches have had a significant amount of improvement over time, with recent approaches eclipsing TSF on benchmark data. </a:t>
             </a:r>
           </a:p>
         </p:txBody>
@@ -27533,7 +30638,402 @@
           <a:p>
             <a:r>
               <a:rPr lang="en-GB" dirty="0"/>
-              <a:t>Feature Based Performance</a:t>
+              <a:t>Interval Based Performance</a:t>
+            </a:r>
+          </a:p>
+        </p:txBody>
+      </p:sp>
+      <p:pic>
+        <p:nvPicPr>
+          <p:cNvPr id="5" name="Picture 4">
+            <a:extLst>
+              <a:ext uri="{FF2B5EF4-FFF2-40B4-BE49-F238E27FC236}">
+                <a16:creationId xmlns:a16="http://schemas.microsoft.com/office/drawing/2014/main" id="{936FDEA6-B917-EC59-6DC1-1E3186AF55B3}"/>
+              </a:ext>
+            </a:extLst>
+          </p:cNvPr>
+          <p:cNvPicPr>
+            <a:picLocks noChangeAspect="1"/>
+          </p:cNvPicPr>
+          <p:nvPr/>
+        </p:nvPicPr>
+        <p:blipFill rotWithShape="1">
+          <a:blip r:embed="rId2"/>
+          <a:srcRect r="1404"/>
+          <a:stretch/>
+        </p:blipFill>
+        <p:spPr>
+          <a:xfrm>
+            <a:off x="135082" y="3326667"/>
+            <a:ext cx="6390988" cy="2328026"/>
+          </a:xfrm>
+          <a:prstGeom prst="rect">
+            <a:avLst/>
+          </a:prstGeom>
+        </p:spPr>
+      </p:pic>
+      <p:pic>
+        <p:nvPicPr>
+          <p:cNvPr id="7" name="Picture 6">
+            <a:extLst>
+              <a:ext uri="{FF2B5EF4-FFF2-40B4-BE49-F238E27FC236}">
+                <a16:creationId xmlns:a16="http://schemas.microsoft.com/office/drawing/2014/main" id="{5F1192EF-7BD1-E10E-88F7-6EE43F38B964}"/>
+              </a:ext>
+            </a:extLst>
+          </p:cNvPr>
+          <p:cNvPicPr>
+            <a:picLocks noChangeAspect="1"/>
+          </p:cNvPicPr>
+          <p:nvPr/>
+        </p:nvPicPr>
+        <p:blipFill>
+          <a:blip r:embed="rId3"/>
+          <a:stretch>
+            <a:fillRect/>
+          </a:stretch>
+        </p:blipFill>
+        <p:spPr>
+          <a:xfrm>
+            <a:off x="6806588" y="1532414"/>
+            <a:ext cx="4867910" cy="4293473"/>
+          </a:xfrm>
+          <a:prstGeom prst="rect">
+            <a:avLst/>
+          </a:prstGeom>
+        </p:spPr>
+      </p:pic>
+      <p:sp>
+        <p:nvSpPr>
+          <p:cNvPr id="4" name="Text Placeholder 1">
+            <a:extLst>
+              <a:ext uri="{FF2B5EF4-FFF2-40B4-BE49-F238E27FC236}">
+                <a16:creationId xmlns:a16="http://schemas.microsoft.com/office/drawing/2014/main" id="{2D4F3816-D54B-508C-301E-F91D0AED0C0F}"/>
+              </a:ext>
+            </a:extLst>
+          </p:cNvPr>
+          <p:cNvSpPr txBox="1">
+            <a:spLocks/>
+          </p:cNvSpPr>
+          <p:nvPr/>
+        </p:nvSpPr>
+        <p:spPr>
+          <a:xfrm>
+            <a:off x="208336" y="6069321"/>
+            <a:ext cx="11568064" cy="597399"/>
+          </a:xfrm>
+          <a:prstGeom prst="rect">
+            <a:avLst/>
+          </a:prstGeom>
+        </p:spPr>
+        <p:txBody>
+          <a:bodyPr spcFirstLastPara="1" wrap="square" lIns="91425" tIns="91425" rIns="91425" bIns="91425" anchor="t" anchorCtr="0"/>
+          <a:lstStyle>
+            <a:defPPr marR="0" lvl="0" algn="l" rtl="0">
+              <a:lnSpc>
+                <a:spcPct val="100000"/>
+              </a:lnSpc>
+              <a:spcBef>
+                <a:spcPts val="0"/>
+              </a:spcBef>
+              <a:spcAft>
+                <a:spcPts val="0"/>
+              </a:spcAft>
+            </a:defPPr>
+            <a:lvl1pPr marL="457200" marR="0" lvl="0" indent="-342900" algn="l" rtl="0">
+              <a:lnSpc>
+                <a:spcPct val="100000"/>
+              </a:lnSpc>
+              <a:spcBef>
+                <a:spcPts val="0"/>
+              </a:spcBef>
+              <a:spcAft>
+                <a:spcPts val="0"/>
+              </a:spcAft>
+              <a:buClr>
+                <a:srgbClr val="500064"/>
+              </a:buClr>
+              <a:buSzPts val="1800"/>
+              <a:buFont typeface="Arial"/>
+              <a:buChar char="●"/>
+              <a:defRPr sz="1800" b="0" i="0" u="none" strike="noStrike" cap="none">
+                <a:solidFill>
+                  <a:schemeClr val="tx1"/>
+                </a:solidFill>
+                <a:latin typeface="Aptos" panose="020B0004020202020204" pitchFamily="34" charset="0"/>
+                <a:ea typeface="Arial"/>
+                <a:cs typeface="Arial"/>
+                <a:sym typeface="Arial"/>
+              </a:defRPr>
+            </a:lvl1pPr>
+            <a:lvl2pPr marL="914400" marR="0" lvl="1" indent="-317500" algn="l" rtl="0">
+              <a:lnSpc>
+                <a:spcPct val="100000"/>
+              </a:lnSpc>
+              <a:spcBef>
+                <a:spcPts val="1600"/>
+              </a:spcBef>
+              <a:spcAft>
+                <a:spcPts val="0"/>
+              </a:spcAft>
+              <a:buClr>
+                <a:srgbClr val="000000"/>
+              </a:buClr>
+              <a:buSzPts val="1400"/>
+              <a:buFont typeface="Arial"/>
+              <a:buChar char="○"/>
+              <a:defRPr sz="1400" b="0" i="0" u="none" strike="noStrike" cap="none">
+                <a:solidFill>
+                  <a:srgbClr val="000000"/>
+                </a:solidFill>
+                <a:latin typeface="Arial"/>
+                <a:ea typeface="Arial"/>
+                <a:cs typeface="Arial"/>
+                <a:sym typeface="Arial"/>
+              </a:defRPr>
+            </a:lvl2pPr>
+            <a:lvl3pPr marL="1371600" marR="0" lvl="2" indent="-317500" algn="l" rtl="0">
+              <a:lnSpc>
+                <a:spcPct val="100000"/>
+              </a:lnSpc>
+              <a:spcBef>
+                <a:spcPts val="1600"/>
+              </a:spcBef>
+              <a:spcAft>
+                <a:spcPts val="0"/>
+              </a:spcAft>
+              <a:buClr>
+                <a:srgbClr val="000000"/>
+              </a:buClr>
+              <a:buSzPts val="1400"/>
+              <a:buFont typeface="Arial"/>
+              <a:buChar char="■"/>
+              <a:defRPr sz="1400" b="0" i="0" u="none" strike="noStrike" cap="none">
+                <a:solidFill>
+                  <a:srgbClr val="000000"/>
+                </a:solidFill>
+                <a:latin typeface="Arial"/>
+                <a:ea typeface="Arial"/>
+                <a:cs typeface="Arial"/>
+                <a:sym typeface="Arial"/>
+              </a:defRPr>
+            </a:lvl3pPr>
+            <a:lvl4pPr marL="1828800" marR="0" lvl="3" indent="-317500" algn="l" rtl="0">
+              <a:lnSpc>
+                <a:spcPct val="100000"/>
+              </a:lnSpc>
+              <a:spcBef>
+                <a:spcPts val="1600"/>
+              </a:spcBef>
+              <a:spcAft>
+                <a:spcPts val="0"/>
+              </a:spcAft>
+              <a:buClr>
+                <a:srgbClr val="000000"/>
+              </a:buClr>
+              <a:buSzPts val="1400"/>
+              <a:buFont typeface="Arial"/>
+              <a:buChar char="●"/>
+              <a:defRPr sz="1400" b="0" i="0" u="none" strike="noStrike" cap="none">
+                <a:solidFill>
+                  <a:srgbClr val="000000"/>
+                </a:solidFill>
+                <a:latin typeface="Arial"/>
+                <a:ea typeface="Arial"/>
+                <a:cs typeface="Arial"/>
+                <a:sym typeface="Arial"/>
+              </a:defRPr>
+            </a:lvl4pPr>
+            <a:lvl5pPr marL="2286000" marR="0" lvl="4" indent="-317500" algn="l" rtl="0">
+              <a:lnSpc>
+                <a:spcPct val="100000"/>
+              </a:lnSpc>
+              <a:spcBef>
+                <a:spcPts val="1600"/>
+              </a:spcBef>
+              <a:spcAft>
+                <a:spcPts val="0"/>
+              </a:spcAft>
+              <a:buClr>
+                <a:srgbClr val="000000"/>
+              </a:buClr>
+              <a:buSzPts val="1400"/>
+              <a:buFont typeface="Arial"/>
+              <a:buChar char="○"/>
+              <a:defRPr sz="1400" b="0" i="0" u="none" strike="noStrike" cap="none">
+                <a:solidFill>
+                  <a:srgbClr val="000000"/>
+                </a:solidFill>
+                <a:latin typeface="Arial"/>
+                <a:ea typeface="Arial"/>
+                <a:cs typeface="Arial"/>
+                <a:sym typeface="Arial"/>
+              </a:defRPr>
+            </a:lvl5pPr>
+            <a:lvl6pPr marL="2743200" marR="0" lvl="5" indent="-317500" algn="l" rtl="0">
+              <a:lnSpc>
+                <a:spcPct val="100000"/>
+              </a:lnSpc>
+              <a:spcBef>
+                <a:spcPts val="1600"/>
+              </a:spcBef>
+              <a:spcAft>
+                <a:spcPts val="0"/>
+              </a:spcAft>
+              <a:buClr>
+                <a:srgbClr val="000000"/>
+              </a:buClr>
+              <a:buSzPts val="1400"/>
+              <a:buFont typeface="Arial"/>
+              <a:buChar char="■"/>
+              <a:defRPr sz="1400" b="0" i="0" u="none" strike="noStrike" cap="none">
+                <a:solidFill>
+                  <a:srgbClr val="000000"/>
+                </a:solidFill>
+                <a:latin typeface="Arial"/>
+                <a:ea typeface="Arial"/>
+                <a:cs typeface="Arial"/>
+                <a:sym typeface="Arial"/>
+              </a:defRPr>
+            </a:lvl6pPr>
+            <a:lvl7pPr marL="3200400" marR="0" lvl="6" indent="-317500" algn="l" rtl="0">
+              <a:lnSpc>
+                <a:spcPct val="100000"/>
+              </a:lnSpc>
+              <a:spcBef>
+                <a:spcPts val="1600"/>
+              </a:spcBef>
+              <a:spcAft>
+                <a:spcPts val="0"/>
+              </a:spcAft>
+              <a:buClr>
+                <a:srgbClr val="000000"/>
+              </a:buClr>
+              <a:buSzPts val="1400"/>
+              <a:buFont typeface="Arial"/>
+              <a:buChar char="●"/>
+              <a:defRPr sz="1400" b="0" i="0" u="none" strike="noStrike" cap="none">
+                <a:solidFill>
+                  <a:srgbClr val="000000"/>
+                </a:solidFill>
+                <a:latin typeface="Arial"/>
+                <a:ea typeface="Arial"/>
+                <a:cs typeface="Arial"/>
+                <a:sym typeface="Arial"/>
+              </a:defRPr>
+            </a:lvl7pPr>
+            <a:lvl8pPr marL="3657600" marR="0" lvl="7" indent="-317500" algn="l" rtl="0">
+              <a:lnSpc>
+                <a:spcPct val="100000"/>
+              </a:lnSpc>
+              <a:spcBef>
+                <a:spcPts val="1600"/>
+              </a:spcBef>
+              <a:spcAft>
+                <a:spcPts val="0"/>
+              </a:spcAft>
+              <a:buClr>
+                <a:srgbClr val="000000"/>
+              </a:buClr>
+              <a:buSzPts val="1400"/>
+              <a:buFont typeface="Arial"/>
+              <a:buChar char="○"/>
+              <a:defRPr sz="1400" b="0" i="0" u="none" strike="noStrike" cap="none">
+                <a:solidFill>
+                  <a:srgbClr val="000000"/>
+                </a:solidFill>
+                <a:latin typeface="Arial"/>
+                <a:ea typeface="Arial"/>
+                <a:cs typeface="Arial"/>
+                <a:sym typeface="Arial"/>
+              </a:defRPr>
+            </a:lvl8pPr>
+            <a:lvl9pPr marL="4114800" marR="0" lvl="8" indent="-317500" algn="l" rtl="0">
+              <a:lnSpc>
+                <a:spcPct val="100000"/>
+              </a:lnSpc>
+              <a:spcBef>
+                <a:spcPts val="1600"/>
+              </a:spcBef>
+              <a:spcAft>
+                <a:spcPts val="1600"/>
+              </a:spcAft>
+              <a:buClr>
+                <a:srgbClr val="000000"/>
+              </a:buClr>
+              <a:buSzPts val="1400"/>
+              <a:buFont typeface="Arial"/>
+              <a:buChar char="■"/>
+              <a:defRPr sz="1400" b="0" i="0" u="none" strike="noStrike" cap="none">
+                <a:solidFill>
+                  <a:srgbClr val="000000"/>
+                </a:solidFill>
+                <a:latin typeface="Arial"/>
+                <a:ea typeface="Arial"/>
+                <a:cs typeface="Arial"/>
+                <a:sym typeface="Arial"/>
+              </a:defRPr>
+            </a:lvl9pPr>
+          </a:lstStyle>
+          <a:p>
+            <a:pPr marL="114300" indent="0">
+              <a:buFont typeface="Arial"/>
+              <a:buNone/>
+            </a:pPr>
+            <a:r>
+              <a:rPr lang="en-GB" sz="1400" dirty="0"/>
+              <a:t>Dau, H.A., Bagnall, A., </a:t>
+            </a:r>
+            <a:r>
+              <a:rPr lang="en-GB" sz="1400" dirty="0" err="1"/>
+              <a:t>Kamgar</a:t>
+            </a:r>
+            <a:r>
+              <a:rPr lang="en-GB" sz="1400" dirty="0"/>
+              <a:t>, K., Yeh, C.C.M., Zhu, Y., </a:t>
+            </a:r>
+            <a:r>
+              <a:rPr lang="en-GB" sz="1400" dirty="0" err="1"/>
+              <a:t>Gharghabi</a:t>
+            </a:r>
+            <a:r>
+              <a:rPr lang="en-GB" sz="1400" dirty="0"/>
+              <a:t>, S., </a:t>
+            </a:r>
+            <a:r>
+              <a:rPr lang="en-GB" sz="1400" dirty="0" err="1"/>
+              <a:t>Ratanamahatana</a:t>
+            </a:r>
+            <a:r>
+              <a:rPr lang="en-GB" sz="1400" dirty="0"/>
+              <a:t>, C.A. and Keogh, E., 2019. The UCR time series archive. </a:t>
+            </a:r>
+            <a:r>
+              <a:rPr lang="en-GB" sz="1400" i="1" dirty="0"/>
+              <a:t>IEEE/CAA Journal of </a:t>
+            </a:r>
+            <a:r>
+              <a:rPr lang="en-GB" sz="1400" i="1" dirty="0" err="1"/>
+              <a:t>Automatica</a:t>
+            </a:r>
+            <a:r>
+              <a:rPr lang="en-GB" sz="1400" i="1" dirty="0"/>
+              <a:t> </a:t>
+            </a:r>
+            <a:r>
+              <a:rPr lang="en-GB" sz="1400" i="1" dirty="0" err="1"/>
+              <a:t>Sinica</a:t>
+            </a:r>
+            <a:r>
+              <a:rPr lang="en-GB" sz="1400" dirty="0"/>
+              <a:t>, </a:t>
+            </a:r>
+            <a:r>
+              <a:rPr lang="en-GB" sz="1400" i="1" dirty="0"/>
+              <a:t>6</a:t>
+            </a:r>
+            <a:r>
+              <a:rPr lang="en-GB" sz="1400" dirty="0"/>
+              <a:t>(6), pp.1293-1305.</a:t>
             </a:r>
           </a:p>
         </p:txBody>
@@ -27551,7 +31051,7 @@
 </p:sld>
 </file>
 
-<file path=ppt/slides/slide16.xml><?xml version="1.0" encoding="utf-8"?>
+<file path=ppt/slides/slide17.xml><?xml version="1.0" encoding="utf-8"?>
 <p:sld xmlns:a="http://schemas.openxmlformats.org/drawingml/2006/main" xmlns:r="http://schemas.openxmlformats.org/officeDocument/2006/relationships" xmlns:p="http://schemas.openxmlformats.org/presentationml/2006/main">
   <p:cSld>
     <p:spTree>
@@ -31642,7 +35142,7 @@
           <a:p>
             <a:r>
               <a:rPr lang="en-GB" sz="2000" dirty="0"/>
-              <a:t>Random Supervised Time Series Forest (RSTSF)</a:t>
+              <a:t>Random Supervised Time Series Forest (R-STSF)</a:t>
             </a:r>
           </a:p>
           <a:p>
@@ -31755,9 +35255,9 @@
             </a:r>
           </a:p>
           <a:p>
-            <a:endParaRPr lang="en-GB" sz="2000" dirty="0"/>
-          </a:p>
-          <a:p>
+            <a:pPr marL="114300" indent="0">
+              <a:buNone/>
+            </a:pPr>
             <a:endParaRPr lang="en-GB" sz="2000" dirty="0"/>
           </a:p>
           <a:p>
@@ -34603,9 +38103,9 @@
             </a:r>
           </a:p>
           <a:p>
-            <a:endParaRPr lang="en-GB" sz="2000" dirty="0"/>
-          </a:p>
-          <a:p>
+            <a:pPr marL="114300" indent="0">
+              <a:buNone/>
+            </a:pPr>
             <a:endParaRPr lang="en-GB" sz="2000" dirty="0"/>
           </a:p>
           <a:p>

--- a/KDD-2024/Slides/part5_interval_based.pptx
+++ b/KDD-2024/Slides/part5_interval_based.pptx
@@ -5,7 +5,7 @@
     <p:sldMasterId id="2147483659" r:id="rId1"/>
   </p:sldMasterIdLst>
   <p:notesMasterIdLst>
-    <p:notesMasterId r:id="rId18"/>
+    <p:notesMasterId r:id="rId19"/>
   </p:notesMasterIdLst>
   <p:sldIdLst>
     <p:sldId id="256" r:id="rId2"/>
@@ -22,8 +22,9 @@
     <p:sldId id="462" r:id="rId13"/>
     <p:sldId id="467" r:id="rId14"/>
     <p:sldId id="466" r:id="rId15"/>
-    <p:sldId id="452" r:id="rId16"/>
-    <p:sldId id="265" r:id="rId17"/>
+    <p:sldId id="470" r:id="rId16"/>
+    <p:sldId id="452" r:id="rId17"/>
+    <p:sldId id="265" r:id="rId18"/>
   </p:sldIdLst>
   <p:sldSz cx="12192000" cy="6858000"/>
   <p:notesSz cx="6858000" cy="1114425"/>
@@ -26399,7 +26400,7 @@
             <a:r>
               <a:rPr lang="en-GB" sz="2000" b="1" dirty="0">
                 <a:solidFill>
-                  <a:srgbClr val="500064"/>
+                  <a:schemeClr val="tx1"/>
                 </a:solidFill>
               </a:rPr>
               <a:t>Power spectrum</a:t>
@@ -26438,7 +26439,7 @@
             <a:r>
               <a:rPr lang="en-GB" sz="2000" b="1" dirty="0">
                 <a:solidFill>
-                  <a:srgbClr val="500064"/>
+                  <a:schemeClr val="tx1"/>
                 </a:solidFill>
               </a:rPr>
               <a:t>First order differences</a:t>
@@ -26477,7 +26478,7 @@
             <a:r>
               <a:rPr lang="en-GB" sz="2000" b="1" dirty="0">
                 <a:solidFill>
-                  <a:srgbClr val="500064"/>
+                  <a:schemeClr val="tx1"/>
                 </a:solidFill>
               </a:rPr>
               <a:t>Base series</a:t>
@@ -26670,6 +26671,114 @@
       </p:grpSpPr>
       <p:sp>
         <p:nvSpPr>
+          <p:cNvPr id="11" name="Freeform: Shape 10">
+            <a:extLst>
+              <a:ext uri="{FF2B5EF4-FFF2-40B4-BE49-F238E27FC236}">
+                <a16:creationId xmlns:a16="http://schemas.microsoft.com/office/drawing/2014/main" id="{BB6DF4EE-8293-B373-3150-CD3C985DD37D}"/>
+              </a:ext>
+            </a:extLst>
+          </p:cNvPr>
+          <p:cNvSpPr/>
+          <p:nvPr/>
+        </p:nvSpPr>
+        <p:spPr>
+          <a:xfrm>
+            <a:off x="7315200" y="1831239"/>
+            <a:ext cx="3865418" cy="988026"/>
+          </a:xfrm>
+          <a:custGeom>
+            <a:avLst/>
+            <a:gdLst>
+              <a:gd name="connsiteX0" fmla="*/ 0 w 3865418"/>
+              <a:gd name="connsiteY0" fmla="*/ 208698 h 998407"/>
+              <a:gd name="connsiteX1" fmla="*/ 1194954 w 3865418"/>
+              <a:gd name="connsiteY1" fmla="*/ 811371 h 998407"/>
+              <a:gd name="connsiteX2" fmla="*/ 2441863 w 3865418"/>
+              <a:gd name="connsiteY2" fmla="*/ 880 h 998407"/>
+              <a:gd name="connsiteX3" fmla="*/ 3865418 w 3865418"/>
+              <a:gd name="connsiteY3" fmla="*/ 998407 h 998407"/>
+              <a:gd name="connsiteX0" fmla="*/ 0 w 3865418"/>
+              <a:gd name="connsiteY0" fmla="*/ 198317 h 988026"/>
+              <a:gd name="connsiteX1" fmla="*/ 1194954 w 3865418"/>
+              <a:gd name="connsiteY1" fmla="*/ 800990 h 988026"/>
+              <a:gd name="connsiteX2" fmla="*/ 2524990 w 3865418"/>
+              <a:gd name="connsiteY2" fmla="*/ 890 h 988026"/>
+              <a:gd name="connsiteX3" fmla="*/ 3865418 w 3865418"/>
+              <a:gd name="connsiteY3" fmla="*/ 988026 h 988026"/>
+            </a:gdLst>
+            <a:ahLst/>
+            <a:cxnLst>
+              <a:cxn ang="0">
+                <a:pos x="connsiteX0" y="connsiteY0"/>
+              </a:cxn>
+              <a:cxn ang="0">
+                <a:pos x="connsiteX1" y="connsiteY1"/>
+              </a:cxn>
+              <a:cxn ang="0">
+                <a:pos x="connsiteX2" y="connsiteY2"/>
+              </a:cxn>
+              <a:cxn ang="0">
+                <a:pos x="connsiteX3" y="connsiteY3"/>
+              </a:cxn>
+            </a:cxnLst>
+            <a:rect l="l" t="t" r="r" b="b"/>
+            <a:pathLst>
+              <a:path w="3865418" h="988026">
+                <a:moveTo>
+                  <a:pt x="0" y="198317"/>
+                </a:moveTo>
+                <a:cubicBezTo>
+                  <a:pt x="393988" y="516971"/>
+                  <a:pt x="774122" y="833895"/>
+                  <a:pt x="1194954" y="800990"/>
+                </a:cubicBezTo>
+                <a:cubicBezTo>
+                  <a:pt x="1615786" y="768085"/>
+                  <a:pt x="2079913" y="-30283"/>
+                  <a:pt x="2524990" y="890"/>
+                </a:cubicBezTo>
+                <a:cubicBezTo>
+                  <a:pt x="2970067" y="32063"/>
+                  <a:pt x="3624695" y="833894"/>
+                  <a:pt x="3865418" y="988026"/>
+                </a:cubicBezTo>
+              </a:path>
+            </a:pathLst>
+          </a:custGeom>
+          <a:noFill/>
+          <a:ln w="57150">
+            <a:solidFill>
+              <a:srgbClr val="500064"/>
+            </a:solidFill>
+          </a:ln>
+        </p:spPr>
+        <p:style>
+          <a:lnRef idx="2">
+            <a:schemeClr val="accent1">
+              <a:shade val="15000"/>
+            </a:schemeClr>
+          </a:lnRef>
+          <a:fillRef idx="1">
+            <a:schemeClr val="accent1"/>
+          </a:fillRef>
+          <a:effectRef idx="0">
+            <a:schemeClr val="accent1"/>
+          </a:effectRef>
+          <a:fontRef idx="minor">
+            <a:schemeClr val="lt1"/>
+          </a:fontRef>
+        </p:style>
+        <p:txBody>
+          <a:bodyPr rtlCol="0" anchor="ctr"/>
+          <a:lstStyle/>
+          <a:p>
+            <a:pPr algn="ctr"/>
+            <a:endParaRPr lang="en-GB"/>
+          </a:p>
+        </p:txBody>
+      </p:sp>
+      <p:sp>
+        <p:nvSpPr>
           <p:cNvPr id="2" name="Text Placeholder 1">
             <a:extLst>
               <a:ext uri="{FF2B5EF4-FFF2-40B4-BE49-F238E27FC236}">
@@ -26703,6 +26812,18 @@
             </a:r>
           </a:p>
           <a:p>
+            <a:pPr marL="114300" indent="0">
+              <a:buNone/>
+            </a:pPr>
+            <a:endParaRPr lang="en-GB" sz="2000" dirty="0"/>
+          </a:p>
+          <a:p>
+            <a:r>
+              <a:rPr lang="en-GB" sz="2000" dirty="0"/>
+              <a:t>Pipeline classifier from extracted intervals</a:t>
+            </a:r>
+          </a:p>
+          <a:p>
             <a:endParaRPr lang="en-GB" sz="2000" dirty="0"/>
           </a:p>
           <a:p>
@@ -26710,10 +26831,33 @@
           </a:p>
           <a:p>
             <a:r>
-              <a:rPr lang="en-GB" sz="2000" dirty="0" err="1"/>
-              <a:t>todo</a:t>
+              <a:rPr lang="en-GB" sz="2000" dirty="0"/>
+              <a:t>Extracts intervals using a supervised process</a:t>
             </a:r>
+          </a:p>
+          <a:p>
             <a:endParaRPr lang="en-GB" sz="2000" dirty="0"/>
+          </a:p>
+          <a:p>
+            <a:endParaRPr lang="en-GB" sz="2000" dirty="0"/>
+          </a:p>
+          <a:p>
+            <a:r>
+              <a:rPr lang="en-GB" sz="2000" dirty="0"/>
+              <a:t>Extracts simple summary statistics</a:t>
+            </a:r>
+          </a:p>
+          <a:p>
+            <a:endParaRPr lang="en-GB" sz="2000" dirty="0"/>
+          </a:p>
+          <a:p>
+            <a:endParaRPr lang="en-GB" sz="2000" dirty="0"/>
+          </a:p>
+          <a:p>
+            <a:r>
+              <a:rPr lang="en-GB" sz="2000" dirty="0"/>
+              <a:t>Uses a periodogram, first order differences and autoregressive series representation</a:t>
+            </a:r>
           </a:p>
         </p:txBody>
       </p:sp>
@@ -26740,7 +26884,7 @@
           <a:p>
             <a:r>
               <a:rPr lang="en-GB" sz="2800" dirty="0"/>
-              <a:t>Random Supervised Time Series Forest (RSTSF)</a:t>
+              <a:t>Random Supervised Time Series Forest (R-STSF)</a:t>
             </a:r>
           </a:p>
         </p:txBody>
@@ -27053,6 +27197,2457 @@
           </a:p>
         </p:txBody>
       </p:sp>
+      <p:cxnSp>
+        <p:nvCxnSpPr>
+          <p:cNvPr id="7" name="Straight Connector 6">
+            <a:extLst>
+              <a:ext uri="{FF2B5EF4-FFF2-40B4-BE49-F238E27FC236}">
+                <a16:creationId xmlns:a16="http://schemas.microsoft.com/office/drawing/2014/main" id="{6B015C73-D7BC-5EB3-9B8C-0D96D9164E8C}"/>
+              </a:ext>
+            </a:extLst>
+          </p:cNvPr>
+          <p:cNvCxnSpPr>
+            <a:cxnSpLocks/>
+          </p:cNvCxnSpPr>
+          <p:nvPr/>
+        </p:nvCxnSpPr>
+        <p:spPr>
+          <a:xfrm>
+            <a:off x="9258301" y="1359815"/>
+            <a:ext cx="0" cy="1552253"/>
+          </a:xfrm>
+          <a:prstGeom prst="line">
+            <a:avLst/>
+          </a:prstGeom>
+          <a:ln w="57150">
+            <a:prstDash val="sysDash"/>
+          </a:ln>
+        </p:spPr>
+        <p:style>
+          <a:lnRef idx="1">
+            <a:schemeClr val="accent1"/>
+          </a:lnRef>
+          <a:fillRef idx="0">
+            <a:schemeClr val="accent1"/>
+          </a:fillRef>
+          <a:effectRef idx="0">
+            <a:schemeClr val="accent1"/>
+          </a:effectRef>
+          <a:fontRef idx="minor">
+            <a:schemeClr val="tx1"/>
+          </a:fontRef>
+        </p:style>
+      </p:cxnSp>
+      <p:sp>
+        <p:nvSpPr>
+          <p:cNvPr id="13" name="Freeform: Shape 12">
+            <a:extLst>
+              <a:ext uri="{FF2B5EF4-FFF2-40B4-BE49-F238E27FC236}">
+                <a16:creationId xmlns:a16="http://schemas.microsoft.com/office/drawing/2014/main" id="{1D1BBFE2-D002-45E9-035E-3FB0E361FFB9}"/>
+              </a:ext>
+            </a:extLst>
+          </p:cNvPr>
+          <p:cNvSpPr/>
+          <p:nvPr/>
+        </p:nvSpPr>
+        <p:spPr>
+          <a:xfrm>
+            <a:off x="7315200" y="3233440"/>
+            <a:ext cx="3865418" cy="988026"/>
+          </a:xfrm>
+          <a:custGeom>
+            <a:avLst/>
+            <a:gdLst>
+              <a:gd name="connsiteX0" fmla="*/ 0 w 3865418"/>
+              <a:gd name="connsiteY0" fmla="*/ 208698 h 998407"/>
+              <a:gd name="connsiteX1" fmla="*/ 1194954 w 3865418"/>
+              <a:gd name="connsiteY1" fmla="*/ 811371 h 998407"/>
+              <a:gd name="connsiteX2" fmla="*/ 2441863 w 3865418"/>
+              <a:gd name="connsiteY2" fmla="*/ 880 h 998407"/>
+              <a:gd name="connsiteX3" fmla="*/ 3865418 w 3865418"/>
+              <a:gd name="connsiteY3" fmla="*/ 998407 h 998407"/>
+              <a:gd name="connsiteX0" fmla="*/ 0 w 3865418"/>
+              <a:gd name="connsiteY0" fmla="*/ 198317 h 988026"/>
+              <a:gd name="connsiteX1" fmla="*/ 1194954 w 3865418"/>
+              <a:gd name="connsiteY1" fmla="*/ 800990 h 988026"/>
+              <a:gd name="connsiteX2" fmla="*/ 2524990 w 3865418"/>
+              <a:gd name="connsiteY2" fmla="*/ 890 h 988026"/>
+              <a:gd name="connsiteX3" fmla="*/ 3865418 w 3865418"/>
+              <a:gd name="connsiteY3" fmla="*/ 988026 h 988026"/>
+            </a:gdLst>
+            <a:ahLst/>
+            <a:cxnLst>
+              <a:cxn ang="0">
+                <a:pos x="connsiteX0" y="connsiteY0"/>
+              </a:cxn>
+              <a:cxn ang="0">
+                <a:pos x="connsiteX1" y="connsiteY1"/>
+              </a:cxn>
+              <a:cxn ang="0">
+                <a:pos x="connsiteX2" y="connsiteY2"/>
+              </a:cxn>
+              <a:cxn ang="0">
+                <a:pos x="connsiteX3" y="connsiteY3"/>
+              </a:cxn>
+            </a:cxnLst>
+            <a:rect l="l" t="t" r="r" b="b"/>
+            <a:pathLst>
+              <a:path w="3865418" h="988026">
+                <a:moveTo>
+                  <a:pt x="0" y="198317"/>
+                </a:moveTo>
+                <a:cubicBezTo>
+                  <a:pt x="393988" y="516971"/>
+                  <a:pt x="774122" y="833895"/>
+                  <a:pt x="1194954" y="800990"/>
+                </a:cubicBezTo>
+                <a:cubicBezTo>
+                  <a:pt x="1615786" y="768085"/>
+                  <a:pt x="2079913" y="-30283"/>
+                  <a:pt x="2524990" y="890"/>
+                </a:cubicBezTo>
+                <a:cubicBezTo>
+                  <a:pt x="2970067" y="32063"/>
+                  <a:pt x="3624695" y="833894"/>
+                  <a:pt x="3865418" y="988026"/>
+                </a:cubicBezTo>
+              </a:path>
+            </a:pathLst>
+          </a:custGeom>
+          <a:noFill/>
+          <a:ln w="57150">
+            <a:solidFill>
+              <a:srgbClr val="500064"/>
+            </a:solidFill>
+          </a:ln>
+        </p:spPr>
+        <p:style>
+          <a:lnRef idx="2">
+            <a:schemeClr val="accent1">
+              <a:shade val="15000"/>
+            </a:schemeClr>
+          </a:lnRef>
+          <a:fillRef idx="1">
+            <a:schemeClr val="accent1"/>
+          </a:fillRef>
+          <a:effectRef idx="0">
+            <a:schemeClr val="accent1"/>
+          </a:effectRef>
+          <a:fontRef idx="minor">
+            <a:schemeClr val="lt1"/>
+          </a:fontRef>
+        </p:style>
+        <p:txBody>
+          <a:bodyPr rtlCol="0" anchor="ctr"/>
+          <a:lstStyle/>
+          <a:p>
+            <a:pPr algn="ctr"/>
+            <a:endParaRPr lang="en-GB"/>
+          </a:p>
+        </p:txBody>
+      </p:sp>
+      <p:sp>
+        <p:nvSpPr>
+          <p:cNvPr id="14" name="Freeform: Shape 13">
+            <a:extLst>
+              <a:ext uri="{FF2B5EF4-FFF2-40B4-BE49-F238E27FC236}">
+                <a16:creationId xmlns:a16="http://schemas.microsoft.com/office/drawing/2014/main" id="{94FC2901-0805-75F8-C52D-7B48651FE480}"/>
+              </a:ext>
+            </a:extLst>
+          </p:cNvPr>
+          <p:cNvSpPr/>
+          <p:nvPr/>
+        </p:nvSpPr>
+        <p:spPr>
+          <a:xfrm>
+            <a:off x="7315200" y="4575666"/>
+            <a:ext cx="3865418" cy="988026"/>
+          </a:xfrm>
+          <a:custGeom>
+            <a:avLst/>
+            <a:gdLst>
+              <a:gd name="connsiteX0" fmla="*/ 0 w 3865418"/>
+              <a:gd name="connsiteY0" fmla="*/ 208698 h 998407"/>
+              <a:gd name="connsiteX1" fmla="*/ 1194954 w 3865418"/>
+              <a:gd name="connsiteY1" fmla="*/ 811371 h 998407"/>
+              <a:gd name="connsiteX2" fmla="*/ 2441863 w 3865418"/>
+              <a:gd name="connsiteY2" fmla="*/ 880 h 998407"/>
+              <a:gd name="connsiteX3" fmla="*/ 3865418 w 3865418"/>
+              <a:gd name="connsiteY3" fmla="*/ 998407 h 998407"/>
+              <a:gd name="connsiteX0" fmla="*/ 0 w 3865418"/>
+              <a:gd name="connsiteY0" fmla="*/ 198317 h 988026"/>
+              <a:gd name="connsiteX1" fmla="*/ 1194954 w 3865418"/>
+              <a:gd name="connsiteY1" fmla="*/ 800990 h 988026"/>
+              <a:gd name="connsiteX2" fmla="*/ 2524990 w 3865418"/>
+              <a:gd name="connsiteY2" fmla="*/ 890 h 988026"/>
+              <a:gd name="connsiteX3" fmla="*/ 3865418 w 3865418"/>
+              <a:gd name="connsiteY3" fmla="*/ 988026 h 988026"/>
+            </a:gdLst>
+            <a:ahLst/>
+            <a:cxnLst>
+              <a:cxn ang="0">
+                <a:pos x="connsiteX0" y="connsiteY0"/>
+              </a:cxn>
+              <a:cxn ang="0">
+                <a:pos x="connsiteX1" y="connsiteY1"/>
+              </a:cxn>
+              <a:cxn ang="0">
+                <a:pos x="connsiteX2" y="connsiteY2"/>
+              </a:cxn>
+              <a:cxn ang="0">
+                <a:pos x="connsiteX3" y="connsiteY3"/>
+              </a:cxn>
+            </a:cxnLst>
+            <a:rect l="l" t="t" r="r" b="b"/>
+            <a:pathLst>
+              <a:path w="3865418" h="988026">
+                <a:moveTo>
+                  <a:pt x="0" y="198317"/>
+                </a:moveTo>
+                <a:cubicBezTo>
+                  <a:pt x="393988" y="516971"/>
+                  <a:pt x="774122" y="833895"/>
+                  <a:pt x="1194954" y="800990"/>
+                </a:cubicBezTo>
+                <a:cubicBezTo>
+                  <a:pt x="1615786" y="768085"/>
+                  <a:pt x="2079913" y="-30283"/>
+                  <a:pt x="2524990" y="890"/>
+                </a:cubicBezTo>
+                <a:cubicBezTo>
+                  <a:pt x="2970067" y="32063"/>
+                  <a:pt x="3624695" y="833894"/>
+                  <a:pt x="3865418" y="988026"/>
+                </a:cubicBezTo>
+              </a:path>
+            </a:pathLst>
+          </a:custGeom>
+          <a:noFill/>
+          <a:ln w="57150">
+            <a:solidFill>
+              <a:srgbClr val="500064"/>
+            </a:solidFill>
+          </a:ln>
+        </p:spPr>
+        <p:style>
+          <a:lnRef idx="2">
+            <a:schemeClr val="accent1">
+              <a:shade val="15000"/>
+            </a:schemeClr>
+          </a:lnRef>
+          <a:fillRef idx="1">
+            <a:schemeClr val="accent1"/>
+          </a:fillRef>
+          <a:effectRef idx="0">
+            <a:schemeClr val="accent1"/>
+          </a:effectRef>
+          <a:fontRef idx="minor">
+            <a:schemeClr val="lt1"/>
+          </a:fontRef>
+        </p:style>
+        <p:txBody>
+          <a:bodyPr rtlCol="0" anchor="ctr"/>
+          <a:lstStyle/>
+          <a:p>
+            <a:pPr algn="ctr"/>
+            <a:endParaRPr lang="en-GB"/>
+          </a:p>
+        </p:txBody>
+      </p:sp>
+      <p:cxnSp>
+        <p:nvCxnSpPr>
+          <p:cNvPr id="15" name="Straight Connector 14">
+            <a:extLst>
+              <a:ext uri="{FF2B5EF4-FFF2-40B4-BE49-F238E27FC236}">
+                <a16:creationId xmlns:a16="http://schemas.microsoft.com/office/drawing/2014/main" id="{A5170181-6F51-12C7-17C6-064D731CE4A6}"/>
+              </a:ext>
+            </a:extLst>
+          </p:cNvPr>
+          <p:cNvCxnSpPr>
+            <a:cxnSpLocks/>
+          </p:cNvCxnSpPr>
+          <p:nvPr/>
+        </p:nvCxnSpPr>
+        <p:spPr>
+          <a:xfrm>
+            <a:off x="10241974" y="2652873"/>
+            <a:ext cx="0" cy="1552253"/>
+          </a:xfrm>
+          <a:prstGeom prst="line">
+            <a:avLst/>
+          </a:prstGeom>
+          <a:ln w="57150">
+            <a:prstDash val="sysDash"/>
+          </a:ln>
+        </p:spPr>
+        <p:style>
+          <a:lnRef idx="1">
+            <a:schemeClr val="accent1"/>
+          </a:lnRef>
+          <a:fillRef idx="0">
+            <a:schemeClr val="accent1"/>
+          </a:fillRef>
+          <a:effectRef idx="0">
+            <a:schemeClr val="accent1"/>
+          </a:effectRef>
+          <a:fontRef idx="minor">
+            <a:schemeClr val="tx1"/>
+          </a:fontRef>
+        </p:style>
+      </p:cxnSp>
+      <p:sp>
+        <p:nvSpPr>
+          <p:cNvPr id="17" name="Rectangle 16">
+            <a:extLst>
+              <a:ext uri="{FF2B5EF4-FFF2-40B4-BE49-F238E27FC236}">
+                <a16:creationId xmlns:a16="http://schemas.microsoft.com/office/drawing/2014/main" id="{D25A20B8-E80C-7640-3EC0-9C5BEE9BFC1E}"/>
+              </a:ext>
+            </a:extLst>
+          </p:cNvPr>
+          <p:cNvSpPr/>
+          <p:nvPr/>
+        </p:nvSpPr>
+        <p:spPr>
+          <a:xfrm>
+            <a:off x="7190509" y="3233440"/>
+            <a:ext cx="2067790" cy="1151524"/>
+          </a:xfrm>
+          <a:prstGeom prst="rect">
+            <a:avLst/>
+          </a:prstGeom>
+          <a:solidFill>
+            <a:schemeClr val="bg1"/>
+          </a:solidFill>
+          <a:ln>
+            <a:noFill/>
+          </a:ln>
+        </p:spPr>
+        <p:style>
+          <a:lnRef idx="2">
+            <a:schemeClr val="accent1">
+              <a:shade val="15000"/>
+            </a:schemeClr>
+          </a:lnRef>
+          <a:fillRef idx="1">
+            <a:schemeClr val="accent1"/>
+          </a:fillRef>
+          <a:effectRef idx="0">
+            <a:schemeClr val="accent1"/>
+          </a:effectRef>
+          <a:fontRef idx="minor">
+            <a:schemeClr val="lt1"/>
+          </a:fontRef>
+        </p:style>
+        <p:txBody>
+          <a:bodyPr rtlCol="0" anchor="ctr"/>
+          <a:lstStyle/>
+          <a:p>
+            <a:pPr algn="ctr"/>
+            <a:endParaRPr lang="en-GB"/>
+          </a:p>
+        </p:txBody>
+      </p:sp>
+      <p:sp>
+        <p:nvSpPr>
+          <p:cNvPr id="18" name="Rectangle 17">
+            <a:extLst>
+              <a:ext uri="{FF2B5EF4-FFF2-40B4-BE49-F238E27FC236}">
+                <a16:creationId xmlns:a16="http://schemas.microsoft.com/office/drawing/2014/main" id="{B3113726-8EB2-DC50-61DC-CEB97A5DC955}"/>
+              </a:ext>
+            </a:extLst>
+          </p:cNvPr>
+          <p:cNvSpPr/>
+          <p:nvPr/>
+        </p:nvSpPr>
+        <p:spPr>
+          <a:xfrm>
+            <a:off x="7180119" y="4412168"/>
+            <a:ext cx="2067790" cy="1151524"/>
+          </a:xfrm>
+          <a:prstGeom prst="rect">
+            <a:avLst/>
+          </a:prstGeom>
+          <a:solidFill>
+            <a:schemeClr val="bg1"/>
+          </a:solidFill>
+          <a:ln>
+            <a:noFill/>
+          </a:ln>
+        </p:spPr>
+        <p:style>
+          <a:lnRef idx="2">
+            <a:schemeClr val="accent1">
+              <a:shade val="15000"/>
+            </a:schemeClr>
+          </a:lnRef>
+          <a:fillRef idx="1">
+            <a:schemeClr val="accent1"/>
+          </a:fillRef>
+          <a:effectRef idx="0">
+            <a:schemeClr val="accent1"/>
+          </a:effectRef>
+          <a:fontRef idx="minor">
+            <a:schemeClr val="lt1"/>
+          </a:fontRef>
+        </p:style>
+        <p:txBody>
+          <a:bodyPr rtlCol="0" anchor="ctr"/>
+          <a:lstStyle/>
+          <a:p>
+            <a:pPr algn="ctr"/>
+            <a:endParaRPr lang="en-GB"/>
+          </a:p>
+        </p:txBody>
+      </p:sp>
+      <p:sp>
+        <p:nvSpPr>
+          <p:cNvPr id="19" name="Rectangle 18">
+            <a:extLst>
+              <a:ext uri="{FF2B5EF4-FFF2-40B4-BE49-F238E27FC236}">
+                <a16:creationId xmlns:a16="http://schemas.microsoft.com/office/drawing/2014/main" id="{719EC0FA-BEB3-CFFC-1298-F67BE32DB739}"/>
+              </a:ext>
+            </a:extLst>
+          </p:cNvPr>
+          <p:cNvSpPr/>
+          <p:nvPr/>
+        </p:nvSpPr>
+        <p:spPr>
+          <a:xfrm>
+            <a:off x="10241974" y="4425672"/>
+            <a:ext cx="1686790" cy="1151524"/>
+          </a:xfrm>
+          <a:prstGeom prst="rect">
+            <a:avLst/>
+          </a:prstGeom>
+          <a:solidFill>
+            <a:schemeClr val="bg1"/>
+          </a:solidFill>
+          <a:ln>
+            <a:noFill/>
+          </a:ln>
+        </p:spPr>
+        <p:style>
+          <a:lnRef idx="2">
+            <a:schemeClr val="accent1">
+              <a:shade val="15000"/>
+            </a:schemeClr>
+          </a:lnRef>
+          <a:fillRef idx="1">
+            <a:schemeClr val="accent1"/>
+          </a:fillRef>
+          <a:effectRef idx="0">
+            <a:schemeClr val="accent1"/>
+          </a:effectRef>
+          <a:fontRef idx="minor">
+            <a:schemeClr val="lt1"/>
+          </a:fontRef>
+        </p:style>
+        <p:txBody>
+          <a:bodyPr rtlCol="0" anchor="ctr"/>
+          <a:lstStyle/>
+          <a:p>
+            <a:pPr algn="ctr"/>
+            <a:endParaRPr lang="en-GB"/>
+          </a:p>
+        </p:txBody>
+      </p:sp>
+      <p:cxnSp>
+        <p:nvCxnSpPr>
+          <p:cNvPr id="22" name="Straight Connector 21">
+            <a:extLst>
+              <a:ext uri="{FF2B5EF4-FFF2-40B4-BE49-F238E27FC236}">
+                <a16:creationId xmlns:a16="http://schemas.microsoft.com/office/drawing/2014/main" id="{F37AD84B-D823-FD54-C802-4040CE23CDAA}"/>
+              </a:ext>
+            </a:extLst>
+          </p:cNvPr>
+          <p:cNvCxnSpPr/>
+          <p:nvPr/>
+        </p:nvCxnSpPr>
+        <p:spPr>
+          <a:xfrm>
+            <a:off x="7834745" y="3429000"/>
+            <a:ext cx="415637" cy="332509"/>
+          </a:xfrm>
+          <a:prstGeom prst="line">
+            <a:avLst/>
+          </a:prstGeom>
+          <a:ln w="28575"/>
+        </p:spPr>
+        <p:style>
+          <a:lnRef idx="1">
+            <a:schemeClr val="dk1"/>
+          </a:lnRef>
+          <a:fillRef idx="0">
+            <a:schemeClr val="dk1"/>
+          </a:fillRef>
+          <a:effectRef idx="0">
+            <a:schemeClr val="dk1"/>
+          </a:effectRef>
+          <a:fontRef idx="minor">
+            <a:schemeClr val="tx1"/>
+          </a:fontRef>
+        </p:style>
+      </p:cxnSp>
+      <p:cxnSp>
+        <p:nvCxnSpPr>
+          <p:cNvPr id="23" name="Straight Connector 22">
+            <a:extLst>
+              <a:ext uri="{FF2B5EF4-FFF2-40B4-BE49-F238E27FC236}">
+                <a16:creationId xmlns:a16="http://schemas.microsoft.com/office/drawing/2014/main" id="{980B9C4A-0A17-00A6-38B3-664F80CE8319}"/>
+              </a:ext>
+            </a:extLst>
+          </p:cNvPr>
+          <p:cNvCxnSpPr>
+            <a:cxnSpLocks/>
+          </p:cNvCxnSpPr>
+          <p:nvPr/>
+        </p:nvCxnSpPr>
+        <p:spPr>
+          <a:xfrm rot="16200000">
+            <a:off x="7820890" y="3435129"/>
+            <a:ext cx="415637" cy="332509"/>
+          </a:xfrm>
+          <a:prstGeom prst="line">
+            <a:avLst/>
+          </a:prstGeom>
+          <a:ln w="28575"/>
+        </p:spPr>
+        <p:style>
+          <a:lnRef idx="1">
+            <a:schemeClr val="dk1"/>
+          </a:lnRef>
+          <a:fillRef idx="0">
+            <a:schemeClr val="dk1"/>
+          </a:fillRef>
+          <a:effectRef idx="0">
+            <a:schemeClr val="dk1"/>
+          </a:effectRef>
+          <a:fontRef idx="minor">
+            <a:schemeClr val="tx1"/>
+          </a:fontRef>
+        </p:style>
+      </p:cxnSp>
+      <p:cxnSp>
+        <p:nvCxnSpPr>
+          <p:cNvPr id="24" name="Straight Connector 23">
+            <a:extLst>
+              <a:ext uri="{FF2B5EF4-FFF2-40B4-BE49-F238E27FC236}">
+                <a16:creationId xmlns:a16="http://schemas.microsoft.com/office/drawing/2014/main" id="{38423106-2105-B3CD-0B79-BD815A08A2ED}"/>
+              </a:ext>
+            </a:extLst>
+          </p:cNvPr>
+          <p:cNvCxnSpPr/>
+          <p:nvPr/>
+        </p:nvCxnSpPr>
+        <p:spPr>
+          <a:xfrm>
+            <a:off x="7926532" y="4752458"/>
+            <a:ext cx="415637" cy="332509"/>
+          </a:xfrm>
+          <a:prstGeom prst="line">
+            <a:avLst/>
+          </a:prstGeom>
+          <a:ln w="28575"/>
+        </p:spPr>
+        <p:style>
+          <a:lnRef idx="1">
+            <a:schemeClr val="dk1"/>
+          </a:lnRef>
+          <a:fillRef idx="0">
+            <a:schemeClr val="dk1"/>
+          </a:fillRef>
+          <a:effectRef idx="0">
+            <a:schemeClr val="dk1"/>
+          </a:effectRef>
+          <a:fontRef idx="minor">
+            <a:schemeClr val="tx1"/>
+          </a:fontRef>
+        </p:style>
+      </p:cxnSp>
+      <p:cxnSp>
+        <p:nvCxnSpPr>
+          <p:cNvPr id="25" name="Straight Connector 24">
+            <a:extLst>
+              <a:ext uri="{FF2B5EF4-FFF2-40B4-BE49-F238E27FC236}">
+                <a16:creationId xmlns:a16="http://schemas.microsoft.com/office/drawing/2014/main" id="{02884467-990C-30C9-B7F3-A5B37E3159BF}"/>
+              </a:ext>
+            </a:extLst>
+          </p:cNvPr>
+          <p:cNvCxnSpPr>
+            <a:cxnSpLocks/>
+          </p:cNvCxnSpPr>
+          <p:nvPr/>
+        </p:nvCxnSpPr>
+        <p:spPr>
+          <a:xfrm rot="16200000">
+            <a:off x="7912677" y="4758587"/>
+            <a:ext cx="415637" cy="332509"/>
+          </a:xfrm>
+          <a:prstGeom prst="line">
+            <a:avLst/>
+          </a:prstGeom>
+          <a:ln w="28575"/>
+        </p:spPr>
+        <p:style>
+          <a:lnRef idx="1">
+            <a:schemeClr val="dk1"/>
+          </a:lnRef>
+          <a:fillRef idx="0">
+            <a:schemeClr val="dk1"/>
+          </a:fillRef>
+          <a:effectRef idx="0">
+            <a:schemeClr val="dk1"/>
+          </a:effectRef>
+          <a:fontRef idx="minor">
+            <a:schemeClr val="tx1"/>
+          </a:fontRef>
+        </p:style>
+      </p:cxnSp>
+      <p:cxnSp>
+        <p:nvCxnSpPr>
+          <p:cNvPr id="26" name="Straight Connector 25">
+            <a:extLst>
+              <a:ext uri="{FF2B5EF4-FFF2-40B4-BE49-F238E27FC236}">
+                <a16:creationId xmlns:a16="http://schemas.microsoft.com/office/drawing/2014/main" id="{E90D5C43-E3BC-CCD4-8A8D-6D7128B156CD}"/>
+              </a:ext>
+            </a:extLst>
+          </p:cNvPr>
+          <p:cNvCxnSpPr/>
+          <p:nvPr/>
+        </p:nvCxnSpPr>
+        <p:spPr>
+          <a:xfrm>
+            <a:off x="10591799" y="4800151"/>
+            <a:ext cx="415637" cy="332509"/>
+          </a:xfrm>
+          <a:prstGeom prst="line">
+            <a:avLst/>
+          </a:prstGeom>
+          <a:ln w="28575"/>
+        </p:spPr>
+        <p:style>
+          <a:lnRef idx="1">
+            <a:schemeClr val="dk1"/>
+          </a:lnRef>
+          <a:fillRef idx="0">
+            <a:schemeClr val="dk1"/>
+          </a:fillRef>
+          <a:effectRef idx="0">
+            <a:schemeClr val="dk1"/>
+          </a:effectRef>
+          <a:fontRef idx="minor">
+            <a:schemeClr val="tx1"/>
+          </a:fontRef>
+        </p:style>
+      </p:cxnSp>
+      <p:cxnSp>
+        <p:nvCxnSpPr>
+          <p:cNvPr id="27" name="Straight Connector 26">
+            <a:extLst>
+              <a:ext uri="{FF2B5EF4-FFF2-40B4-BE49-F238E27FC236}">
+                <a16:creationId xmlns:a16="http://schemas.microsoft.com/office/drawing/2014/main" id="{5E432C44-C7F0-7D3F-F565-46D778B1C02C}"/>
+              </a:ext>
+            </a:extLst>
+          </p:cNvPr>
+          <p:cNvCxnSpPr>
+            <a:cxnSpLocks/>
+          </p:cNvCxnSpPr>
+          <p:nvPr/>
+        </p:nvCxnSpPr>
+        <p:spPr>
+          <a:xfrm rot="16200000">
+            <a:off x="10577944" y="4806280"/>
+            <a:ext cx="415637" cy="332509"/>
+          </a:xfrm>
+          <a:prstGeom prst="line">
+            <a:avLst/>
+          </a:prstGeom>
+          <a:ln w="28575"/>
+        </p:spPr>
+        <p:style>
+          <a:lnRef idx="1">
+            <a:schemeClr val="dk1"/>
+          </a:lnRef>
+          <a:fillRef idx="0">
+            <a:schemeClr val="dk1"/>
+          </a:fillRef>
+          <a:effectRef idx="0">
+            <a:schemeClr val="dk1"/>
+          </a:effectRef>
+          <a:fontRef idx="minor">
+            <a:schemeClr val="tx1"/>
+          </a:fontRef>
+        </p:style>
+      </p:cxnSp>
+      <p:cxnSp>
+        <p:nvCxnSpPr>
+          <p:cNvPr id="28" name="Straight Connector 27">
+            <a:extLst>
+              <a:ext uri="{FF2B5EF4-FFF2-40B4-BE49-F238E27FC236}">
+                <a16:creationId xmlns:a16="http://schemas.microsoft.com/office/drawing/2014/main" id="{2EED7678-17CF-1EBE-D4FB-A5EFF49F404E}"/>
+              </a:ext>
+            </a:extLst>
+          </p:cNvPr>
+          <p:cNvCxnSpPr>
+            <a:cxnSpLocks/>
+          </p:cNvCxnSpPr>
+          <p:nvPr/>
+        </p:nvCxnSpPr>
+        <p:spPr>
+          <a:xfrm>
+            <a:off x="9718964" y="4024943"/>
+            <a:ext cx="0" cy="1552253"/>
+          </a:xfrm>
+          <a:prstGeom prst="line">
+            <a:avLst/>
+          </a:prstGeom>
+          <a:ln w="57150">
+            <a:prstDash val="sysDash"/>
+          </a:ln>
+        </p:spPr>
+        <p:style>
+          <a:lnRef idx="1">
+            <a:schemeClr val="accent1"/>
+          </a:lnRef>
+          <a:fillRef idx="0">
+            <a:schemeClr val="accent1"/>
+          </a:fillRef>
+          <a:effectRef idx="0">
+            <a:schemeClr val="accent1"/>
+          </a:effectRef>
+          <a:fontRef idx="minor">
+            <a:schemeClr val="tx1"/>
+          </a:fontRef>
+        </p:style>
+      </p:cxnSp>
+      <p:sp>
+        <p:nvSpPr>
+          <p:cNvPr id="29" name="Text Placeholder 1">
+            <a:extLst>
+              <a:ext uri="{FF2B5EF4-FFF2-40B4-BE49-F238E27FC236}">
+                <a16:creationId xmlns:a16="http://schemas.microsoft.com/office/drawing/2014/main" id="{F183C26B-6F67-B99E-D711-2DF41B420CAB}"/>
+              </a:ext>
+            </a:extLst>
+          </p:cNvPr>
+          <p:cNvSpPr txBox="1">
+            <a:spLocks/>
+          </p:cNvSpPr>
+          <p:nvPr/>
+        </p:nvSpPr>
+        <p:spPr>
+          <a:xfrm>
+            <a:off x="9426289" y="1294308"/>
+            <a:ext cx="741236" cy="545916"/>
+          </a:xfrm>
+          <a:prstGeom prst="rect">
+            <a:avLst/>
+          </a:prstGeom>
+        </p:spPr>
+        <p:txBody>
+          <a:bodyPr spcFirstLastPara="1" wrap="square" lIns="91425" tIns="91425" rIns="91425" bIns="91425" anchor="t" anchorCtr="0"/>
+          <a:lstStyle>
+            <a:defPPr marR="0" lvl="0" algn="l" rtl="0">
+              <a:lnSpc>
+                <a:spcPct val="100000"/>
+              </a:lnSpc>
+              <a:spcBef>
+                <a:spcPts val="0"/>
+              </a:spcBef>
+              <a:spcAft>
+                <a:spcPts val="0"/>
+              </a:spcAft>
+            </a:defPPr>
+            <a:lvl1pPr marL="457200" marR="0" lvl="0" indent="-342900" algn="l" rtl="0">
+              <a:lnSpc>
+                <a:spcPct val="100000"/>
+              </a:lnSpc>
+              <a:spcBef>
+                <a:spcPts val="0"/>
+              </a:spcBef>
+              <a:spcAft>
+                <a:spcPts val="0"/>
+              </a:spcAft>
+              <a:buClr>
+                <a:srgbClr val="500064"/>
+              </a:buClr>
+              <a:buSzPts val="1800"/>
+              <a:buFont typeface="Arial"/>
+              <a:buChar char="●"/>
+              <a:defRPr sz="1800" b="0" i="0" u="none" strike="noStrike" cap="none">
+                <a:solidFill>
+                  <a:schemeClr val="tx1"/>
+                </a:solidFill>
+                <a:latin typeface="Aptos" panose="020B0004020202020204" pitchFamily="34" charset="0"/>
+                <a:ea typeface="Arial"/>
+                <a:cs typeface="Arial"/>
+                <a:sym typeface="Arial"/>
+              </a:defRPr>
+            </a:lvl1pPr>
+            <a:lvl2pPr marL="914400" marR="0" lvl="1" indent="-317500" algn="l" rtl="0">
+              <a:lnSpc>
+                <a:spcPct val="100000"/>
+              </a:lnSpc>
+              <a:spcBef>
+                <a:spcPts val="1600"/>
+              </a:spcBef>
+              <a:spcAft>
+                <a:spcPts val="0"/>
+              </a:spcAft>
+              <a:buClr>
+                <a:srgbClr val="000000"/>
+              </a:buClr>
+              <a:buSzPts val="1400"/>
+              <a:buFont typeface="Arial"/>
+              <a:buChar char="○"/>
+              <a:defRPr sz="1400" b="0" i="0" u="none" strike="noStrike" cap="none">
+                <a:solidFill>
+                  <a:srgbClr val="000000"/>
+                </a:solidFill>
+                <a:latin typeface="Arial"/>
+                <a:ea typeface="Arial"/>
+                <a:cs typeface="Arial"/>
+                <a:sym typeface="Arial"/>
+              </a:defRPr>
+            </a:lvl2pPr>
+            <a:lvl3pPr marL="1371600" marR="0" lvl="2" indent="-317500" algn="l" rtl="0">
+              <a:lnSpc>
+                <a:spcPct val="100000"/>
+              </a:lnSpc>
+              <a:spcBef>
+                <a:spcPts val="1600"/>
+              </a:spcBef>
+              <a:spcAft>
+                <a:spcPts val="0"/>
+              </a:spcAft>
+              <a:buClr>
+                <a:srgbClr val="000000"/>
+              </a:buClr>
+              <a:buSzPts val="1400"/>
+              <a:buFont typeface="Arial"/>
+              <a:buChar char="■"/>
+              <a:defRPr sz="1400" b="0" i="0" u="none" strike="noStrike" cap="none">
+                <a:solidFill>
+                  <a:srgbClr val="000000"/>
+                </a:solidFill>
+                <a:latin typeface="Arial"/>
+                <a:ea typeface="Arial"/>
+                <a:cs typeface="Arial"/>
+                <a:sym typeface="Arial"/>
+              </a:defRPr>
+            </a:lvl3pPr>
+            <a:lvl4pPr marL="1828800" marR="0" lvl="3" indent="-317500" algn="l" rtl="0">
+              <a:lnSpc>
+                <a:spcPct val="100000"/>
+              </a:lnSpc>
+              <a:spcBef>
+                <a:spcPts val="1600"/>
+              </a:spcBef>
+              <a:spcAft>
+                <a:spcPts val="0"/>
+              </a:spcAft>
+              <a:buClr>
+                <a:srgbClr val="000000"/>
+              </a:buClr>
+              <a:buSzPts val="1400"/>
+              <a:buFont typeface="Arial"/>
+              <a:buChar char="●"/>
+              <a:defRPr sz="1400" b="0" i="0" u="none" strike="noStrike" cap="none">
+                <a:solidFill>
+                  <a:srgbClr val="000000"/>
+                </a:solidFill>
+                <a:latin typeface="Arial"/>
+                <a:ea typeface="Arial"/>
+                <a:cs typeface="Arial"/>
+                <a:sym typeface="Arial"/>
+              </a:defRPr>
+            </a:lvl4pPr>
+            <a:lvl5pPr marL="2286000" marR="0" lvl="4" indent="-317500" algn="l" rtl="0">
+              <a:lnSpc>
+                <a:spcPct val="100000"/>
+              </a:lnSpc>
+              <a:spcBef>
+                <a:spcPts val="1600"/>
+              </a:spcBef>
+              <a:spcAft>
+                <a:spcPts val="0"/>
+              </a:spcAft>
+              <a:buClr>
+                <a:srgbClr val="000000"/>
+              </a:buClr>
+              <a:buSzPts val="1400"/>
+              <a:buFont typeface="Arial"/>
+              <a:buChar char="○"/>
+              <a:defRPr sz="1400" b="0" i="0" u="none" strike="noStrike" cap="none">
+                <a:solidFill>
+                  <a:srgbClr val="000000"/>
+                </a:solidFill>
+                <a:latin typeface="Arial"/>
+                <a:ea typeface="Arial"/>
+                <a:cs typeface="Arial"/>
+                <a:sym typeface="Arial"/>
+              </a:defRPr>
+            </a:lvl5pPr>
+            <a:lvl6pPr marL="2743200" marR="0" lvl="5" indent="-317500" algn="l" rtl="0">
+              <a:lnSpc>
+                <a:spcPct val="100000"/>
+              </a:lnSpc>
+              <a:spcBef>
+                <a:spcPts val="1600"/>
+              </a:spcBef>
+              <a:spcAft>
+                <a:spcPts val="0"/>
+              </a:spcAft>
+              <a:buClr>
+                <a:srgbClr val="000000"/>
+              </a:buClr>
+              <a:buSzPts val="1400"/>
+              <a:buFont typeface="Arial"/>
+              <a:buChar char="■"/>
+              <a:defRPr sz="1400" b="0" i="0" u="none" strike="noStrike" cap="none">
+                <a:solidFill>
+                  <a:srgbClr val="000000"/>
+                </a:solidFill>
+                <a:latin typeface="Arial"/>
+                <a:ea typeface="Arial"/>
+                <a:cs typeface="Arial"/>
+                <a:sym typeface="Arial"/>
+              </a:defRPr>
+            </a:lvl6pPr>
+            <a:lvl7pPr marL="3200400" marR="0" lvl="6" indent="-317500" algn="l" rtl="0">
+              <a:lnSpc>
+                <a:spcPct val="100000"/>
+              </a:lnSpc>
+              <a:spcBef>
+                <a:spcPts val="1600"/>
+              </a:spcBef>
+              <a:spcAft>
+                <a:spcPts val="0"/>
+              </a:spcAft>
+              <a:buClr>
+                <a:srgbClr val="000000"/>
+              </a:buClr>
+              <a:buSzPts val="1400"/>
+              <a:buFont typeface="Arial"/>
+              <a:buChar char="●"/>
+              <a:defRPr sz="1400" b="0" i="0" u="none" strike="noStrike" cap="none">
+                <a:solidFill>
+                  <a:srgbClr val="000000"/>
+                </a:solidFill>
+                <a:latin typeface="Arial"/>
+                <a:ea typeface="Arial"/>
+                <a:cs typeface="Arial"/>
+                <a:sym typeface="Arial"/>
+              </a:defRPr>
+            </a:lvl7pPr>
+            <a:lvl8pPr marL="3657600" marR="0" lvl="7" indent="-317500" algn="l" rtl="0">
+              <a:lnSpc>
+                <a:spcPct val="100000"/>
+              </a:lnSpc>
+              <a:spcBef>
+                <a:spcPts val="1600"/>
+              </a:spcBef>
+              <a:spcAft>
+                <a:spcPts val="0"/>
+              </a:spcAft>
+              <a:buClr>
+                <a:srgbClr val="000000"/>
+              </a:buClr>
+              <a:buSzPts val="1400"/>
+              <a:buFont typeface="Arial"/>
+              <a:buChar char="○"/>
+              <a:defRPr sz="1400" b="0" i="0" u="none" strike="noStrike" cap="none">
+                <a:solidFill>
+                  <a:srgbClr val="000000"/>
+                </a:solidFill>
+                <a:latin typeface="Arial"/>
+                <a:ea typeface="Arial"/>
+                <a:cs typeface="Arial"/>
+                <a:sym typeface="Arial"/>
+              </a:defRPr>
+            </a:lvl8pPr>
+            <a:lvl9pPr marL="4114800" marR="0" lvl="8" indent="-317500" algn="l" rtl="0">
+              <a:lnSpc>
+                <a:spcPct val="100000"/>
+              </a:lnSpc>
+              <a:spcBef>
+                <a:spcPts val="1600"/>
+              </a:spcBef>
+              <a:spcAft>
+                <a:spcPts val="1600"/>
+              </a:spcAft>
+              <a:buClr>
+                <a:srgbClr val="000000"/>
+              </a:buClr>
+              <a:buSzPts val="1400"/>
+              <a:buFont typeface="Arial"/>
+              <a:buChar char="■"/>
+              <a:defRPr sz="1400" b="0" i="0" u="none" strike="noStrike" cap="none">
+                <a:solidFill>
+                  <a:srgbClr val="000000"/>
+                </a:solidFill>
+                <a:latin typeface="Arial"/>
+                <a:ea typeface="Arial"/>
+                <a:cs typeface="Arial"/>
+                <a:sym typeface="Arial"/>
+              </a:defRPr>
+            </a:lvl9pPr>
+          </a:lstStyle>
+          <a:p>
+            <a:pPr marL="114300" indent="0">
+              <a:buFont typeface="Arial"/>
+              <a:buNone/>
+            </a:pPr>
+            <a:r>
+              <a:rPr lang="en-GB" sz="2000" dirty="0">
+                <a:solidFill>
+                  <a:srgbClr val="00B050"/>
+                </a:solidFill>
+              </a:rPr>
+              <a:t>0.7</a:t>
+            </a:r>
+          </a:p>
+        </p:txBody>
+      </p:sp>
+      <p:sp>
+        <p:nvSpPr>
+          <p:cNvPr id="30" name="Text Placeholder 1">
+            <a:extLst>
+              <a:ext uri="{FF2B5EF4-FFF2-40B4-BE49-F238E27FC236}">
+                <a16:creationId xmlns:a16="http://schemas.microsoft.com/office/drawing/2014/main" id="{A3551AF8-2F58-2B2E-3CCC-1E938185989C}"/>
+              </a:ext>
+            </a:extLst>
+          </p:cNvPr>
+          <p:cNvSpPr txBox="1">
+            <a:spLocks/>
+          </p:cNvSpPr>
+          <p:nvPr/>
+        </p:nvSpPr>
+        <p:spPr>
+          <a:xfrm>
+            <a:off x="8274629" y="1305467"/>
+            <a:ext cx="833003" cy="545916"/>
+          </a:xfrm>
+          <a:prstGeom prst="rect">
+            <a:avLst/>
+          </a:prstGeom>
+        </p:spPr>
+        <p:txBody>
+          <a:bodyPr spcFirstLastPara="1" wrap="square" lIns="91425" tIns="91425" rIns="91425" bIns="91425" anchor="t" anchorCtr="0"/>
+          <a:lstStyle>
+            <a:defPPr marR="0" lvl="0" algn="l" rtl="0">
+              <a:lnSpc>
+                <a:spcPct val="100000"/>
+              </a:lnSpc>
+              <a:spcBef>
+                <a:spcPts val="0"/>
+              </a:spcBef>
+              <a:spcAft>
+                <a:spcPts val="0"/>
+              </a:spcAft>
+            </a:defPPr>
+            <a:lvl1pPr marL="457200" marR="0" lvl="0" indent="-342900" algn="l" rtl="0">
+              <a:lnSpc>
+                <a:spcPct val="100000"/>
+              </a:lnSpc>
+              <a:spcBef>
+                <a:spcPts val="0"/>
+              </a:spcBef>
+              <a:spcAft>
+                <a:spcPts val="0"/>
+              </a:spcAft>
+              <a:buClr>
+                <a:srgbClr val="500064"/>
+              </a:buClr>
+              <a:buSzPts val="1800"/>
+              <a:buFont typeface="Arial"/>
+              <a:buChar char="●"/>
+              <a:defRPr sz="1800" b="0" i="0" u="none" strike="noStrike" cap="none">
+                <a:solidFill>
+                  <a:schemeClr val="tx1"/>
+                </a:solidFill>
+                <a:latin typeface="Aptos" panose="020B0004020202020204" pitchFamily="34" charset="0"/>
+                <a:ea typeface="Arial"/>
+                <a:cs typeface="Arial"/>
+                <a:sym typeface="Arial"/>
+              </a:defRPr>
+            </a:lvl1pPr>
+            <a:lvl2pPr marL="914400" marR="0" lvl="1" indent="-317500" algn="l" rtl="0">
+              <a:lnSpc>
+                <a:spcPct val="100000"/>
+              </a:lnSpc>
+              <a:spcBef>
+                <a:spcPts val="1600"/>
+              </a:spcBef>
+              <a:spcAft>
+                <a:spcPts val="0"/>
+              </a:spcAft>
+              <a:buClr>
+                <a:srgbClr val="000000"/>
+              </a:buClr>
+              <a:buSzPts val="1400"/>
+              <a:buFont typeface="Arial"/>
+              <a:buChar char="○"/>
+              <a:defRPr sz="1400" b="0" i="0" u="none" strike="noStrike" cap="none">
+                <a:solidFill>
+                  <a:srgbClr val="000000"/>
+                </a:solidFill>
+                <a:latin typeface="Arial"/>
+                <a:ea typeface="Arial"/>
+                <a:cs typeface="Arial"/>
+                <a:sym typeface="Arial"/>
+              </a:defRPr>
+            </a:lvl2pPr>
+            <a:lvl3pPr marL="1371600" marR="0" lvl="2" indent="-317500" algn="l" rtl="0">
+              <a:lnSpc>
+                <a:spcPct val="100000"/>
+              </a:lnSpc>
+              <a:spcBef>
+                <a:spcPts val="1600"/>
+              </a:spcBef>
+              <a:spcAft>
+                <a:spcPts val="0"/>
+              </a:spcAft>
+              <a:buClr>
+                <a:srgbClr val="000000"/>
+              </a:buClr>
+              <a:buSzPts val="1400"/>
+              <a:buFont typeface="Arial"/>
+              <a:buChar char="■"/>
+              <a:defRPr sz="1400" b="0" i="0" u="none" strike="noStrike" cap="none">
+                <a:solidFill>
+                  <a:srgbClr val="000000"/>
+                </a:solidFill>
+                <a:latin typeface="Arial"/>
+                <a:ea typeface="Arial"/>
+                <a:cs typeface="Arial"/>
+                <a:sym typeface="Arial"/>
+              </a:defRPr>
+            </a:lvl3pPr>
+            <a:lvl4pPr marL="1828800" marR="0" lvl="3" indent="-317500" algn="l" rtl="0">
+              <a:lnSpc>
+                <a:spcPct val="100000"/>
+              </a:lnSpc>
+              <a:spcBef>
+                <a:spcPts val="1600"/>
+              </a:spcBef>
+              <a:spcAft>
+                <a:spcPts val="0"/>
+              </a:spcAft>
+              <a:buClr>
+                <a:srgbClr val="000000"/>
+              </a:buClr>
+              <a:buSzPts val="1400"/>
+              <a:buFont typeface="Arial"/>
+              <a:buChar char="●"/>
+              <a:defRPr sz="1400" b="0" i="0" u="none" strike="noStrike" cap="none">
+                <a:solidFill>
+                  <a:srgbClr val="000000"/>
+                </a:solidFill>
+                <a:latin typeface="Arial"/>
+                <a:ea typeface="Arial"/>
+                <a:cs typeface="Arial"/>
+                <a:sym typeface="Arial"/>
+              </a:defRPr>
+            </a:lvl4pPr>
+            <a:lvl5pPr marL="2286000" marR="0" lvl="4" indent="-317500" algn="l" rtl="0">
+              <a:lnSpc>
+                <a:spcPct val="100000"/>
+              </a:lnSpc>
+              <a:spcBef>
+                <a:spcPts val="1600"/>
+              </a:spcBef>
+              <a:spcAft>
+                <a:spcPts val="0"/>
+              </a:spcAft>
+              <a:buClr>
+                <a:srgbClr val="000000"/>
+              </a:buClr>
+              <a:buSzPts val="1400"/>
+              <a:buFont typeface="Arial"/>
+              <a:buChar char="○"/>
+              <a:defRPr sz="1400" b="0" i="0" u="none" strike="noStrike" cap="none">
+                <a:solidFill>
+                  <a:srgbClr val="000000"/>
+                </a:solidFill>
+                <a:latin typeface="Arial"/>
+                <a:ea typeface="Arial"/>
+                <a:cs typeface="Arial"/>
+                <a:sym typeface="Arial"/>
+              </a:defRPr>
+            </a:lvl5pPr>
+            <a:lvl6pPr marL="2743200" marR="0" lvl="5" indent="-317500" algn="l" rtl="0">
+              <a:lnSpc>
+                <a:spcPct val="100000"/>
+              </a:lnSpc>
+              <a:spcBef>
+                <a:spcPts val="1600"/>
+              </a:spcBef>
+              <a:spcAft>
+                <a:spcPts val="0"/>
+              </a:spcAft>
+              <a:buClr>
+                <a:srgbClr val="000000"/>
+              </a:buClr>
+              <a:buSzPts val="1400"/>
+              <a:buFont typeface="Arial"/>
+              <a:buChar char="■"/>
+              <a:defRPr sz="1400" b="0" i="0" u="none" strike="noStrike" cap="none">
+                <a:solidFill>
+                  <a:srgbClr val="000000"/>
+                </a:solidFill>
+                <a:latin typeface="Arial"/>
+                <a:ea typeface="Arial"/>
+                <a:cs typeface="Arial"/>
+                <a:sym typeface="Arial"/>
+              </a:defRPr>
+            </a:lvl6pPr>
+            <a:lvl7pPr marL="3200400" marR="0" lvl="6" indent="-317500" algn="l" rtl="0">
+              <a:lnSpc>
+                <a:spcPct val="100000"/>
+              </a:lnSpc>
+              <a:spcBef>
+                <a:spcPts val="1600"/>
+              </a:spcBef>
+              <a:spcAft>
+                <a:spcPts val="0"/>
+              </a:spcAft>
+              <a:buClr>
+                <a:srgbClr val="000000"/>
+              </a:buClr>
+              <a:buSzPts val="1400"/>
+              <a:buFont typeface="Arial"/>
+              <a:buChar char="●"/>
+              <a:defRPr sz="1400" b="0" i="0" u="none" strike="noStrike" cap="none">
+                <a:solidFill>
+                  <a:srgbClr val="000000"/>
+                </a:solidFill>
+                <a:latin typeface="Arial"/>
+                <a:ea typeface="Arial"/>
+                <a:cs typeface="Arial"/>
+                <a:sym typeface="Arial"/>
+              </a:defRPr>
+            </a:lvl7pPr>
+            <a:lvl8pPr marL="3657600" marR="0" lvl="7" indent="-317500" algn="l" rtl="0">
+              <a:lnSpc>
+                <a:spcPct val="100000"/>
+              </a:lnSpc>
+              <a:spcBef>
+                <a:spcPts val="1600"/>
+              </a:spcBef>
+              <a:spcAft>
+                <a:spcPts val="0"/>
+              </a:spcAft>
+              <a:buClr>
+                <a:srgbClr val="000000"/>
+              </a:buClr>
+              <a:buSzPts val="1400"/>
+              <a:buFont typeface="Arial"/>
+              <a:buChar char="○"/>
+              <a:defRPr sz="1400" b="0" i="0" u="none" strike="noStrike" cap="none">
+                <a:solidFill>
+                  <a:srgbClr val="000000"/>
+                </a:solidFill>
+                <a:latin typeface="Arial"/>
+                <a:ea typeface="Arial"/>
+                <a:cs typeface="Arial"/>
+                <a:sym typeface="Arial"/>
+              </a:defRPr>
+            </a:lvl8pPr>
+            <a:lvl9pPr marL="4114800" marR="0" lvl="8" indent="-317500" algn="l" rtl="0">
+              <a:lnSpc>
+                <a:spcPct val="100000"/>
+              </a:lnSpc>
+              <a:spcBef>
+                <a:spcPts val="1600"/>
+              </a:spcBef>
+              <a:spcAft>
+                <a:spcPts val="1600"/>
+              </a:spcAft>
+              <a:buClr>
+                <a:srgbClr val="000000"/>
+              </a:buClr>
+              <a:buSzPts val="1400"/>
+              <a:buFont typeface="Arial"/>
+              <a:buChar char="■"/>
+              <a:defRPr sz="1400" b="0" i="0" u="none" strike="noStrike" cap="none">
+                <a:solidFill>
+                  <a:srgbClr val="000000"/>
+                </a:solidFill>
+                <a:latin typeface="Arial"/>
+                <a:ea typeface="Arial"/>
+                <a:cs typeface="Arial"/>
+                <a:sym typeface="Arial"/>
+              </a:defRPr>
+            </a:lvl9pPr>
+          </a:lstStyle>
+          <a:p>
+            <a:pPr marL="114300" indent="0">
+              <a:buFont typeface="Arial"/>
+              <a:buNone/>
+            </a:pPr>
+            <a:r>
+              <a:rPr lang="en-GB" sz="2000" dirty="0">
+                <a:solidFill>
+                  <a:srgbClr val="FF0000"/>
+                </a:solidFill>
+              </a:rPr>
+              <a:t>0.55</a:t>
+            </a:r>
+          </a:p>
+        </p:txBody>
+      </p:sp>
+      <p:sp>
+        <p:nvSpPr>
+          <p:cNvPr id="32" name="Text Placeholder 1">
+            <a:extLst>
+              <a:ext uri="{FF2B5EF4-FFF2-40B4-BE49-F238E27FC236}">
+                <a16:creationId xmlns:a16="http://schemas.microsoft.com/office/drawing/2014/main" id="{B926F0F0-2D6D-9CB2-BF18-EE4EE2716396}"/>
+              </a:ext>
+            </a:extLst>
+          </p:cNvPr>
+          <p:cNvSpPr txBox="1">
+            <a:spLocks/>
+          </p:cNvSpPr>
+          <p:nvPr/>
+        </p:nvSpPr>
+        <p:spPr>
+          <a:xfrm>
+            <a:off x="9408968" y="2737009"/>
+            <a:ext cx="833003" cy="545916"/>
+          </a:xfrm>
+          <a:prstGeom prst="rect">
+            <a:avLst/>
+          </a:prstGeom>
+        </p:spPr>
+        <p:txBody>
+          <a:bodyPr spcFirstLastPara="1" wrap="square" lIns="91425" tIns="91425" rIns="91425" bIns="91425" anchor="t" anchorCtr="0"/>
+          <a:lstStyle>
+            <a:defPPr marR="0" lvl="0" algn="l" rtl="0">
+              <a:lnSpc>
+                <a:spcPct val="100000"/>
+              </a:lnSpc>
+              <a:spcBef>
+                <a:spcPts val="0"/>
+              </a:spcBef>
+              <a:spcAft>
+                <a:spcPts val="0"/>
+              </a:spcAft>
+            </a:defPPr>
+            <a:lvl1pPr marL="457200" marR="0" lvl="0" indent="-342900" algn="l" rtl="0">
+              <a:lnSpc>
+                <a:spcPct val="100000"/>
+              </a:lnSpc>
+              <a:spcBef>
+                <a:spcPts val="0"/>
+              </a:spcBef>
+              <a:spcAft>
+                <a:spcPts val="0"/>
+              </a:spcAft>
+              <a:buClr>
+                <a:srgbClr val="500064"/>
+              </a:buClr>
+              <a:buSzPts val="1800"/>
+              <a:buFont typeface="Arial"/>
+              <a:buChar char="●"/>
+              <a:defRPr sz="1800" b="0" i="0" u="none" strike="noStrike" cap="none">
+                <a:solidFill>
+                  <a:schemeClr val="tx1"/>
+                </a:solidFill>
+                <a:latin typeface="Aptos" panose="020B0004020202020204" pitchFamily="34" charset="0"/>
+                <a:ea typeface="Arial"/>
+                <a:cs typeface="Arial"/>
+                <a:sym typeface="Arial"/>
+              </a:defRPr>
+            </a:lvl1pPr>
+            <a:lvl2pPr marL="914400" marR="0" lvl="1" indent="-317500" algn="l" rtl="0">
+              <a:lnSpc>
+                <a:spcPct val="100000"/>
+              </a:lnSpc>
+              <a:spcBef>
+                <a:spcPts val="1600"/>
+              </a:spcBef>
+              <a:spcAft>
+                <a:spcPts val="0"/>
+              </a:spcAft>
+              <a:buClr>
+                <a:srgbClr val="000000"/>
+              </a:buClr>
+              <a:buSzPts val="1400"/>
+              <a:buFont typeface="Arial"/>
+              <a:buChar char="○"/>
+              <a:defRPr sz="1400" b="0" i="0" u="none" strike="noStrike" cap="none">
+                <a:solidFill>
+                  <a:srgbClr val="000000"/>
+                </a:solidFill>
+                <a:latin typeface="Arial"/>
+                <a:ea typeface="Arial"/>
+                <a:cs typeface="Arial"/>
+                <a:sym typeface="Arial"/>
+              </a:defRPr>
+            </a:lvl2pPr>
+            <a:lvl3pPr marL="1371600" marR="0" lvl="2" indent="-317500" algn="l" rtl="0">
+              <a:lnSpc>
+                <a:spcPct val="100000"/>
+              </a:lnSpc>
+              <a:spcBef>
+                <a:spcPts val="1600"/>
+              </a:spcBef>
+              <a:spcAft>
+                <a:spcPts val="0"/>
+              </a:spcAft>
+              <a:buClr>
+                <a:srgbClr val="000000"/>
+              </a:buClr>
+              <a:buSzPts val="1400"/>
+              <a:buFont typeface="Arial"/>
+              <a:buChar char="■"/>
+              <a:defRPr sz="1400" b="0" i="0" u="none" strike="noStrike" cap="none">
+                <a:solidFill>
+                  <a:srgbClr val="000000"/>
+                </a:solidFill>
+                <a:latin typeface="Arial"/>
+                <a:ea typeface="Arial"/>
+                <a:cs typeface="Arial"/>
+                <a:sym typeface="Arial"/>
+              </a:defRPr>
+            </a:lvl3pPr>
+            <a:lvl4pPr marL="1828800" marR="0" lvl="3" indent="-317500" algn="l" rtl="0">
+              <a:lnSpc>
+                <a:spcPct val="100000"/>
+              </a:lnSpc>
+              <a:spcBef>
+                <a:spcPts val="1600"/>
+              </a:spcBef>
+              <a:spcAft>
+                <a:spcPts val="0"/>
+              </a:spcAft>
+              <a:buClr>
+                <a:srgbClr val="000000"/>
+              </a:buClr>
+              <a:buSzPts val="1400"/>
+              <a:buFont typeface="Arial"/>
+              <a:buChar char="●"/>
+              <a:defRPr sz="1400" b="0" i="0" u="none" strike="noStrike" cap="none">
+                <a:solidFill>
+                  <a:srgbClr val="000000"/>
+                </a:solidFill>
+                <a:latin typeface="Arial"/>
+                <a:ea typeface="Arial"/>
+                <a:cs typeface="Arial"/>
+                <a:sym typeface="Arial"/>
+              </a:defRPr>
+            </a:lvl4pPr>
+            <a:lvl5pPr marL="2286000" marR="0" lvl="4" indent="-317500" algn="l" rtl="0">
+              <a:lnSpc>
+                <a:spcPct val="100000"/>
+              </a:lnSpc>
+              <a:spcBef>
+                <a:spcPts val="1600"/>
+              </a:spcBef>
+              <a:spcAft>
+                <a:spcPts val="0"/>
+              </a:spcAft>
+              <a:buClr>
+                <a:srgbClr val="000000"/>
+              </a:buClr>
+              <a:buSzPts val="1400"/>
+              <a:buFont typeface="Arial"/>
+              <a:buChar char="○"/>
+              <a:defRPr sz="1400" b="0" i="0" u="none" strike="noStrike" cap="none">
+                <a:solidFill>
+                  <a:srgbClr val="000000"/>
+                </a:solidFill>
+                <a:latin typeface="Arial"/>
+                <a:ea typeface="Arial"/>
+                <a:cs typeface="Arial"/>
+                <a:sym typeface="Arial"/>
+              </a:defRPr>
+            </a:lvl5pPr>
+            <a:lvl6pPr marL="2743200" marR="0" lvl="5" indent="-317500" algn="l" rtl="0">
+              <a:lnSpc>
+                <a:spcPct val="100000"/>
+              </a:lnSpc>
+              <a:spcBef>
+                <a:spcPts val="1600"/>
+              </a:spcBef>
+              <a:spcAft>
+                <a:spcPts val="0"/>
+              </a:spcAft>
+              <a:buClr>
+                <a:srgbClr val="000000"/>
+              </a:buClr>
+              <a:buSzPts val="1400"/>
+              <a:buFont typeface="Arial"/>
+              <a:buChar char="■"/>
+              <a:defRPr sz="1400" b="0" i="0" u="none" strike="noStrike" cap="none">
+                <a:solidFill>
+                  <a:srgbClr val="000000"/>
+                </a:solidFill>
+                <a:latin typeface="Arial"/>
+                <a:ea typeface="Arial"/>
+                <a:cs typeface="Arial"/>
+                <a:sym typeface="Arial"/>
+              </a:defRPr>
+            </a:lvl6pPr>
+            <a:lvl7pPr marL="3200400" marR="0" lvl="6" indent="-317500" algn="l" rtl="0">
+              <a:lnSpc>
+                <a:spcPct val="100000"/>
+              </a:lnSpc>
+              <a:spcBef>
+                <a:spcPts val="1600"/>
+              </a:spcBef>
+              <a:spcAft>
+                <a:spcPts val="0"/>
+              </a:spcAft>
+              <a:buClr>
+                <a:srgbClr val="000000"/>
+              </a:buClr>
+              <a:buSzPts val="1400"/>
+              <a:buFont typeface="Arial"/>
+              <a:buChar char="●"/>
+              <a:defRPr sz="1400" b="0" i="0" u="none" strike="noStrike" cap="none">
+                <a:solidFill>
+                  <a:srgbClr val="000000"/>
+                </a:solidFill>
+                <a:latin typeface="Arial"/>
+                <a:ea typeface="Arial"/>
+                <a:cs typeface="Arial"/>
+                <a:sym typeface="Arial"/>
+              </a:defRPr>
+            </a:lvl7pPr>
+            <a:lvl8pPr marL="3657600" marR="0" lvl="7" indent="-317500" algn="l" rtl="0">
+              <a:lnSpc>
+                <a:spcPct val="100000"/>
+              </a:lnSpc>
+              <a:spcBef>
+                <a:spcPts val="1600"/>
+              </a:spcBef>
+              <a:spcAft>
+                <a:spcPts val="0"/>
+              </a:spcAft>
+              <a:buClr>
+                <a:srgbClr val="000000"/>
+              </a:buClr>
+              <a:buSzPts val="1400"/>
+              <a:buFont typeface="Arial"/>
+              <a:buChar char="○"/>
+              <a:defRPr sz="1400" b="0" i="0" u="none" strike="noStrike" cap="none">
+                <a:solidFill>
+                  <a:srgbClr val="000000"/>
+                </a:solidFill>
+                <a:latin typeface="Arial"/>
+                <a:ea typeface="Arial"/>
+                <a:cs typeface="Arial"/>
+                <a:sym typeface="Arial"/>
+              </a:defRPr>
+            </a:lvl8pPr>
+            <a:lvl9pPr marL="4114800" marR="0" lvl="8" indent="-317500" algn="l" rtl="0">
+              <a:lnSpc>
+                <a:spcPct val="100000"/>
+              </a:lnSpc>
+              <a:spcBef>
+                <a:spcPts val="1600"/>
+              </a:spcBef>
+              <a:spcAft>
+                <a:spcPts val="1600"/>
+              </a:spcAft>
+              <a:buClr>
+                <a:srgbClr val="000000"/>
+              </a:buClr>
+              <a:buSzPts val="1400"/>
+              <a:buFont typeface="Arial"/>
+              <a:buChar char="■"/>
+              <a:defRPr sz="1400" b="0" i="0" u="none" strike="noStrike" cap="none">
+                <a:solidFill>
+                  <a:srgbClr val="000000"/>
+                </a:solidFill>
+                <a:latin typeface="Arial"/>
+                <a:ea typeface="Arial"/>
+                <a:cs typeface="Arial"/>
+                <a:sym typeface="Arial"/>
+              </a:defRPr>
+            </a:lvl9pPr>
+          </a:lstStyle>
+          <a:p>
+            <a:pPr marL="114300" indent="0">
+              <a:buFont typeface="Arial"/>
+              <a:buNone/>
+            </a:pPr>
+            <a:r>
+              <a:rPr lang="en-GB" sz="2000" dirty="0">
+                <a:solidFill>
+                  <a:srgbClr val="00B050"/>
+                </a:solidFill>
+              </a:rPr>
+              <a:t>0.9</a:t>
+            </a:r>
+          </a:p>
+        </p:txBody>
+      </p:sp>
+      <p:sp>
+        <p:nvSpPr>
+          <p:cNvPr id="33" name="Text Placeholder 1">
+            <a:extLst>
+              <a:ext uri="{FF2B5EF4-FFF2-40B4-BE49-F238E27FC236}">
+                <a16:creationId xmlns:a16="http://schemas.microsoft.com/office/drawing/2014/main" id="{3ECB0B98-3165-1655-6D13-BF84CF59CD02}"/>
+              </a:ext>
+            </a:extLst>
+          </p:cNvPr>
+          <p:cNvSpPr txBox="1">
+            <a:spLocks/>
+          </p:cNvSpPr>
+          <p:nvPr/>
+        </p:nvSpPr>
+        <p:spPr>
+          <a:xfrm>
+            <a:off x="10287867" y="2741988"/>
+            <a:ext cx="833003" cy="545916"/>
+          </a:xfrm>
+          <a:prstGeom prst="rect">
+            <a:avLst/>
+          </a:prstGeom>
+        </p:spPr>
+        <p:txBody>
+          <a:bodyPr spcFirstLastPara="1" wrap="square" lIns="91425" tIns="91425" rIns="91425" bIns="91425" anchor="t" anchorCtr="0"/>
+          <a:lstStyle>
+            <a:defPPr marR="0" lvl="0" algn="l" rtl="0">
+              <a:lnSpc>
+                <a:spcPct val="100000"/>
+              </a:lnSpc>
+              <a:spcBef>
+                <a:spcPts val="0"/>
+              </a:spcBef>
+              <a:spcAft>
+                <a:spcPts val="0"/>
+              </a:spcAft>
+            </a:defPPr>
+            <a:lvl1pPr marL="457200" marR="0" lvl="0" indent="-342900" algn="l" rtl="0">
+              <a:lnSpc>
+                <a:spcPct val="100000"/>
+              </a:lnSpc>
+              <a:spcBef>
+                <a:spcPts val="0"/>
+              </a:spcBef>
+              <a:spcAft>
+                <a:spcPts val="0"/>
+              </a:spcAft>
+              <a:buClr>
+                <a:srgbClr val="500064"/>
+              </a:buClr>
+              <a:buSzPts val="1800"/>
+              <a:buFont typeface="Arial"/>
+              <a:buChar char="●"/>
+              <a:defRPr sz="1800" b="0" i="0" u="none" strike="noStrike" cap="none">
+                <a:solidFill>
+                  <a:schemeClr val="tx1"/>
+                </a:solidFill>
+                <a:latin typeface="Aptos" panose="020B0004020202020204" pitchFamily="34" charset="0"/>
+                <a:ea typeface="Arial"/>
+                <a:cs typeface="Arial"/>
+                <a:sym typeface="Arial"/>
+              </a:defRPr>
+            </a:lvl1pPr>
+            <a:lvl2pPr marL="914400" marR="0" lvl="1" indent="-317500" algn="l" rtl="0">
+              <a:lnSpc>
+                <a:spcPct val="100000"/>
+              </a:lnSpc>
+              <a:spcBef>
+                <a:spcPts val="1600"/>
+              </a:spcBef>
+              <a:spcAft>
+                <a:spcPts val="0"/>
+              </a:spcAft>
+              <a:buClr>
+                <a:srgbClr val="000000"/>
+              </a:buClr>
+              <a:buSzPts val="1400"/>
+              <a:buFont typeface="Arial"/>
+              <a:buChar char="○"/>
+              <a:defRPr sz="1400" b="0" i="0" u="none" strike="noStrike" cap="none">
+                <a:solidFill>
+                  <a:srgbClr val="000000"/>
+                </a:solidFill>
+                <a:latin typeface="Arial"/>
+                <a:ea typeface="Arial"/>
+                <a:cs typeface="Arial"/>
+                <a:sym typeface="Arial"/>
+              </a:defRPr>
+            </a:lvl2pPr>
+            <a:lvl3pPr marL="1371600" marR="0" lvl="2" indent="-317500" algn="l" rtl="0">
+              <a:lnSpc>
+                <a:spcPct val="100000"/>
+              </a:lnSpc>
+              <a:spcBef>
+                <a:spcPts val="1600"/>
+              </a:spcBef>
+              <a:spcAft>
+                <a:spcPts val="0"/>
+              </a:spcAft>
+              <a:buClr>
+                <a:srgbClr val="000000"/>
+              </a:buClr>
+              <a:buSzPts val="1400"/>
+              <a:buFont typeface="Arial"/>
+              <a:buChar char="■"/>
+              <a:defRPr sz="1400" b="0" i="0" u="none" strike="noStrike" cap="none">
+                <a:solidFill>
+                  <a:srgbClr val="000000"/>
+                </a:solidFill>
+                <a:latin typeface="Arial"/>
+                <a:ea typeface="Arial"/>
+                <a:cs typeface="Arial"/>
+                <a:sym typeface="Arial"/>
+              </a:defRPr>
+            </a:lvl3pPr>
+            <a:lvl4pPr marL="1828800" marR="0" lvl="3" indent="-317500" algn="l" rtl="0">
+              <a:lnSpc>
+                <a:spcPct val="100000"/>
+              </a:lnSpc>
+              <a:spcBef>
+                <a:spcPts val="1600"/>
+              </a:spcBef>
+              <a:spcAft>
+                <a:spcPts val="0"/>
+              </a:spcAft>
+              <a:buClr>
+                <a:srgbClr val="000000"/>
+              </a:buClr>
+              <a:buSzPts val="1400"/>
+              <a:buFont typeface="Arial"/>
+              <a:buChar char="●"/>
+              <a:defRPr sz="1400" b="0" i="0" u="none" strike="noStrike" cap="none">
+                <a:solidFill>
+                  <a:srgbClr val="000000"/>
+                </a:solidFill>
+                <a:latin typeface="Arial"/>
+                <a:ea typeface="Arial"/>
+                <a:cs typeface="Arial"/>
+                <a:sym typeface="Arial"/>
+              </a:defRPr>
+            </a:lvl4pPr>
+            <a:lvl5pPr marL="2286000" marR="0" lvl="4" indent="-317500" algn="l" rtl="0">
+              <a:lnSpc>
+                <a:spcPct val="100000"/>
+              </a:lnSpc>
+              <a:spcBef>
+                <a:spcPts val="1600"/>
+              </a:spcBef>
+              <a:spcAft>
+                <a:spcPts val="0"/>
+              </a:spcAft>
+              <a:buClr>
+                <a:srgbClr val="000000"/>
+              </a:buClr>
+              <a:buSzPts val="1400"/>
+              <a:buFont typeface="Arial"/>
+              <a:buChar char="○"/>
+              <a:defRPr sz="1400" b="0" i="0" u="none" strike="noStrike" cap="none">
+                <a:solidFill>
+                  <a:srgbClr val="000000"/>
+                </a:solidFill>
+                <a:latin typeface="Arial"/>
+                <a:ea typeface="Arial"/>
+                <a:cs typeface="Arial"/>
+                <a:sym typeface="Arial"/>
+              </a:defRPr>
+            </a:lvl5pPr>
+            <a:lvl6pPr marL="2743200" marR="0" lvl="5" indent="-317500" algn="l" rtl="0">
+              <a:lnSpc>
+                <a:spcPct val="100000"/>
+              </a:lnSpc>
+              <a:spcBef>
+                <a:spcPts val="1600"/>
+              </a:spcBef>
+              <a:spcAft>
+                <a:spcPts val="0"/>
+              </a:spcAft>
+              <a:buClr>
+                <a:srgbClr val="000000"/>
+              </a:buClr>
+              <a:buSzPts val="1400"/>
+              <a:buFont typeface="Arial"/>
+              <a:buChar char="■"/>
+              <a:defRPr sz="1400" b="0" i="0" u="none" strike="noStrike" cap="none">
+                <a:solidFill>
+                  <a:srgbClr val="000000"/>
+                </a:solidFill>
+                <a:latin typeface="Arial"/>
+                <a:ea typeface="Arial"/>
+                <a:cs typeface="Arial"/>
+                <a:sym typeface="Arial"/>
+              </a:defRPr>
+            </a:lvl6pPr>
+            <a:lvl7pPr marL="3200400" marR="0" lvl="6" indent="-317500" algn="l" rtl="0">
+              <a:lnSpc>
+                <a:spcPct val="100000"/>
+              </a:lnSpc>
+              <a:spcBef>
+                <a:spcPts val="1600"/>
+              </a:spcBef>
+              <a:spcAft>
+                <a:spcPts val="0"/>
+              </a:spcAft>
+              <a:buClr>
+                <a:srgbClr val="000000"/>
+              </a:buClr>
+              <a:buSzPts val="1400"/>
+              <a:buFont typeface="Arial"/>
+              <a:buChar char="●"/>
+              <a:defRPr sz="1400" b="0" i="0" u="none" strike="noStrike" cap="none">
+                <a:solidFill>
+                  <a:srgbClr val="000000"/>
+                </a:solidFill>
+                <a:latin typeface="Arial"/>
+                <a:ea typeface="Arial"/>
+                <a:cs typeface="Arial"/>
+                <a:sym typeface="Arial"/>
+              </a:defRPr>
+            </a:lvl7pPr>
+            <a:lvl8pPr marL="3657600" marR="0" lvl="7" indent="-317500" algn="l" rtl="0">
+              <a:lnSpc>
+                <a:spcPct val="100000"/>
+              </a:lnSpc>
+              <a:spcBef>
+                <a:spcPts val="1600"/>
+              </a:spcBef>
+              <a:spcAft>
+                <a:spcPts val="0"/>
+              </a:spcAft>
+              <a:buClr>
+                <a:srgbClr val="000000"/>
+              </a:buClr>
+              <a:buSzPts val="1400"/>
+              <a:buFont typeface="Arial"/>
+              <a:buChar char="○"/>
+              <a:defRPr sz="1400" b="0" i="0" u="none" strike="noStrike" cap="none">
+                <a:solidFill>
+                  <a:srgbClr val="000000"/>
+                </a:solidFill>
+                <a:latin typeface="Arial"/>
+                <a:ea typeface="Arial"/>
+                <a:cs typeface="Arial"/>
+                <a:sym typeface="Arial"/>
+              </a:defRPr>
+            </a:lvl8pPr>
+            <a:lvl9pPr marL="4114800" marR="0" lvl="8" indent="-317500" algn="l" rtl="0">
+              <a:lnSpc>
+                <a:spcPct val="100000"/>
+              </a:lnSpc>
+              <a:spcBef>
+                <a:spcPts val="1600"/>
+              </a:spcBef>
+              <a:spcAft>
+                <a:spcPts val="1600"/>
+              </a:spcAft>
+              <a:buClr>
+                <a:srgbClr val="000000"/>
+              </a:buClr>
+              <a:buSzPts val="1400"/>
+              <a:buFont typeface="Arial"/>
+              <a:buChar char="■"/>
+              <a:defRPr sz="1400" b="0" i="0" u="none" strike="noStrike" cap="none">
+                <a:solidFill>
+                  <a:srgbClr val="000000"/>
+                </a:solidFill>
+                <a:latin typeface="Arial"/>
+                <a:ea typeface="Arial"/>
+                <a:cs typeface="Arial"/>
+                <a:sym typeface="Arial"/>
+              </a:defRPr>
+            </a:lvl9pPr>
+          </a:lstStyle>
+          <a:p>
+            <a:pPr marL="114300" indent="0">
+              <a:buFont typeface="Arial"/>
+              <a:buNone/>
+            </a:pPr>
+            <a:r>
+              <a:rPr lang="en-GB" sz="2000" dirty="0">
+                <a:solidFill>
+                  <a:srgbClr val="FF0000"/>
+                </a:solidFill>
+              </a:rPr>
+              <a:t>0.6</a:t>
+            </a:r>
+          </a:p>
+        </p:txBody>
+      </p:sp>
+      <p:sp>
+        <p:nvSpPr>
+          <p:cNvPr id="34" name="Text Placeholder 1">
+            <a:extLst>
+              <a:ext uri="{FF2B5EF4-FFF2-40B4-BE49-F238E27FC236}">
+                <a16:creationId xmlns:a16="http://schemas.microsoft.com/office/drawing/2014/main" id="{21BDDFA2-0951-3867-D144-31B64980614D}"/>
+              </a:ext>
+            </a:extLst>
+          </p:cNvPr>
+          <p:cNvSpPr txBox="1">
+            <a:spLocks/>
+          </p:cNvSpPr>
+          <p:nvPr/>
+        </p:nvSpPr>
+        <p:spPr>
+          <a:xfrm>
+            <a:off x="9730222" y="4881555"/>
+            <a:ext cx="833003" cy="545916"/>
+          </a:xfrm>
+          <a:prstGeom prst="rect">
+            <a:avLst/>
+          </a:prstGeom>
+        </p:spPr>
+        <p:txBody>
+          <a:bodyPr spcFirstLastPara="1" wrap="square" lIns="91425" tIns="91425" rIns="91425" bIns="91425" anchor="t" anchorCtr="0"/>
+          <a:lstStyle>
+            <a:defPPr marR="0" lvl="0" algn="l" rtl="0">
+              <a:lnSpc>
+                <a:spcPct val="100000"/>
+              </a:lnSpc>
+              <a:spcBef>
+                <a:spcPts val="0"/>
+              </a:spcBef>
+              <a:spcAft>
+                <a:spcPts val="0"/>
+              </a:spcAft>
+            </a:defPPr>
+            <a:lvl1pPr marL="457200" marR="0" lvl="0" indent="-342900" algn="l" rtl="0">
+              <a:lnSpc>
+                <a:spcPct val="100000"/>
+              </a:lnSpc>
+              <a:spcBef>
+                <a:spcPts val="0"/>
+              </a:spcBef>
+              <a:spcAft>
+                <a:spcPts val="0"/>
+              </a:spcAft>
+              <a:buClr>
+                <a:srgbClr val="500064"/>
+              </a:buClr>
+              <a:buSzPts val="1800"/>
+              <a:buFont typeface="Arial"/>
+              <a:buChar char="●"/>
+              <a:defRPr sz="1800" b="0" i="0" u="none" strike="noStrike" cap="none">
+                <a:solidFill>
+                  <a:schemeClr val="tx1"/>
+                </a:solidFill>
+                <a:latin typeface="Aptos" panose="020B0004020202020204" pitchFamily="34" charset="0"/>
+                <a:ea typeface="Arial"/>
+                <a:cs typeface="Arial"/>
+                <a:sym typeface="Arial"/>
+              </a:defRPr>
+            </a:lvl1pPr>
+            <a:lvl2pPr marL="914400" marR="0" lvl="1" indent="-317500" algn="l" rtl="0">
+              <a:lnSpc>
+                <a:spcPct val="100000"/>
+              </a:lnSpc>
+              <a:spcBef>
+                <a:spcPts val="1600"/>
+              </a:spcBef>
+              <a:spcAft>
+                <a:spcPts val="0"/>
+              </a:spcAft>
+              <a:buClr>
+                <a:srgbClr val="000000"/>
+              </a:buClr>
+              <a:buSzPts val="1400"/>
+              <a:buFont typeface="Arial"/>
+              <a:buChar char="○"/>
+              <a:defRPr sz="1400" b="0" i="0" u="none" strike="noStrike" cap="none">
+                <a:solidFill>
+                  <a:srgbClr val="000000"/>
+                </a:solidFill>
+                <a:latin typeface="Arial"/>
+                <a:ea typeface="Arial"/>
+                <a:cs typeface="Arial"/>
+                <a:sym typeface="Arial"/>
+              </a:defRPr>
+            </a:lvl2pPr>
+            <a:lvl3pPr marL="1371600" marR="0" lvl="2" indent="-317500" algn="l" rtl="0">
+              <a:lnSpc>
+                <a:spcPct val="100000"/>
+              </a:lnSpc>
+              <a:spcBef>
+                <a:spcPts val="1600"/>
+              </a:spcBef>
+              <a:spcAft>
+                <a:spcPts val="0"/>
+              </a:spcAft>
+              <a:buClr>
+                <a:srgbClr val="000000"/>
+              </a:buClr>
+              <a:buSzPts val="1400"/>
+              <a:buFont typeface="Arial"/>
+              <a:buChar char="■"/>
+              <a:defRPr sz="1400" b="0" i="0" u="none" strike="noStrike" cap="none">
+                <a:solidFill>
+                  <a:srgbClr val="000000"/>
+                </a:solidFill>
+                <a:latin typeface="Arial"/>
+                <a:ea typeface="Arial"/>
+                <a:cs typeface="Arial"/>
+                <a:sym typeface="Arial"/>
+              </a:defRPr>
+            </a:lvl3pPr>
+            <a:lvl4pPr marL="1828800" marR="0" lvl="3" indent="-317500" algn="l" rtl="0">
+              <a:lnSpc>
+                <a:spcPct val="100000"/>
+              </a:lnSpc>
+              <a:spcBef>
+                <a:spcPts val="1600"/>
+              </a:spcBef>
+              <a:spcAft>
+                <a:spcPts val="0"/>
+              </a:spcAft>
+              <a:buClr>
+                <a:srgbClr val="000000"/>
+              </a:buClr>
+              <a:buSzPts val="1400"/>
+              <a:buFont typeface="Arial"/>
+              <a:buChar char="●"/>
+              <a:defRPr sz="1400" b="0" i="0" u="none" strike="noStrike" cap="none">
+                <a:solidFill>
+                  <a:srgbClr val="000000"/>
+                </a:solidFill>
+                <a:latin typeface="Arial"/>
+                <a:ea typeface="Arial"/>
+                <a:cs typeface="Arial"/>
+                <a:sym typeface="Arial"/>
+              </a:defRPr>
+            </a:lvl4pPr>
+            <a:lvl5pPr marL="2286000" marR="0" lvl="4" indent="-317500" algn="l" rtl="0">
+              <a:lnSpc>
+                <a:spcPct val="100000"/>
+              </a:lnSpc>
+              <a:spcBef>
+                <a:spcPts val="1600"/>
+              </a:spcBef>
+              <a:spcAft>
+                <a:spcPts val="0"/>
+              </a:spcAft>
+              <a:buClr>
+                <a:srgbClr val="000000"/>
+              </a:buClr>
+              <a:buSzPts val="1400"/>
+              <a:buFont typeface="Arial"/>
+              <a:buChar char="○"/>
+              <a:defRPr sz="1400" b="0" i="0" u="none" strike="noStrike" cap="none">
+                <a:solidFill>
+                  <a:srgbClr val="000000"/>
+                </a:solidFill>
+                <a:latin typeface="Arial"/>
+                <a:ea typeface="Arial"/>
+                <a:cs typeface="Arial"/>
+                <a:sym typeface="Arial"/>
+              </a:defRPr>
+            </a:lvl5pPr>
+            <a:lvl6pPr marL="2743200" marR="0" lvl="5" indent="-317500" algn="l" rtl="0">
+              <a:lnSpc>
+                <a:spcPct val="100000"/>
+              </a:lnSpc>
+              <a:spcBef>
+                <a:spcPts val="1600"/>
+              </a:spcBef>
+              <a:spcAft>
+                <a:spcPts val="0"/>
+              </a:spcAft>
+              <a:buClr>
+                <a:srgbClr val="000000"/>
+              </a:buClr>
+              <a:buSzPts val="1400"/>
+              <a:buFont typeface="Arial"/>
+              <a:buChar char="■"/>
+              <a:defRPr sz="1400" b="0" i="0" u="none" strike="noStrike" cap="none">
+                <a:solidFill>
+                  <a:srgbClr val="000000"/>
+                </a:solidFill>
+                <a:latin typeface="Arial"/>
+                <a:ea typeface="Arial"/>
+                <a:cs typeface="Arial"/>
+                <a:sym typeface="Arial"/>
+              </a:defRPr>
+            </a:lvl6pPr>
+            <a:lvl7pPr marL="3200400" marR="0" lvl="6" indent="-317500" algn="l" rtl="0">
+              <a:lnSpc>
+                <a:spcPct val="100000"/>
+              </a:lnSpc>
+              <a:spcBef>
+                <a:spcPts val="1600"/>
+              </a:spcBef>
+              <a:spcAft>
+                <a:spcPts val="0"/>
+              </a:spcAft>
+              <a:buClr>
+                <a:srgbClr val="000000"/>
+              </a:buClr>
+              <a:buSzPts val="1400"/>
+              <a:buFont typeface="Arial"/>
+              <a:buChar char="●"/>
+              <a:defRPr sz="1400" b="0" i="0" u="none" strike="noStrike" cap="none">
+                <a:solidFill>
+                  <a:srgbClr val="000000"/>
+                </a:solidFill>
+                <a:latin typeface="Arial"/>
+                <a:ea typeface="Arial"/>
+                <a:cs typeface="Arial"/>
+                <a:sym typeface="Arial"/>
+              </a:defRPr>
+            </a:lvl7pPr>
+            <a:lvl8pPr marL="3657600" marR="0" lvl="7" indent="-317500" algn="l" rtl="0">
+              <a:lnSpc>
+                <a:spcPct val="100000"/>
+              </a:lnSpc>
+              <a:spcBef>
+                <a:spcPts val="1600"/>
+              </a:spcBef>
+              <a:spcAft>
+                <a:spcPts val="0"/>
+              </a:spcAft>
+              <a:buClr>
+                <a:srgbClr val="000000"/>
+              </a:buClr>
+              <a:buSzPts val="1400"/>
+              <a:buFont typeface="Arial"/>
+              <a:buChar char="○"/>
+              <a:defRPr sz="1400" b="0" i="0" u="none" strike="noStrike" cap="none">
+                <a:solidFill>
+                  <a:srgbClr val="000000"/>
+                </a:solidFill>
+                <a:latin typeface="Arial"/>
+                <a:ea typeface="Arial"/>
+                <a:cs typeface="Arial"/>
+                <a:sym typeface="Arial"/>
+              </a:defRPr>
+            </a:lvl8pPr>
+            <a:lvl9pPr marL="4114800" marR="0" lvl="8" indent="-317500" algn="l" rtl="0">
+              <a:lnSpc>
+                <a:spcPct val="100000"/>
+              </a:lnSpc>
+              <a:spcBef>
+                <a:spcPts val="1600"/>
+              </a:spcBef>
+              <a:spcAft>
+                <a:spcPts val="1600"/>
+              </a:spcAft>
+              <a:buClr>
+                <a:srgbClr val="000000"/>
+              </a:buClr>
+              <a:buSzPts val="1400"/>
+              <a:buFont typeface="Arial"/>
+              <a:buChar char="■"/>
+              <a:defRPr sz="1400" b="0" i="0" u="none" strike="noStrike" cap="none">
+                <a:solidFill>
+                  <a:srgbClr val="000000"/>
+                </a:solidFill>
+                <a:latin typeface="Arial"/>
+                <a:ea typeface="Arial"/>
+                <a:cs typeface="Arial"/>
+                <a:sym typeface="Arial"/>
+              </a:defRPr>
+            </a:lvl9pPr>
+          </a:lstStyle>
+          <a:p>
+            <a:pPr marL="114300" indent="0">
+              <a:buFont typeface="Arial"/>
+              <a:buNone/>
+            </a:pPr>
+            <a:r>
+              <a:rPr lang="en-GB" sz="2000" dirty="0">
+                <a:solidFill>
+                  <a:srgbClr val="00B050"/>
+                </a:solidFill>
+              </a:rPr>
+              <a:t>0.8</a:t>
+            </a:r>
+          </a:p>
+        </p:txBody>
+      </p:sp>
+      <p:sp>
+        <p:nvSpPr>
+          <p:cNvPr id="35" name="Text Placeholder 1">
+            <a:extLst>
+              <a:ext uri="{FF2B5EF4-FFF2-40B4-BE49-F238E27FC236}">
+                <a16:creationId xmlns:a16="http://schemas.microsoft.com/office/drawing/2014/main" id="{3A12EAFD-57A3-CF3C-F87E-0FE9A5CF920C}"/>
+              </a:ext>
+            </a:extLst>
+          </p:cNvPr>
+          <p:cNvSpPr txBox="1">
+            <a:spLocks/>
+          </p:cNvSpPr>
+          <p:nvPr/>
+        </p:nvSpPr>
+        <p:spPr>
+          <a:xfrm>
+            <a:off x="8945708" y="4875902"/>
+            <a:ext cx="833003" cy="545916"/>
+          </a:xfrm>
+          <a:prstGeom prst="rect">
+            <a:avLst/>
+          </a:prstGeom>
+        </p:spPr>
+        <p:txBody>
+          <a:bodyPr spcFirstLastPara="1" wrap="square" lIns="91425" tIns="91425" rIns="91425" bIns="91425" anchor="t" anchorCtr="0"/>
+          <a:lstStyle>
+            <a:defPPr marR="0" lvl="0" algn="l" rtl="0">
+              <a:lnSpc>
+                <a:spcPct val="100000"/>
+              </a:lnSpc>
+              <a:spcBef>
+                <a:spcPts val="0"/>
+              </a:spcBef>
+              <a:spcAft>
+                <a:spcPts val="0"/>
+              </a:spcAft>
+            </a:defPPr>
+            <a:lvl1pPr marL="457200" marR="0" lvl="0" indent="-342900" algn="l" rtl="0">
+              <a:lnSpc>
+                <a:spcPct val="100000"/>
+              </a:lnSpc>
+              <a:spcBef>
+                <a:spcPts val="0"/>
+              </a:spcBef>
+              <a:spcAft>
+                <a:spcPts val="0"/>
+              </a:spcAft>
+              <a:buClr>
+                <a:srgbClr val="500064"/>
+              </a:buClr>
+              <a:buSzPts val="1800"/>
+              <a:buFont typeface="Arial"/>
+              <a:buChar char="●"/>
+              <a:defRPr sz="1800" b="0" i="0" u="none" strike="noStrike" cap="none">
+                <a:solidFill>
+                  <a:schemeClr val="tx1"/>
+                </a:solidFill>
+                <a:latin typeface="Aptos" panose="020B0004020202020204" pitchFamily="34" charset="0"/>
+                <a:ea typeface="Arial"/>
+                <a:cs typeface="Arial"/>
+                <a:sym typeface="Arial"/>
+              </a:defRPr>
+            </a:lvl1pPr>
+            <a:lvl2pPr marL="914400" marR="0" lvl="1" indent="-317500" algn="l" rtl="0">
+              <a:lnSpc>
+                <a:spcPct val="100000"/>
+              </a:lnSpc>
+              <a:spcBef>
+                <a:spcPts val="1600"/>
+              </a:spcBef>
+              <a:spcAft>
+                <a:spcPts val="0"/>
+              </a:spcAft>
+              <a:buClr>
+                <a:srgbClr val="000000"/>
+              </a:buClr>
+              <a:buSzPts val="1400"/>
+              <a:buFont typeface="Arial"/>
+              <a:buChar char="○"/>
+              <a:defRPr sz="1400" b="0" i="0" u="none" strike="noStrike" cap="none">
+                <a:solidFill>
+                  <a:srgbClr val="000000"/>
+                </a:solidFill>
+                <a:latin typeface="Arial"/>
+                <a:ea typeface="Arial"/>
+                <a:cs typeface="Arial"/>
+                <a:sym typeface="Arial"/>
+              </a:defRPr>
+            </a:lvl2pPr>
+            <a:lvl3pPr marL="1371600" marR="0" lvl="2" indent="-317500" algn="l" rtl="0">
+              <a:lnSpc>
+                <a:spcPct val="100000"/>
+              </a:lnSpc>
+              <a:spcBef>
+                <a:spcPts val="1600"/>
+              </a:spcBef>
+              <a:spcAft>
+                <a:spcPts val="0"/>
+              </a:spcAft>
+              <a:buClr>
+                <a:srgbClr val="000000"/>
+              </a:buClr>
+              <a:buSzPts val="1400"/>
+              <a:buFont typeface="Arial"/>
+              <a:buChar char="■"/>
+              <a:defRPr sz="1400" b="0" i="0" u="none" strike="noStrike" cap="none">
+                <a:solidFill>
+                  <a:srgbClr val="000000"/>
+                </a:solidFill>
+                <a:latin typeface="Arial"/>
+                <a:ea typeface="Arial"/>
+                <a:cs typeface="Arial"/>
+                <a:sym typeface="Arial"/>
+              </a:defRPr>
+            </a:lvl3pPr>
+            <a:lvl4pPr marL="1828800" marR="0" lvl="3" indent="-317500" algn="l" rtl="0">
+              <a:lnSpc>
+                <a:spcPct val="100000"/>
+              </a:lnSpc>
+              <a:spcBef>
+                <a:spcPts val="1600"/>
+              </a:spcBef>
+              <a:spcAft>
+                <a:spcPts val="0"/>
+              </a:spcAft>
+              <a:buClr>
+                <a:srgbClr val="000000"/>
+              </a:buClr>
+              <a:buSzPts val="1400"/>
+              <a:buFont typeface="Arial"/>
+              <a:buChar char="●"/>
+              <a:defRPr sz="1400" b="0" i="0" u="none" strike="noStrike" cap="none">
+                <a:solidFill>
+                  <a:srgbClr val="000000"/>
+                </a:solidFill>
+                <a:latin typeface="Arial"/>
+                <a:ea typeface="Arial"/>
+                <a:cs typeface="Arial"/>
+                <a:sym typeface="Arial"/>
+              </a:defRPr>
+            </a:lvl4pPr>
+            <a:lvl5pPr marL="2286000" marR="0" lvl="4" indent="-317500" algn="l" rtl="0">
+              <a:lnSpc>
+                <a:spcPct val="100000"/>
+              </a:lnSpc>
+              <a:spcBef>
+                <a:spcPts val="1600"/>
+              </a:spcBef>
+              <a:spcAft>
+                <a:spcPts val="0"/>
+              </a:spcAft>
+              <a:buClr>
+                <a:srgbClr val="000000"/>
+              </a:buClr>
+              <a:buSzPts val="1400"/>
+              <a:buFont typeface="Arial"/>
+              <a:buChar char="○"/>
+              <a:defRPr sz="1400" b="0" i="0" u="none" strike="noStrike" cap="none">
+                <a:solidFill>
+                  <a:srgbClr val="000000"/>
+                </a:solidFill>
+                <a:latin typeface="Arial"/>
+                <a:ea typeface="Arial"/>
+                <a:cs typeface="Arial"/>
+                <a:sym typeface="Arial"/>
+              </a:defRPr>
+            </a:lvl5pPr>
+            <a:lvl6pPr marL="2743200" marR="0" lvl="5" indent="-317500" algn="l" rtl="0">
+              <a:lnSpc>
+                <a:spcPct val="100000"/>
+              </a:lnSpc>
+              <a:spcBef>
+                <a:spcPts val="1600"/>
+              </a:spcBef>
+              <a:spcAft>
+                <a:spcPts val="0"/>
+              </a:spcAft>
+              <a:buClr>
+                <a:srgbClr val="000000"/>
+              </a:buClr>
+              <a:buSzPts val="1400"/>
+              <a:buFont typeface="Arial"/>
+              <a:buChar char="■"/>
+              <a:defRPr sz="1400" b="0" i="0" u="none" strike="noStrike" cap="none">
+                <a:solidFill>
+                  <a:srgbClr val="000000"/>
+                </a:solidFill>
+                <a:latin typeface="Arial"/>
+                <a:ea typeface="Arial"/>
+                <a:cs typeface="Arial"/>
+                <a:sym typeface="Arial"/>
+              </a:defRPr>
+            </a:lvl6pPr>
+            <a:lvl7pPr marL="3200400" marR="0" lvl="6" indent="-317500" algn="l" rtl="0">
+              <a:lnSpc>
+                <a:spcPct val="100000"/>
+              </a:lnSpc>
+              <a:spcBef>
+                <a:spcPts val="1600"/>
+              </a:spcBef>
+              <a:spcAft>
+                <a:spcPts val="0"/>
+              </a:spcAft>
+              <a:buClr>
+                <a:srgbClr val="000000"/>
+              </a:buClr>
+              <a:buSzPts val="1400"/>
+              <a:buFont typeface="Arial"/>
+              <a:buChar char="●"/>
+              <a:defRPr sz="1400" b="0" i="0" u="none" strike="noStrike" cap="none">
+                <a:solidFill>
+                  <a:srgbClr val="000000"/>
+                </a:solidFill>
+                <a:latin typeface="Arial"/>
+                <a:ea typeface="Arial"/>
+                <a:cs typeface="Arial"/>
+                <a:sym typeface="Arial"/>
+              </a:defRPr>
+            </a:lvl7pPr>
+            <a:lvl8pPr marL="3657600" marR="0" lvl="7" indent="-317500" algn="l" rtl="0">
+              <a:lnSpc>
+                <a:spcPct val="100000"/>
+              </a:lnSpc>
+              <a:spcBef>
+                <a:spcPts val="1600"/>
+              </a:spcBef>
+              <a:spcAft>
+                <a:spcPts val="0"/>
+              </a:spcAft>
+              <a:buClr>
+                <a:srgbClr val="000000"/>
+              </a:buClr>
+              <a:buSzPts val="1400"/>
+              <a:buFont typeface="Arial"/>
+              <a:buChar char="○"/>
+              <a:defRPr sz="1400" b="0" i="0" u="none" strike="noStrike" cap="none">
+                <a:solidFill>
+                  <a:srgbClr val="000000"/>
+                </a:solidFill>
+                <a:latin typeface="Arial"/>
+                <a:ea typeface="Arial"/>
+                <a:cs typeface="Arial"/>
+                <a:sym typeface="Arial"/>
+              </a:defRPr>
+            </a:lvl8pPr>
+            <a:lvl9pPr marL="4114800" marR="0" lvl="8" indent="-317500" algn="l" rtl="0">
+              <a:lnSpc>
+                <a:spcPct val="100000"/>
+              </a:lnSpc>
+              <a:spcBef>
+                <a:spcPts val="1600"/>
+              </a:spcBef>
+              <a:spcAft>
+                <a:spcPts val="1600"/>
+              </a:spcAft>
+              <a:buClr>
+                <a:srgbClr val="000000"/>
+              </a:buClr>
+              <a:buSzPts val="1400"/>
+              <a:buFont typeface="Arial"/>
+              <a:buChar char="■"/>
+              <a:defRPr sz="1400" b="0" i="0" u="none" strike="noStrike" cap="none">
+                <a:solidFill>
+                  <a:srgbClr val="000000"/>
+                </a:solidFill>
+                <a:latin typeface="Arial"/>
+                <a:ea typeface="Arial"/>
+                <a:cs typeface="Arial"/>
+                <a:sym typeface="Arial"/>
+              </a:defRPr>
+            </a:lvl9pPr>
+          </a:lstStyle>
+          <a:p>
+            <a:pPr marL="114300" indent="0">
+              <a:buFont typeface="Arial"/>
+              <a:buNone/>
+            </a:pPr>
+            <a:r>
+              <a:rPr lang="en-GB" sz="2000" dirty="0">
+                <a:solidFill>
+                  <a:srgbClr val="FF0000"/>
+                </a:solidFill>
+              </a:rPr>
+              <a:t>0.6</a:t>
+            </a:r>
+          </a:p>
+        </p:txBody>
+      </p:sp>
     </p:spTree>
     <p:extLst>
       <p:ext uri="{BB962C8B-B14F-4D97-AF65-F5344CB8AC3E}">
@@ -27118,6 +29713,18 @@
             </a:r>
           </a:p>
           <a:p>
+            <a:pPr marL="114300" indent="0">
+              <a:buNone/>
+            </a:pPr>
+            <a:endParaRPr lang="en-GB" sz="2000" dirty="0"/>
+          </a:p>
+          <a:p>
+            <a:r>
+              <a:rPr lang="en-GB" sz="2000" dirty="0"/>
+              <a:t>Pipeline classifier from extracted intervals</a:t>
+            </a:r>
+          </a:p>
+          <a:p>
             <a:endParaRPr lang="en-GB" sz="2000" dirty="0"/>
           </a:p>
           <a:p>
@@ -27125,10 +29732,33 @@
           </a:p>
           <a:p>
             <a:r>
-              <a:rPr lang="en-GB" sz="2000" dirty="0" err="1"/>
-              <a:t>todo</a:t>
+              <a:rPr lang="en-GB" sz="2000" dirty="0"/>
+              <a:t>Extracts fixed dyadic intervals</a:t>
             </a:r>
+          </a:p>
+          <a:p>
             <a:endParaRPr lang="en-GB" sz="2000" dirty="0"/>
+          </a:p>
+          <a:p>
+            <a:endParaRPr lang="en-GB" sz="2000" dirty="0"/>
+          </a:p>
+          <a:p>
+            <a:r>
+              <a:rPr lang="en-GB" sz="2000" dirty="0"/>
+              <a:t>Uses the quantiles of intervals as features</a:t>
+            </a:r>
+          </a:p>
+          <a:p>
+            <a:endParaRPr lang="en-GB" sz="2000" dirty="0"/>
+          </a:p>
+          <a:p>
+            <a:endParaRPr lang="en-GB" sz="2000" dirty="0"/>
+          </a:p>
+          <a:p>
+            <a:r>
+              <a:rPr lang="en-GB" sz="2000" dirty="0"/>
+              <a:t>Extracts from multiple series representations like previous approaches.</a:t>
+            </a:r>
           </a:p>
         </p:txBody>
       </p:sp>
@@ -27452,6 +30082,36 @@
           </a:p>
         </p:txBody>
       </p:sp>
+      <p:pic>
+        <p:nvPicPr>
+          <p:cNvPr id="4" name="Picture 3" descr="A graph of different types of lines&#10;&#10;Description automatically generated with medium confidence">
+            <a:extLst>
+              <a:ext uri="{FF2B5EF4-FFF2-40B4-BE49-F238E27FC236}">
+                <a16:creationId xmlns:a16="http://schemas.microsoft.com/office/drawing/2014/main" id="{CE34E4B3-EA33-2F75-572A-56DD958F7B36}"/>
+              </a:ext>
+            </a:extLst>
+          </p:cNvPr>
+          <p:cNvPicPr>
+            <a:picLocks noChangeAspect="1"/>
+          </p:cNvPicPr>
+          <p:nvPr/>
+        </p:nvPicPr>
+        <p:blipFill>
+          <a:blip r:embed="rId2"/>
+          <a:stretch>
+            <a:fillRect/>
+          </a:stretch>
+        </p:blipFill>
+        <p:spPr>
+          <a:xfrm>
+            <a:off x="6774873" y="1359815"/>
+            <a:ext cx="4520711" cy="4314848"/>
+          </a:xfrm>
+          <a:prstGeom prst="rect">
+            <a:avLst/>
+          </a:prstGeom>
+        </p:spPr>
+      </p:pic>
     </p:spTree>
     <p:extLst>
       <p:ext uri="{BB962C8B-B14F-4D97-AF65-F5344CB8AC3E}">
@@ -27487,6 +30147,443 @@
           <p:cNvPr id="2" name="Text Placeholder 1">
             <a:extLst>
               <a:ext uri="{FF2B5EF4-FFF2-40B4-BE49-F238E27FC236}">
+                <a16:creationId xmlns:a16="http://schemas.microsoft.com/office/drawing/2014/main" id="{C9BA3AFA-6366-CD5C-7D19-A952A685FE70}"/>
+              </a:ext>
+            </a:extLst>
+          </p:cNvPr>
+          <p:cNvSpPr>
+            <a:spLocks noGrp="1"/>
+          </p:cNvSpPr>
+          <p:nvPr>
+            <p:ph type="body" idx="1"/>
+          </p:nvPr>
+        </p:nvSpPr>
+        <p:spPr>
+          <a:xfrm>
+            <a:off x="6711032" y="1953549"/>
+            <a:ext cx="4313723" cy="1662487"/>
+          </a:xfrm>
+        </p:spPr>
+        <p:txBody>
+          <a:bodyPr/>
+          <a:lstStyle/>
+          <a:p>
+            <a:pPr marL="114300" indent="0">
+              <a:buNone/>
+            </a:pPr>
+            <a:r>
+              <a:rPr lang="en-GB" dirty="0"/>
+              <a:t>Intervals are shifted by half their length for greater coverage of the series</a:t>
+            </a:r>
+          </a:p>
+        </p:txBody>
+      </p:sp>
+      <p:sp>
+        <p:nvSpPr>
+          <p:cNvPr id="3" name="Title 2">
+            <a:extLst>
+              <a:ext uri="{FF2B5EF4-FFF2-40B4-BE49-F238E27FC236}">
+                <a16:creationId xmlns:a16="http://schemas.microsoft.com/office/drawing/2014/main" id="{7421F8CF-3B53-F04E-08A3-4E8F9EB276D5}"/>
+              </a:ext>
+            </a:extLst>
+          </p:cNvPr>
+          <p:cNvSpPr>
+            <a:spLocks noGrp="1"/>
+          </p:cNvSpPr>
+          <p:nvPr>
+            <p:ph type="title"/>
+          </p:nvPr>
+        </p:nvSpPr>
+        <p:spPr/>
+        <p:txBody>
+          <a:bodyPr/>
+          <a:lstStyle/>
+          <a:p>
+            <a:r>
+              <a:rPr lang="en-GB" dirty="0"/>
+              <a:t>QUANT Features</a:t>
+            </a:r>
+          </a:p>
+        </p:txBody>
+      </p:sp>
+      <p:pic>
+        <p:nvPicPr>
+          <p:cNvPr id="5" name="Picture 4">
+            <a:extLst>
+              <a:ext uri="{FF2B5EF4-FFF2-40B4-BE49-F238E27FC236}">
+                <a16:creationId xmlns:a16="http://schemas.microsoft.com/office/drawing/2014/main" id="{3A116FD6-D189-003B-B7AE-44B31F7AC300}"/>
+              </a:ext>
+            </a:extLst>
+          </p:cNvPr>
+          <p:cNvPicPr>
+            <a:picLocks noChangeAspect="1"/>
+          </p:cNvPicPr>
+          <p:nvPr/>
+        </p:nvPicPr>
+        <p:blipFill>
+          <a:blip r:embed="rId2"/>
+          <a:stretch>
+            <a:fillRect/>
+          </a:stretch>
+        </p:blipFill>
+        <p:spPr>
+          <a:xfrm>
+            <a:off x="307397" y="1240299"/>
+            <a:ext cx="6143625" cy="2990850"/>
+          </a:xfrm>
+          <a:prstGeom prst="rect">
+            <a:avLst/>
+          </a:prstGeom>
+        </p:spPr>
+      </p:pic>
+      <p:pic>
+        <p:nvPicPr>
+          <p:cNvPr id="7" name="Picture 6">
+            <a:extLst>
+              <a:ext uri="{FF2B5EF4-FFF2-40B4-BE49-F238E27FC236}">
+                <a16:creationId xmlns:a16="http://schemas.microsoft.com/office/drawing/2014/main" id="{A0A825BD-5F24-780E-B4DA-03E15E84835C}"/>
+              </a:ext>
+            </a:extLst>
+          </p:cNvPr>
+          <p:cNvPicPr>
+            <a:picLocks noChangeAspect="1"/>
+          </p:cNvPicPr>
+          <p:nvPr/>
+        </p:nvPicPr>
+        <p:blipFill>
+          <a:blip r:embed="rId3"/>
+          <a:stretch>
+            <a:fillRect/>
+          </a:stretch>
+        </p:blipFill>
+        <p:spPr>
+          <a:xfrm>
+            <a:off x="5248707" y="4231149"/>
+            <a:ext cx="6381750" cy="2133600"/>
+          </a:xfrm>
+          <a:prstGeom prst="rect">
+            <a:avLst/>
+          </a:prstGeom>
+        </p:spPr>
+      </p:pic>
+      <p:sp>
+        <p:nvSpPr>
+          <p:cNvPr id="8" name="Text Placeholder 1">
+            <a:extLst>
+              <a:ext uri="{FF2B5EF4-FFF2-40B4-BE49-F238E27FC236}">
+                <a16:creationId xmlns:a16="http://schemas.microsoft.com/office/drawing/2014/main" id="{33226A0D-47E3-74E6-2720-A117A28126B9}"/>
+              </a:ext>
+            </a:extLst>
+          </p:cNvPr>
+          <p:cNvSpPr txBox="1">
+            <a:spLocks/>
+          </p:cNvSpPr>
+          <p:nvPr/>
+        </p:nvSpPr>
+        <p:spPr>
+          <a:xfrm>
+            <a:off x="842618" y="4875157"/>
+            <a:ext cx="3870868" cy="4555200"/>
+          </a:xfrm>
+          <a:prstGeom prst="rect">
+            <a:avLst/>
+          </a:prstGeom>
+        </p:spPr>
+        <p:txBody>
+          <a:bodyPr spcFirstLastPara="1" wrap="square" lIns="91425" tIns="91425" rIns="91425" bIns="91425" anchor="t" anchorCtr="0"/>
+          <a:lstStyle>
+            <a:defPPr marR="0" lvl="0" algn="l" rtl="0">
+              <a:lnSpc>
+                <a:spcPct val="100000"/>
+              </a:lnSpc>
+              <a:spcBef>
+                <a:spcPts val="0"/>
+              </a:spcBef>
+              <a:spcAft>
+                <a:spcPts val="0"/>
+              </a:spcAft>
+            </a:defPPr>
+            <a:lvl1pPr marL="457200" marR="0" lvl="0" indent="-342900" algn="l" rtl="0">
+              <a:lnSpc>
+                <a:spcPct val="100000"/>
+              </a:lnSpc>
+              <a:spcBef>
+                <a:spcPts val="0"/>
+              </a:spcBef>
+              <a:spcAft>
+                <a:spcPts val="0"/>
+              </a:spcAft>
+              <a:buClr>
+                <a:srgbClr val="500064"/>
+              </a:buClr>
+              <a:buSzPts val="1800"/>
+              <a:buFont typeface="Arial"/>
+              <a:buChar char="●"/>
+              <a:defRPr sz="1800" b="0" i="0" u="none" strike="noStrike" cap="none">
+                <a:solidFill>
+                  <a:schemeClr val="tx1"/>
+                </a:solidFill>
+                <a:latin typeface="Aptos" panose="020B0004020202020204" pitchFamily="34" charset="0"/>
+                <a:ea typeface="Arial"/>
+                <a:cs typeface="Arial"/>
+                <a:sym typeface="Arial"/>
+              </a:defRPr>
+            </a:lvl1pPr>
+            <a:lvl2pPr marL="914400" marR="0" lvl="1" indent="-317500" algn="l" rtl="0">
+              <a:lnSpc>
+                <a:spcPct val="100000"/>
+              </a:lnSpc>
+              <a:spcBef>
+                <a:spcPts val="1600"/>
+              </a:spcBef>
+              <a:spcAft>
+                <a:spcPts val="0"/>
+              </a:spcAft>
+              <a:buClr>
+                <a:srgbClr val="000000"/>
+              </a:buClr>
+              <a:buSzPts val="1400"/>
+              <a:buFont typeface="Arial"/>
+              <a:buChar char="○"/>
+              <a:defRPr sz="1400" b="0" i="0" u="none" strike="noStrike" cap="none">
+                <a:solidFill>
+                  <a:srgbClr val="000000"/>
+                </a:solidFill>
+                <a:latin typeface="Arial"/>
+                <a:ea typeface="Arial"/>
+                <a:cs typeface="Arial"/>
+                <a:sym typeface="Arial"/>
+              </a:defRPr>
+            </a:lvl2pPr>
+            <a:lvl3pPr marL="1371600" marR="0" lvl="2" indent="-317500" algn="l" rtl="0">
+              <a:lnSpc>
+                <a:spcPct val="100000"/>
+              </a:lnSpc>
+              <a:spcBef>
+                <a:spcPts val="1600"/>
+              </a:spcBef>
+              <a:spcAft>
+                <a:spcPts val="0"/>
+              </a:spcAft>
+              <a:buClr>
+                <a:srgbClr val="000000"/>
+              </a:buClr>
+              <a:buSzPts val="1400"/>
+              <a:buFont typeface="Arial"/>
+              <a:buChar char="■"/>
+              <a:defRPr sz="1400" b="0" i="0" u="none" strike="noStrike" cap="none">
+                <a:solidFill>
+                  <a:srgbClr val="000000"/>
+                </a:solidFill>
+                <a:latin typeface="Arial"/>
+                <a:ea typeface="Arial"/>
+                <a:cs typeface="Arial"/>
+                <a:sym typeface="Arial"/>
+              </a:defRPr>
+            </a:lvl3pPr>
+            <a:lvl4pPr marL="1828800" marR="0" lvl="3" indent="-317500" algn="l" rtl="0">
+              <a:lnSpc>
+                <a:spcPct val="100000"/>
+              </a:lnSpc>
+              <a:spcBef>
+                <a:spcPts val="1600"/>
+              </a:spcBef>
+              <a:spcAft>
+                <a:spcPts val="0"/>
+              </a:spcAft>
+              <a:buClr>
+                <a:srgbClr val="000000"/>
+              </a:buClr>
+              <a:buSzPts val="1400"/>
+              <a:buFont typeface="Arial"/>
+              <a:buChar char="●"/>
+              <a:defRPr sz="1400" b="0" i="0" u="none" strike="noStrike" cap="none">
+                <a:solidFill>
+                  <a:srgbClr val="000000"/>
+                </a:solidFill>
+                <a:latin typeface="Arial"/>
+                <a:ea typeface="Arial"/>
+                <a:cs typeface="Arial"/>
+                <a:sym typeface="Arial"/>
+              </a:defRPr>
+            </a:lvl4pPr>
+            <a:lvl5pPr marL="2286000" marR="0" lvl="4" indent="-317500" algn="l" rtl="0">
+              <a:lnSpc>
+                <a:spcPct val="100000"/>
+              </a:lnSpc>
+              <a:spcBef>
+                <a:spcPts val="1600"/>
+              </a:spcBef>
+              <a:spcAft>
+                <a:spcPts val="0"/>
+              </a:spcAft>
+              <a:buClr>
+                <a:srgbClr val="000000"/>
+              </a:buClr>
+              <a:buSzPts val="1400"/>
+              <a:buFont typeface="Arial"/>
+              <a:buChar char="○"/>
+              <a:defRPr sz="1400" b="0" i="0" u="none" strike="noStrike" cap="none">
+                <a:solidFill>
+                  <a:srgbClr val="000000"/>
+                </a:solidFill>
+                <a:latin typeface="Arial"/>
+                <a:ea typeface="Arial"/>
+                <a:cs typeface="Arial"/>
+                <a:sym typeface="Arial"/>
+              </a:defRPr>
+            </a:lvl5pPr>
+            <a:lvl6pPr marL="2743200" marR="0" lvl="5" indent="-317500" algn="l" rtl="0">
+              <a:lnSpc>
+                <a:spcPct val="100000"/>
+              </a:lnSpc>
+              <a:spcBef>
+                <a:spcPts val="1600"/>
+              </a:spcBef>
+              <a:spcAft>
+                <a:spcPts val="0"/>
+              </a:spcAft>
+              <a:buClr>
+                <a:srgbClr val="000000"/>
+              </a:buClr>
+              <a:buSzPts val="1400"/>
+              <a:buFont typeface="Arial"/>
+              <a:buChar char="■"/>
+              <a:defRPr sz="1400" b="0" i="0" u="none" strike="noStrike" cap="none">
+                <a:solidFill>
+                  <a:srgbClr val="000000"/>
+                </a:solidFill>
+                <a:latin typeface="Arial"/>
+                <a:ea typeface="Arial"/>
+                <a:cs typeface="Arial"/>
+                <a:sym typeface="Arial"/>
+              </a:defRPr>
+            </a:lvl6pPr>
+            <a:lvl7pPr marL="3200400" marR="0" lvl="6" indent="-317500" algn="l" rtl="0">
+              <a:lnSpc>
+                <a:spcPct val="100000"/>
+              </a:lnSpc>
+              <a:spcBef>
+                <a:spcPts val="1600"/>
+              </a:spcBef>
+              <a:spcAft>
+                <a:spcPts val="0"/>
+              </a:spcAft>
+              <a:buClr>
+                <a:srgbClr val="000000"/>
+              </a:buClr>
+              <a:buSzPts val="1400"/>
+              <a:buFont typeface="Arial"/>
+              <a:buChar char="●"/>
+              <a:defRPr sz="1400" b="0" i="0" u="none" strike="noStrike" cap="none">
+                <a:solidFill>
+                  <a:srgbClr val="000000"/>
+                </a:solidFill>
+                <a:latin typeface="Arial"/>
+                <a:ea typeface="Arial"/>
+                <a:cs typeface="Arial"/>
+                <a:sym typeface="Arial"/>
+              </a:defRPr>
+            </a:lvl7pPr>
+            <a:lvl8pPr marL="3657600" marR="0" lvl="7" indent="-317500" algn="l" rtl="0">
+              <a:lnSpc>
+                <a:spcPct val="100000"/>
+              </a:lnSpc>
+              <a:spcBef>
+                <a:spcPts val="1600"/>
+              </a:spcBef>
+              <a:spcAft>
+                <a:spcPts val="0"/>
+              </a:spcAft>
+              <a:buClr>
+                <a:srgbClr val="000000"/>
+              </a:buClr>
+              <a:buSzPts val="1400"/>
+              <a:buFont typeface="Arial"/>
+              <a:buChar char="○"/>
+              <a:defRPr sz="1400" b="0" i="0" u="none" strike="noStrike" cap="none">
+                <a:solidFill>
+                  <a:srgbClr val="000000"/>
+                </a:solidFill>
+                <a:latin typeface="Arial"/>
+                <a:ea typeface="Arial"/>
+                <a:cs typeface="Arial"/>
+                <a:sym typeface="Arial"/>
+              </a:defRPr>
+            </a:lvl8pPr>
+            <a:lvl9pPr marL="4114800" marR="0" lvl="8" indent="-317500" algn="l" rtl="0">
+              <a:lnSpc>
+                <a:spcPct val="100000"/>
+              </a:lnSpc>
+              <a:spcBef>
+                <a:spcPts val="1600"/>
+              </a:spcBef>
+              <a:spcAft>
+                <a:spcPts val="1600"/>
+              </a:spcAft>
+              <a:buClr>
+                <a:srgbClr val="000000"/>
+              </a:buClr>
+              <a:buSzPts val="1400"/>
+              <a:buFont typeface="Arial"/>
+              <a:buChar char="■"/>
+              <a:defRPr sz="1400" b="0" i="0" u="none" strike="noStrike" cap="none">
+                <a:solidFill>
+                  <a:srgbClr val="000000"/>
+                </a:solidFill>
+                <a:latin typeface="Arial"/>
+                <a:ea typeface="Arial"/>
+                <a:cs typeface="Arial"/>
+                <a:sym typeface="Arial"/>
+              </a:defRPr>
+            </a:lvl9pPr>
+          </a:lstStyle>
+          <a:p>
+            <a:pPr marL="114300" indent="0" algn="r">
+              <a:buNone/>
+            </a:pPr>
+            <a:r>
+              <a:rPr lang="en-GB" dirty="0"/>
+              <a:t>Extracts mean normalised quantiles as well as absolute values. </a:t>
+            </a:r>
+          </a:p>
+        </p:txBody>
+      </p:sp>
+    </p:spTree>
+    <p:extLst>
+      <p:ext uri="{BB962C8B-B14F-4D97-AF65-F5344CB8AC3E}">
+        <p14:creationId xmlns:p14="http://schemas.microsoft.com/office/powerpoint/2010/main" val="4025672061"/>
+      </p:ext>
+    </p:extLst>
+  </p:cSld>
+  <p:clrMapOvr>
+    <a:masterClrMapping/>
+  </p:clrMapOvr>
+</p:sld>
+</file>
+
+<file path=ppt/slides/slide16.xml><?xml version="1.0" encoding="utf-8"?>
+<p:sld xmlns:a="http://schemas.openxmlformats.org/drawingml/2006/main" xmlns:r="http://schemas.openxmlformats.org/officeDocument/2006/relationships" xmlns:p="http://schemas.openxmlformats.org/presentationml/2006/main">
+  <p:cSld>
+    <p:spTree>
+      <p:nvGrpSpPr>
+        <p:cNvPr id="1" name=""/>
+        <p:cNvGrpSpPr/>
+        <p:nvPr/>
+      </p:nvGrpSpPr>
+      <p:grpSpPr>
+        <a:xfrm>
+          <a:off x="0" y="0"/>
+          <a:ext cx="0" cy="0"/>
+          <a:chOff x="0" y="0"/>
+          <a:chExt cx="0" cy="0"/>
+        </a:xfrm>
+      </p:grpSpPr>
+      <p:sp>
+        <p:nvSpPr>
+          <p:cNvPr id="2" name="Text Placeholder 1">
+            <a:extLst>
+              <a:ext uri="{FF2B5EF4-FFF2-40B4-BE49-F238E27FC236}">
                 <a16:creationId xmlns:a16="http://schemas.microsoft.com/office/drawing/2014/main" id="{5C1E7C59-15C1-0A42-3DD1-19BCD51C0B05}"/>
               </a:ext>
             </a:extLst>
@@ -27498,14 +30595,22 @@
             <p:ph type="body" idx="1"/>
           </p:nvPr>
         </p:nvSpPr>
-        <p:spPr/>
+        <p:spPr>
+          <a:xfrm>
+            <a:off x="415600" y="1401551"/>
+            <a:ext cx="6110470" cy="4555200"/>
+          </a:xfrm>
+        </p:spPr>
         <p:txBody>
           <a:bodyPr/>
           <a:lstStyle/>
           <a:p>
+            <a:pPr marL="114300" indent="0">
+              <a:buNone/>
+            </a:pPr>
             <a:r>
-              <a:rPr lang="en-GB" dirty="0"/>
-              <a:t>CD</a:t>
+              <a:rPr lang="en-GB" sz="2000" dirty="0"/>
+              <a:t>Interval approaches have had a significant amount of improvement over time, with recent approaches eclipsing TSF on benchmark data. </a:t>
             </a:r>
           </a:p>
         </p:txBody>
@@ -27533,7 +30638,402 @@
           <a:p>
             <a:r>
               <a:rPr lang="en-GB" dirty="0"/>
-              <a:t>Feature Based Performance</a:t>
+              <a:t>Interval Based Performance</a:t>
+            </a:r>
+          </a:p>
+        </p:txBody>
+      </p:sp>
+      <p:pic>
+        <p:nvPicPr>
+          <p:cNvPr id="5" name="Picture 4">
+            <a:extLst>
+              <a:ext uri="{FF2B5EF4-FFF2-40B4-BE49-F238E27FC236}">
+                <a16:creationId xmlns:a16="http://schemas.microsoft.com/office/drawing/2014/main" id="{936FDEA6-B917-EC59-6DC1-1E3186AF55B3}"/>
+              </a:ext>
+            </a:extLst>
+          </p:cNvPr>
+          <p:cNvPicPr>
+            <a:picLocks noChangeAspect="1"/>
+          </p:cNvPicPr>
+          <p:nvPr/>
+        </p:nvPicPr>
+        <p:blipFill rotWithShape="1">
+          <a:blip r:embed="rId2"/>
+          <a:srcRect r="1404"/>
+          <a:stretch/>
+        </p:blipFill>
+        <p:spPr>
+          <a:xfrm>
+            <a:off x="135082" y="3326667"/>
+            <a:ext cx="6390988" cy="2328026"/>
+          </a:xfrm>
+          <a:prstGeom prst="rect">
+            <a:avLst/>
+          </a:prstGeom>
+        </p:spPr>
+      </p:pic>
+      <p:pic>
+        <p:nvPicPr>
+          <p:cNvPr id="7" name="Picture 6">
+            <a:extLst>
+              <a:ext uri="{FF2B5EF4-FFF2-40B4-BE49-F238E27FC236}">
+                <a16:creationId xmlns:a16="http://schemas.microsoft.com/office/drawing/2014/main" id="{5F1192EF-7BD1-E10E-88F7-6EE43F38B964}"/>
+              </a:ext>
+            </a:extLst>
+          </p:cNvPr>
+          <p:cNvPicPr>
+            <a:picLocks noChangeAspect="1"/>
+          </p:cNvPicPr>
+          <p:nvPr/>
+        </p:nvPicPr>
+        <p:blipFill>
+          <a:blip r:embed="rId3"/>
+          <a:stretch>
+            <a:fillRect/>
+          </a:stretch>
+        </p:blipFill>
+        <p:spPr>
+          <a:xfrm>
+            <a:off x="6806588" y="1532414"/>
+            <a:ext cx="4867910" cy="4293473"/>
+          </a:xfrm>
+          <a:prstGeom prst="rect">
+            <a:avLst/>
+          </a:prstGeom>
+        </p:spPr>
+      </p:pic>
+      <p:sp>
+        <p:nvSpPr>
+          <p:cNvPr id="4" name="Text Placeholder 1">
+            <a:extLst>
+              <a:ext uri="{FF2B5EF4-FFF2-40B4-BE49-F238E27FC236}">
+                <a16:creationId xmlns:a16="http://schemas.microsoft.com/office/drawing/2014/main" id="{2D4F3816-D54B-508C-301E-F91D0AED0C0F}"/>
+              </a:ext>
+            </a:extLst>
+          </p:cNvPr>
+          <p:cNvSpPr txBox="1">
+            <a:spLocks/>
+          </p:cNvSpPr>
+          <p:nvPr/>
+        </p:nvSpPr>
+        <p:spPr>
+          <a:xfrm>
+            <a:off x="208336" y="6069321"/>
+            <a:ext cx="11568064" cy="597399"/>
+          </a:xfrm>
+          <a:prstGeom prst="rect">
+            <a:avLst/>
+          </a:prstGeom>
+        </p:spPr>
+        <p:txBody>
+          <a:bodyPr spcFirstLastPara="1" wrap="square" lIns="91425" tIns="91425" rIns="91425" bIns="91425" anchor="t" anchorCtr="0"/>
+          <a:lstStyle>
+            <a:defPPr marR="0" lvl="0" algn="l" rtl="0">
+              <a:lnSpc>
+                <a:spcPct val="100000"/>
+              </a:lnSpc>
+              <a:spcBef>
+                <a:spcPts val="0"/>
+              </a:spcBef>
+              <a:spcAft>
+                <a:spcPts val="0"/>
+              </a:spcAft>
+            </a:defPPr>
+            <a:lvl1pPr marL="457200" marR="0" lvl="0" indent="-342900" algn="l" rtl="0">
+              <a:lnSpc>
+                <a:spcPct val="100000"/>
+              </a:lnSpc>
+              <a:spcBef>
+                <a:spcPts val="0"/>
+              </a:spcBef>
+              <a:spcAft>
+                <a:spcPts val="0"/>
+              </a:spcAft>
+              <a:buClr>
+                <a:srgbClr val="500064"/>
+              </a:buClr>
+              <a:buSzPts val="1800"/>
+              <a:buFont typeface="Arial"/>
+              <a:buChar char="●"/>
+              <a:defRPr sz="1800" b="0" i="0" u="none" strike="noStrike" cap="none">
+                <a:solidFill>
+                  <a:schemeClr val="tx1"/>
+                </a:solidFill>
+                <a:latin typeface="Aptos" panose="020B0004020202020204" pitchFamily="34" charset="0"/>
+                <a:ea typeface="Arial"/>
+                <a:cs typeface="Arial"/>
+                <a:sym typeface="Arial"/>
+              </a:defRPr>
+            </a:lvl1pPr>
+            <a:lvl2pPr marL="914400" marR="0" lvl="1" indent="-317500" algn="l" rtl="0">
+              <a:lnSpc>
+                <a:spcPct val="100000"/>
+              </a:lnSpc>
+              <a:spcBef>
+                <a:spcPts val="1600"/>
+              </a:spcBef>
+              <a:spcAft>
+                <a:spcPts val="0"/>
+              </a:spcAft>
+              <a:buClr>
+                <a:srgbClr val="000000"/>
+              </a:buClr>
+              <a:buSzPts val="1400"/>
+              <a:buFont typeface="Arial"/>
+              <a:buChar char="○"/>
+              <a:defRPr sz="1400" b="0" i="0" u="none" strike="noStrike" cap="none">
+                <a:solidFill>
+                  <a:srgbClr val="000000"/>
+                </a:solidFill>
+                <a:latin typeface="Arial"/>
+                <a:ea typeface="Arial"/>
+                <a:cs typeface="Arial"/>
+                <a:sym typeface="Arial"/>
+              </a:defRPr>
+            </a:lvl2pPr>
+            <a:lvl3pPr marL="1371600" marR="0" lvl="2" indent="-317500" algn="l" rtl="0">
+              <a:lnSpc>
+                <a:spcPct val="100000"/>
+              </a:lnSpc>
+              <a:spcBef>
+                <a:spcPts val="1600"/>
+              </a:spcBef>
+              <a:spcAft>
+                <a:spcPts val="0"/>
+              </a:spcAft>
+              <a:buClr>
+                <a:srgbClr val="000000"/>
+              </a:buClr>
+              <a:buSzPts val="1400"/>
+              <a:buFont typeface="Arial"/>
+              <a:buChar char="■"/>
+              <a:defRPr sz="1400" b="0" i="0" u="none" strike="noStrike" cap="none">
+                <a:solidFill>
+                  <a:srgbClr val="000000"/>
+                </a:solidFill>
+                <a:latin typeface="Arial"/>
+                <a:ea typeface="Arial"/>
+                <a:cs typeface="Arial"/>
+                <a:sym typeface="Arial"/>
+              </a:defRPr>
+            </a:lvl3pPr>
+            <a:lvl4pPr marL="1828800" marR="0" lvl="3" indent="-317500" algn="l" rtl="0">
+              <a:lnSpc>
+                <a:spcPct val="100000"/>
+              </a:lnSpc>
+              <a:spcBef>
+                <a:spcPts val="1600"/>
+              </a:spcBef>
+              <a:spcAft>
+                <a:spcPts val="0"/>
+              </a:spcAft>
+              <a:buClr>
+                <a:srgbClr val="000000"/>
+              </a:buClr>
+              <a:buSzPts val="1400"/>
+              <a:buFont typeface="Arial"/>
+              <a:buChar char="●"/>
+              <a:defRPr sz="1400" b="0" i="0" u="none" strike="noStrike" cap="none">
+                <a:solidFill>
+                  <a:srgbClr val="000000"/>
+                </a:solidFill>
+                <a:latin typeface="Arial"/>
+                <a:ea typeface="Arial"/>
+                <a:cs typeface="Arial"/>
+                <a:sym typeface="Arial"/>
+              </a:defRPr>
+            </a:lvl4pPr>
+            <a:lvl5pPr marL="2286000" marR="0" lvl="4" indent="-317500" algn="l" rtl="0">
+              <a:lnSpc>
+                <a:spcPct val="100000"/>
+              </a:lnSpc>
+              <a:spcBef>
+                <a:spcPts val="1600"/>
+              </a:spcBef>
+              <a:spcAft>
+                <a:spcPts val="0"/>
+              </a:spcAft>
+              <a:buClr>
+                <a:srgbClr val="000000"/>
+              </a:buClr>
+              <a:buSzPts val="1400"/>
+              <a:buFont typeface="Arial"/>
+              <a:buChar char="○"/>
+              <a:defRPr sz="1400" b="0" i="0" u="none" strike="noStrike" cap="none">
+                <a:solidFill>
+                  <a:srgbClr val="000000"/>
+                </a:solidFill>
+                <a:latin typeface="Arial"/>
+                <a:ea typeface="Arial"/>
+                <a:cs typeface="Arial"/>
+                <a:sym typeface="Arial"/>
+              </a:defRPr>
+            </a:lvl5pPr>
+            <a:lvl6pPr marL="2743200" marR="0" lvl="5" indent="-317500" algn="l" rtl="0">
+              <a:lnSpc>
+                <a:spcPct val="100000"/>
+              </a:lnSpc>
+              <a:spcBef>
+                <a:spcPts val="1600"/>
+              </a:spcBef>
+              <a:spcAft>
+                <a:spcPts val="0"/>
+              </a:spcAft>
+              <a:buClr>
+                <a:srgbClr val="000000"/>
+              </a:buClr>
+              <a:buSzPts val="1400"/>
+              <a:buFont typeface="Arial"/>
+              <a:buChar char="■"/>
+              <a:defRPr sz="1400" b="0" i="0" u="none" strike="noStrike" cap="none">
+                <a:solidFill>
+                  <a:srgbClr val="000000"/>
+                </a:solidFill>
+                <a:latin typeface="Arial"/>
+                <a:ea typeface="Arial"/>
+                <a:cs typeface="Arial"/>
+                <a:sym typeface="Arial"/>
+              </a:defRPr>
+            </a:lvl6pPr>
+            <a:lvl7pPr marL="3200400" marR="0" lvl="6" indent="-317500" algn="l" rtl="0">
+              <a:lnSpc>
+                <a:spcPct val="100000"/>
+              </a:lnSpc>
+              <a:spcBef>
+                <a:spcPts val="1600"/>
+              </a:spcBef>
+              <a:spcAft>
+                <a:spcPts val="0"/>
+              </a:spcAft>
+              <a:buClr>
+                <a:srgbClr val="000000"/>
+              </a:buClr>
+              <a:buSzPts val="1400"/>
+              <a:buFont typeface="Arial"/>
+              <a:buChar char="●"/>
+              <a:defRPr sz="1400" b="0" i="0" u="none" strike="noStrike" cap="none">
+                <a:solidFill>
+                  <a:srgbClr val="000000"/>
+                </a:solidFill>
+                <a:latin typeface="Arial"/>
+                <a:ea typeface="Arial"/>
+                <a:cs typeface="Arial"/>
+                <a:sym typeface="Arial"/>
+              </a:defRPr>
+            </a:lvl7pPr>
+            <a:lvl8pPr marL="3657600" marR="0" lvl="7" indent="-317500" algn="l" rtl="0">
+              <a:lnSpc>
+                <a:spcPct val="100000"/>
+              </a:lnSpc>
+              <a:spcBef>
+                <a:spcPts val="1600"/>
+              </a:spcBef>
+              <a:spcAft>
+                <a:spcPts val="0"/>
+              </a:spcAft>
+              <a:buClr>
+                <a:srgbClr val="000000"/>
+              </a:buClr>
+              <a:buSzPts val="1400"/>
+              <a:buFont typeface="Arial"/>
+              <a:buChar char="○"/>
+              <a:defRPr sz="1400" b="0" i="0" u="none" strike="noStrike" cap="none">
+                <a:solidFill>
+                  <a:srgbClr val="000000"/>
+                </a:solidFill>
+                <a:latin typeface="Arial"/>
+                <a:ea typeface="Arial"/>
+                <a:cs typeface="Arial"/>
+                <a:sym typeface="Arial"/>
+              </a:defRPr>
+            </a:lvl8pPr>
+            <a:lvl9pPr marL="4114800" marR="0" lvl="8" indent="-317500" algn="l" rtl="0">
+              <a:lnSpc>
+                <a:spcPct val="100000"/>
+              </a:lnSpc>
+              <a:spcBef>
+                <a:spcPts val="1600"/>
+              </a:spcBef>
+              <a:spcAft>
+                <a:spcPts val="1600"/>
+              </a:spcAft>
+              <a:buClr>
+                <a:srgbClr val="000000"/>
+              </a:buClr>
+              <a:buSzPts val="1400"/>
+              <a:buFont typeface="Arial"/>
+              <a:buChar char="■"/>
+              <a:defRPr sz="1400" b="0" i="0" u="none" strike="noStrike" cap="none">
+                <a:solidFill>
+                  <a:srgbClr val="000000"/>
+                </a:solidFill>
+                <a:latin typeface="Arial"/>
+                <a:ea typeface="Arial"/>
+                <a:cs typeface="Arial"/>
+                <a:sym typeface="Arial"/>
+              </a:defRPr>
+            </a:lvl9pPr>
+          </a:lstStyle>
+          <a:p>
+            <a:pPr marL="114300" indent="0">
+              <a:buFont typeface="Arial"/>
+              <a:buNone/>
+            </a:pPr>
+            <a:r>
+              <a:rPr lang="en-GB" sz="1400" dirty="0"/>
+              <a:t>Dau, H.A., Bagnall, A., </a:t>
+            </a:r>
+            <a:r>
+              <a:rPr lang="en-GB" sz="1400" dirty="0" err="1"/>
+              <a:t>Kamgar</a:t>
+            </a:r>
+            <a:r>
+              <a:rPr lang="en-GB" sz="1400" dirty="0"/>
+              <a:t>, K., Yeh, C.C.M., Zhu, Y., </a:t>
+            </a:r>
+            <a:r>
+              <a:rPr lang="en-GB" sz="1400" dirty="0" err="1"/>
+              <a:t>Gharghabi</a:t>
+            </a:r>
+            <a:r>
+              <a:rPr lang="en-GB" sz="1400" dirty="0"/>
+              <a:t>, S., </a:t>
+            </a:r>
+            <a:r>
+              <a:rPr lang="en-GB" sz="1400" dirty="0" err="1"/>
+              <a:t>Ratanamahatana</a:t>
+            </a:r>
+            <a:r>
+              <a:rPr lang="en-GB" sz="1400" dirty="0"/>
+              <a:t>, C.A. and Keogh, E., 2019. The UCR time series archive. </a:t>
+            </a:r>
+            <a:r>
+              <a:rPr lang="en-GB" sz="1400" i="1" dirty="0"/>
+              <a:t>IEEE/CAA Journal of </a:t>
+            </a:r>
+            <a:r>
+              <a:rPr lang="en-GB" sz="1400" i="1" dirty="0" err="1"/>
+              <a:t>Automatica</a:t>
+            </a:r>
+            <a:r>
+              <a:rPr lang="en-GB" sz="1400" i="1" dirty="0"/>
+              <a:t> </a:t>
+            </a:r>
+            <a:r>
+              <a:rPr lang="en-GB" sz="1400" i="1" dirty="0" err="1"/>
+              <a:t>Sinica</a:t>
+            </a:r>
+            <a:r>
+              <a:rPr lang="en-GB" sz="1400" dirty="0"/>
+              <a:t>, </a:t>
+            </a:r>
+            <a:r>
+              <a:rPr lang="en-GB" sz="1400" i="1" dirty="0"/>
+              <a:t>6</a:t>
+            </a:r>
+            <a:r>
+              <a:rPr lang="en-GB" sz="1400" dirty="0"/>
+              <a:t>(6), pp.1293-1305.</a:t>
             </a:r>
           </a:p>
         </p:txBody>
@@ -27551,7 +31051,7 @@
 </p:sld>
 </file>
 
-<file path=ppt/slides/slide16.xml><?xml version="1.0" encoding="utf-8"?>
+<file path=ppt/slides/slide17.xml><?xml version="1.0" encoding="utf-8"?>
 <p:sld xmlns:a="http://schemas.openxmlformats.org/drawingml/2006/main" xmlns:r="http://schemas.openxmlformats.org/officeDocument/2006/relationships" xmlns:p="http://schemas.openxmlformats.org/presentationml/2006/main">
   <p:cSld>
     <p:spTree>
@@ -31642,7 +35142,7 @@
           <a:p>
             <a:r>
               <a:rPr lang="en-GB" sz="2000" dirty="0"/>
-              <a:t>Random Supervised Time Series Forest (RSTSF)</a:t>
+              <a:t>Random Supervised Time Series Forest (R-STSF)</a:t>
             </a:r>
           </a:p>
           <a:p>
@@ -31755,9 +35255,9 @@
             </a:r>
           </a:p>
           <a:p>
-            <a:endParaRPr lang="en-GB" sz="2000" dirty="0"/>
-          </a:p>
-          <a:p>
+            <a:pPr marL="114300" indent="0">
+              <a:buNone/>
+            </a:pPr>
             <a:endParaRPr lang="en-GB" sz="2000" dirty="0"/>
           </a:p>
           <a:p>
@@ -32638,14 +36138,13 @@
           </p:cNvPr>
           <p:cNvCxnSpPr>
             <a:cxnSpLocks/>
-            <a:stCxn id="5" idx="2"/>
           </p:cNvCxnSpPr>
           <p:nvPr/>
         </p:nvCxnSpPr>
         <p:spPr>
-          <a:xfrm>
-            <a:off x="5740281" y="3558073"/>
-            <a:ext cx="42634" cy="1325578"/>
+          <a:xfrm flipH="1">
+            <a:off x="5782915" y="3592579"/>
+            <a:ext cx="313085" cy="1291072"/>
           </a:xfrm>
           <a:prstGeom prst="straightConnector1">
             <a:avLst/>
@@ -32683,14 +36182,13 @@
           </p:cNvPr>
           <p:cNvCxnSpPr>
             <a:cxnSpLocks/>
-            <a:stCxn id="5" idx="2"/>
           </p:cNvCxnSpPr>
           <p:nvPr/>
         </p:nvCxnSpPr>
         <p:spPr>
           <a:xfrm>
-            <a:off x="5740281" y="3558073"/>
-            <a:ext cx="919123" cy="1325578"/>
+            <a:off x="6096000" y="3592579"/>
+            <a:ext cx="563404" cy="1291072"/>
           </a:xfrm>
           <a:prstGeom prst="straightConnector1">
             <a:avLst/>
@@ -32728,14 +36226,13 @@
           </p:cNvPr>
           <p:cNvCxnSpPr>
             <a:cxnSpLocks/>
-            <a:stCxn id="5" idx="2"/>
           </p:cNvCxnSpPr>
           <p:nvPr/>
         </p:nvCxnSpPr>
         <p:spPr>
           <a:xfrm flipH="1">
-            <a:off x="4914430" y="3558073"/>
-            <a:ext cx="825851" cy="1325578"/>
+            <a:off x="4914430" y="3592579"/>
+            <a:ext cx="1181570" cy="1291072"/>
           </a:xfrm>
           <a:prstGeom prst="straightConnector1">
             <a:avLst/>
@@ -32773,14 +36270,13 @@
           </p:cNvPr>
           <p:cNvCxnSpPr>
             <a:cxnSpLocks/>
-            <a:stCxn id="7" idx="2"/>
           </p:cNvCxnSpPr>
           <p:nvPr/>
         </p:nvCxnSpPr>
         <p:spPr>
           <a:xfrm>
-            <a:off x="7863284" y="3558073"/>
-            <a:ext cx="284758" cy="1325578"/>
+            <a:off x="7533409" y="3592579"/>
+            <a:ext cx="614633" cy="1291072"/>
           </a:xfrm>
           <a:prstGeom prst="straightConnector1">
             <a:avLst/>
@@ -32818,14 +36314,13 @@
           </p:cNvPr>
           <p:cNvCxnSpPr>
             <a:cxnSpLocks/>
-            <a:stCxn id="7" idx="2"/>
           </p:cNvCxnSpPr>
           <p:nvPr/>
         </p:nvCxnSpPr>
         <p:spPr>
           <a:xfrm>
-            <a:off x="7863284" y="3558073"/>
-            <a:ext cx="1100510" cy="1325578"/>
+            <a:off x="7533409" y="3581952"/>
+            <a:ext cx="1430385" cy="1301699"/>
           </a:xfrm>
           <a:prstGeom prst="straightConnector1">
             <a:avLst/>
@@ -32863,14 +36358,13 @@
           </p:cNvPr>
           <p:cNvCxnSpPr>
             <a:cxnSpLocks/>
-            <a:stCxn id="7" idx="2"/>
           </p:cNvCxnSpPr>
           <p:nvPr/>
         </p:nvCxnSpPr>
         <p:spPr>
           <a:xfrm flipH="1">
-            <a:off x="7322192" y="3558073"/>
-            <a:ext cx="541092" cy="1325578"/>
+            <a:off x="7322192" y="3581952"/>
+            <a:ext cx="211217" cy="1301699"/>
           </a:xfrm>
           <a:prstGeom prst="straightConnector1">
             <a:avLst/>
@@ -32908,14 +36402,13 @@
           </p:cNvPr>
           <p:cNvCxnSpPr>
             <a:cxnSpLocks/>
-            <a:stCxn id="6" idx="2"/>
           </p:cNvCxnSpPr>
           <p:nvPr/>
         </p:nvCxnSpPr>
         <p:spPr>
-          <a:xfrm flipH="1">
-            <a:off x="3439685" y="3592579"/>
-            <a:ext cx="194058" cy="1291072"/>
+          <a:xfrm>
+            <a:off x="2919845" y="3592579"/>
+            <a:ext cx="519840" cy="1291072"/>
           </a:xfrm>
           <a:prstGeom prst="straightConnector1">
             <a:avLst/>
@@ -32953,14 +36446,13 @@
           </p:cNvPr>
           <p:cNvCxnSpPr>
             <a:cxnSpLocks/>
-            <a:stCxn id="6" idx="2"/>
           </p:cNvCxnSpPr>
           <p:nvPr/>
         </p:nvCxnSpPr>
         <p:spPr>
           <a:xfrm>
-            <a:off x="3633743" y="3592579"/>
-            <a:ext cx="488968" cy="1291072"/>
+            <a:off x="2919845" y="3592579"/>
+            <a:ext cx="1202866" cy="1291072"/>
           </a:xfrm>
           <a:prstGeom prst="straightConnector1">
             <a:avLst/>
@@ -32998,14 +36490,13 @@
           </p:cNvPr>
           <p:cNvCxnSpPr>
             <a:cxnSpLocks/>
-            <a:stCxn id="6" idx="2"/>
           </p:cNvCxnSpPr>
           <p:nvPr/>
         </p:nvCxnSpPr>
         <p:spPr>
           <a:xfrm flipH="1">
             <a:off x="2688452" y="3592579"/>
-            <a:ext cx="945291" cy="1291072"/>
+            <a:ext cx="231393" cy="1291072"/>
           </a:xfrm>
           <a:prstGeom prst="straightConnector1">
             <a:avLst/>
@@ -34612,9 +38103,9 @@
             </a:r>
           </a:p>
           <a:p>
-            <a:endParaRPr lang="en-GB" sz="2000" dirty="0"/>
-          </a:p>
-          <a:p>
+            <a:pPr marL="114300" indent="0">
+              <a:buNone/>
+            </a:pPr>
             <a:endParaRPr lang="en-GB" sz="2000" dirty="0"/>
           </a:p>
           <a:p>
